--- a/Velcherean_Raul_presentation.pptx
+++ b/Velcherean_Raul_presentation.pptx
@@ -9,12 +9,22 @@
     <p:sldId id="262" r:id="rId3"/>
     <p:sldId id="257" r:id="rId4"/>
     <p:sldId id="263" r:id="rId5"/>
-    <p:sldId id="258" r:id="rId6"/>
-    <p:sldId id="259" r:id="rId7"/>
-    <p:sldId id="264" r:id="rId8"/>
-    <p:sldId id="265" r:id="rId9"/>
-    <p:sldId id="260" r:id="rId10"/>
-    <p:sldId id="261" r:id="rId11"/>
+    <p:sldId id="266" r:id="rId6"/>
+    <p:sldId id="258" r:id="rId7"/>
+    <p:sldId id="267" r:id="rId8"/>
+    <p:sldId id="268" r:id="rId9"/>
+    <p:sldId id="269" r:id="rId10"/>
+    <p:sldId id="259" r:id="rId11"/>
+    <p:sldId id="270" r:id="rId12"/>
+    <p:sldId id="271" r:id="rId13"/>
+    <p:sldId id="272" r:id="rId14"/>
+    <p:sldId id="264" r:id="rId15"/>
+    <p:sldId id="265" r:id="rId16"/>
+    <p:sldId id="260" r:id="rId17"/>
+    <p:sldId id="273" r:id="rId18"/>
+    <p:sldId id="274" r:id="rId19"/>
+    <p:sldId id="275" r:id="rId20"/>
+    <p:sldId id="261" r:id="rId21"/>
   </p:sldIdLst>
   <p:sldSz cx="12192000" cy="6858000"/>
   <p:notesSz cx="6858000" cy="9144000"/>
@@ -4071,10 +4081,140 @@
       </p:grpSpPr>
       <p:sp>
         <p:nvSpPr>
+          <p:cNvPr id="28" name="Rectangle 27">
+            <a:extLst>
+              <a:ext uri="{FF2B5EF4-FFF2-40B4-BE49-F238E27FC236}">
+                <a16:creationId xmlns:a16="http://schemas.microsoft.com/office/drawing/2014/main" id="{23962611-DFD5-4092-AAFD-559E3DFCE2C9}"/>
+              </a:ext>
+              <a:ext uri="{C183D7F6-B498-43B3-948B-1728B52AA6E4}">
+                <adec:decorative xmlns:adec="http://schemas.microsoft.com/office/drawing/2017/decorative" val="1"/>
+              </a:ext>
+            </a:extLst>
+          </p:cNvPr>
+          <p:cNvSpPr>
+            <a:spLocks noGrp="1" noRot="1" noChangeAspect="1" noMove="1" noResize="1" noEditPoints="1" noAdjustHandles="1" noChangeArrowheads="1" noChangeShapeType="1" noTextEdit="1"/>
+          </p:cNvSpPr>
+          <p:nvPr>
+            <p:extLst>
+              <p:ext uri="{386F3935-93C4-4BCD-93E2-E3B085C9AB24}">
+                <p16:designElem xmlns:p16="http://schemas.microsoft.com/office/powerpoint/2015/main" val="1"/>
+              </p:ext>
+            </p:extLst>
+          </p:nvPr>
+        </p:nvSpPr>
+        <p:spPr>
+          <a:xfrm>
+            <a:off x="475488" y="0"/>
+            <a:ext cx="10910292" cy="6858000"/>
+          </a:xfrm>
+          <a:prstGeom prst="rect">
+            <a:avLst/>
+          </a:prstGeom>
+          <a:gradFill>
+            <a:gsLst>
+              <a:gs pos="0">
+                <a:schemeClr val="accent1">
+                  <a:lumMod val="90000"/>
+                </a:schemeClr>
+              </a:gs>
+              <a:gs pos="25000">
+                <a:schemeClr val="accent1">
+                  <a:lumMod val="90000"/>
+                </a:schemeClr>
+              </a:gs>
+              <a:gs pos="94000">
+                <a:schemeClr val="bg2">
+                  <a:lumMod val="25000"/>
+                </a:schemeClr>
+              </a:gs>
+              <a:gs pos="100000">
+                <a:schemeClr val="bg2">
+                  <a:lumMod val="25000"/>
+                </a:schemeClr>
+              </a:gs>
+            </a:gsLst>
+            <a:lin ang="4200000" scaled="0"/>
+          </a:gradFill>
+          <a:ln>
+            <a:noFill/>
+          </a:ln>
+        </p:spPr>
+        <p:style>
+          <a:lnRef idx="2">
+            <a:schemeClr val="accent1">
+              <a:shade val="50000"/>
+            </a:schemeClr>
+          </a:lnRef>
+          <a:fillRef idx="1">
+            <a:schemeClr val="accent1"/>
+          </a:fillRef>
+          <a:effectRef idx="0">
+            <a:schemeClr val="accent1"/>
+          </a:effectRef>
+          <a:fontRef idx="minor">
+            <a:schemeClr val="lt1"/>
+          </a:fontRef>
+        </p:style>
+        <p:txBody>
+          <a:bodyPr rtlCol="0" anchor="ctr"/>
+          <a:lstStyle/>
+          <a:p>
+            <a:pPr algn="ctr"/>
+            <a:endParaRPr lang="en-US"/>
+          </a:p>
+        </p:txBody>
+      </p:sp>
+      <p:pic>
+        <p:nvPicPr>
+          <p:cNvPr id="30" name="Picture 29">
+            <a:extLst>
+              <a:ext uri="{FF2B5EF4-FFF2-40B4-BE49-F238E27FC236}">
+                <a16:creationId xmlns:a16="http://schemas.microsoft.com/office/drawing/2014/main" id="{2270F1FA-0425-408F-9861-80BF5AFB276D}"/>
+              </a:ext>
+              <a:ext uri="{C183D7F6-B498-43B3-948B-1728B52AA6E4}">
+                <adec:decorative xmlns:adec="http://schemas.microsoft.com/office/drawing/2017/decorative" val="1"/>
+              </a:ext>
+            </a:extLst>
+          </p:cNvPr>
+          <p:cNvPicPr>
+            <a:picLocks noGrp="1" noRot="1" noChangeAspect="1" noMove="1" noResize="1" noEditPoints="1" noAdjustHandles="1" noChangeArrowheads="1" noChangeShapeType="1" noCrop="1"/>
+          </p:cNvPicPr>
+          <p:nvPr>
+            <p:extLst>
+              <p:ext uri="{386F3935-93C4-4BCD-93E2-E3B085C9AB24}">
+                <p16:designElem xmlns:p16="http://schemas.microsoft.com/office/powerpoint/2015/main" val="1"/>
+              </p:ext>
+            </p:extLst>
+          </p:nvPr>
+        </p:nvPicPr>
+        <p:blipFill>
+          <a:blip r:embed="rId2">
+            <a:extLst>
+              <a:ext uri="{28A0092B-C50C-407E-A947-70E740481C1C}">
+                <a14:useLocalDpi xmlns:a14="http://schemas.microsoft.com/office/drawing/2010/main" val="0"/>
+              </a:ext>
+            </a:extLst>
+          </a:blip>
+          <a:stretch>
+            <a:fillRect/>
+          </a:stretch>
+        </p:blipFill>
+        <p:spPr>
+          <a:xfrm>
+            <a:off x="0" y="0"/>
+            <a:ext cx="12192000" cy="6858000"/>
+          </a:xfrm>
+          <a:prstGeom prst="rect">
+            <a:avLst/>
+          </a:prstGeom>
+        </p:spPr>
+      </p:pic>
+      <p:sp>
+        <p:nvSpPr>
           <p:cNvPr id="2" name="Title 1">
             <a:extLst>
               <a:ext uri="{FF2B5EF4-FFF2-40B4-BE49-F238E27FC236}">
-                <a16:creationId xmlns:a16="http://schemas.microsoft.com/office/drawing/2014/main" id="{0E27BE0F-6624-4955-9371-7993EC67D307}"/>
+                <a16:creationId xmlns:a16="http://schemas.microsoft.com/office/drawing/2014/main" id="{FD94C6EB-A0A7-42EB-8629-E2C38FF4F15F}"/>
               </a:ext>
             </a:extLst>
           </p:cNvPr>
@@ -4087,36 +4227,1015 @@
         </p:nvSpPr>
         <p:spPr>
           <a:xfrm>
-            <a:off x="2370667" y="2187743"/>
-            <a:ext cx="5293449" cy="2482515"/>
-          </a:xfrm>
-        </p:spPr>
-        <p:txBody>
-          <a:bodyPr vert="horz" lIns="91440" tIns="45720" rIns="91440" bIns="45720" rtlCol="0" anchor="ctr">
+            <a:off x="3045368" y="2043663"/>
+            <a:ext cx="6105194" cy="2031055"/>
+          </a:xfrm>
+          <a:prstGeom prst="ellipse">
+            <a:avLst/>
+          </a:prstGeom>
+        </p:spPr>
+        <p:txBody>
+          <a:bodyPr vert="horz" lIns="91440" tIns="45720" rIns="91440" bIns="45720" rtlCol="0" anchor="b">
             <a:normAutofit/>
           </a:bodyPr>
           <a:lstStyle/>
           <a:p>
+            <a:pPr algn="ctr"/>
             <a:r>
               <a:rPr lang="en-US" sz="6000" kern="1200">
                 <a:solidFill>
-                  <a:schemeClr val="tx1"/>
+                  <a:srgbClr val="FFFFFF"/>
                 </a:solidFill>
                 <a:latin typeface="+mj-lt"/>
                 <a:ea typeface="+mj-ea"/>
                 <a:cs typeface="+mj-cs"/>
               </a:rPr>
-              <a:t>Thank you for your attention</a:t>
-            </a:r>
+              <a:t>Trilateration</a:t>
+            </a:r>
+          </a:p>
+        </p:txBody>
+      </p:sp>
+    </p:spTree>
+    <p:extLst>
+      <p:ext uri="{BB962C8B-B14F-4D97-AF65-F5344CB8AC3E}">
+        <p14:creationId xmlns:p14="http://schemas.microsoft.com/office/powerpoint/2010/main" val="4146792395"/>
+      </p:ext>
+    </p:extLst>
+  </p:cSld>
+  <p:clrMapOvr>
+    <a:masterClrMapping/>
+  </p:clrMapOvr>
+</p:sld>
+</file>
+
+<file path=ppt/slides/slide11.xml><?xml version="1.0" encoding="utf-8"?>
+<p:sld xmlns:a="http://schemas.openxmlformats.org/drawingml/2006/main" xmlns:r="http://schemas.openxmlformats.org/officeDocument/2006/relationships" xmlns:p="http://schemas.openxmlformats.org/presentationml/2006/main">
+  <p:cSld>
+    <p:bg>
+      <p:bgPr>
+        <a:solidFill>
+          <a:schemeClr val="bg1"/>
+        </a:solidFill>
+        <a:effectLst/>
+      </p:bgPr>
+    </p:bg>
+    <p:spTree>
+      <p:nvGrpSpPr>
+        <p:cNvPr id="1" name=""/>
+        <p:cNvGrpSpPr/>
+        <p:nvPr/>
+      </p:nvGrpSpPr>
+      <p:grpSpPr>
+        <a:xfrm>
+          <a:off x="0" y="0"/>
+          <a:ext cx="0" cy="0"/>
+          <a:chOff x="0" y="0"/>
+          <a:chExt cx="0" cy="0"/>
+        </a:xfrm>
+      </p:grpSpPr>
+      <p:sp>
+        <p:nvSpPr>
+          <p:cNvPr id="18" name="Rectangle 9">
+            <a:extLst>
+              <a:ext uri="{FF2B5EF4-FFF2-40B4-BE49-F238E27FC236}">
+                <a16:creationId xmlns:a16="http://schemas.microsoft.com/office/drawing/2014/main" id="{32BC26D8-82FB-445E-AA49-62A77D7C1EE0}"/>
+              </a:ext>
+              <a:ext uri="{C183D7F6-B498-43B3-948B-1728B52AA6E4}">
+                <adec:decorative xmlns:adec="http://schemas.microsoft.com/office/drawing/2017/decorative" val="1"/>
+              </a:ext>
+            </a:extLst>
+          </p:cNvPr>
+          <p:cNvSpPr>
+            <a:spLocks noGrp="1" noRot="1" noChangeAspect="1" noMove="1" noResize="1" noEditPoints="1" noAdjustHandles="1" noChangeArrowheads="1" noChangeShapeType="1" noTextEdit="1"/>
+          </p:cNvSpPr>
+          <p:nvPr>
+            <p:extLst>
+              <p:ext uri="{386F3935-93C4-4BCD-93E2-E3B085C9AB24}">
+                <p16:designElem xmlns:p16="http://schemas.microsoft.com/office/powerpoint/2015/main" val="1"/>
+              </p:ext>
+            </p:extLst>
+          </p:nvPr>
+        </p:nvSpPr>
+        <p:spPr>
+          <a:xfrm>
+            <a:off x="0" y="0"/>
+            <a:ext cx="12192000" cy="6858000"/>
+          </a:xfrm>
+          <a:prstGeom prst="rect">
+            <a:avLst/>
+          </a:prstGeom>
+          <a:solidFill>
+            <a:schemeClr val="tx1">
+              <a:lumMod val="65000"/>
+              <a:lumOff val="35000"/>
+            </a:schemeClr>
+          </a:solidFill>
+          <a:ln>
+            <a:noFill/>
+          </a:ln>
+        </p:spPr>
+        <p:style>
+          <a:lnRef idx="2">
+            <a:schemeClr val="accent1">
+              <a:shade val="50000"/>
+            </a:schemeClr>
+          </a:lnRef>
+          <a:fillRef idx="1">
+            <a:schemeClr val="accent1"/>
+          </a:fillRef>
+          <a:effectRef idx="0">
+            <a:schemeClr val="accent1"/>
+          </a:effectRef>
+          <a:fontRef idx="minor">
+            <a:schemeClr val="lt1"/>
+          </a:fontRef>
+        </p:style>
+        <p:txBody>
+          <a:bodyPr rtlCol="0" anchor="ctr"/>
+          <a:lstStyle/>
+          <a:p>
+            <a:pPr algn="ctr"/>
+            <a:endParaRPr lang="en-US"/>
+          </a:p>
+        </p:txBody>
+      </p:sp>
+      <p:sp>
+        <p:nvSpPr>
+          <p:cNvPr id="12" name="Rectangle 11">
+            <a:extLst>
+              <a:ext uri="{FF2B5EF4-FFF2-40B4-BE49-F238E27FC236}">
+                <a16:creationId xmlns:a16="http://schemas.microsoft.com/office/drawing/2014/main" id="{CB44330D-EA18-4254-AA95-EB49948539B8}"/>
+              </a:ext>
+              <a:ext uri="{C183D7F6-B498-43B3-948B-1728B52AA6E4}">
+                <adec:decorative xmlns:adec="http://schemas.microsoft.com/office/drawing/2017/decorative" val="1"/>
+              </a:ext>
+            </a:extLst>
+          </p:cNvPr>
+          <p:cNvSpPr>
+            <a:spLocks noGrp="1" noRot="1" noChangeAspect="1" noMove="1" noResize="1" noEditPoints="1" noAdjustHandles="1" noChangeArrowheads="1" noChangeShapeType="1" noTextEdit="1"/>
+          </p:cNvSpPr>
+          <p:nvPr>
+            <p:extLst>
+              <p:ext uri="{386F3935-93C4-4BCD-93E2-E3B085C9AB24}">
+                <p16:designElem xmlns:p16="http://schemas.microsoft.com/office/powerpoint/2015/main" val="1"/>
+              </p:ext>
+            </p:extLst>
+          </p:nvPr>
+        </p:nvSpPr>
+        <p:spPr>
+          <a:xfrm>
+            <a:off x="477012" y="480060"/>
+            <a:ext cx="11237976" cy="5897880"/>
+          </a:xfrm>
+          <a:prstGeom prst="rect">
+            <a:avLst/>
+          </a:prstGeom>
+          <a:solidFill>
+            <a:srgbClr val="FFFFFF"/>
+          </a:solidFill>
+          <a:ln>
+            <a:noFill/>
+          </a:ln>
+        </p:spPr>
+        <p:style>
+          <a:lnRef idx="2">
+            <a:schemeClr val="accent1">
+              <a:shade val="50000"/>
+            </a:schemeClr>
+          </a:lnRef>
+          <a:fillRef idx="1">
+            <a:schemeClr val="accent1"/>
+          </a:fillRef>
+          <a:effectRef idx="0">
+            <a:schemeClr val="accent1"/>
+          </a:effectRef>
+          <a:fontRef idx="minor">
+            <a:schemeClr val="lt1"/>
+          </a:fontRef>
+        </p:style>
+        <p:txBody>
+          <a:bodyPr rtlCol="0" anchor="ctr"/>
+          <a:lstStyle/>
+          <a:p>
+            <a:pPr algn="ctr"/>
+            <a:endParaRPr lang="en-US"/>
           </a:p>
         </p:txBody>
       </p:sp>
       <p:pic>
         <p:nvPicPr>
-          <p:cNvPr id="7" name="Graphic 6" descr="Smiling Face with No Fill">
-            <a:extLst>
-              <a:ext uri="{FF2B5EF4-FFF2-40B4-BE49-F238E27FC236}">
-                <a16:creationId xmlns:a16="http://schemas.microsoft.com/office/drawing/2014/main" id="{C154345F-CCF5-4FD3-A90C-5C36968B0FCF}"/>
+          <p:cNvPr id="5" name="Content Placeholder 4">
+            <a:extLst>
+              <a:ext uri="{FF2B5EF4-FFF2-40B4-BE49-F238E27FC236}">
+                <a16:creationId xmlns:a16="http://schemas.microsoft.com/office/drawing/2014/main" id="{233914CC-E12E-4D4E-A94E-3F1B139F2B74}"/>
+              </a:ext>
+            </a:extLst>
+          </p:cNvPr>
+          <p:cNvPicPr>
+            <a:picLocks noGrp="1" noChangeAspect="1"/>
+          </p:cNvPicPr>
+          <p:nvPr>
+            <p:ph idx="1"/>
+          </p:nvPr>
+        </p:nvPicPr>
+        <p:blipFill>
+          <a:blip r:embed="rId2"/>
+          <a:stretch>
+            <a:fillRect/>
+          </a:stretch>
+        </p:blipFill>
+        <p:spPr>
+          <a:xfrm>
+            <a:off x="3179211" y="643467"/>
+            <a:ext cx="5833577" cy="5571066"/>
+          </a:xfrm>
+          <a:prstGeom prst="rect">
+            <a:avLst/>
+          </a:prstGeom>
+        </p:spPr>
+      </p:pic>
+    </p:spTree>
+    <p:extLst>
+      <p:ext uri="{BB962C8B-B14F-4D97-AF65-F5344CB8AC3E}">
+        <p14:creationId xmlns:p14="http://schemas.microsoft.com/office/powerpoint/2010/main" val="3891838646"/>
+      </p:ext>
+    </p:extLst>
+  </p:cSld>
+  <p:clrMapOvr>
+    <a:masterClrMapping/>
+  </p:clrMapOvr>
+</p:sld>
+</file>
+
+<file path=ppt/slides/slide12.xml><?xml version="1.0" encoding="utf-8"?>
+<p:sld xmlns:a="http://schemas.openxmlformats.org/drawingml/2006/main" xmlns:r="http://schemas.openxmlformats.org/officeDocument/2006/relationships" xmlns:p="http://schemas.openxmlformats.org/presentationml/2006/main">
+  <p:cSld>
+    <p:bg>
+      <p:bgPr>
+        <a:solidFill>
+          <a:schemeClr val="bg1"/>
+        </a:solidFill>
+        <a:effectLst/>
+      </p:bgPr>
+    </p:bg>
+    <p:spTree>
+      <p:nvGrpSpPr>
+        <p:cNvPr id="1" name=""/>
+        <p:cNvGrpSpPr/>
+        <p:nvPr/>
+      </p:nvGrpSpPr>
+      <p:grpSpPr>
+        <a:xfrm>
+          <a:off x="0" y="0"/>
+          <a:ext cx="0" cy="0"/>
+          <a:chOff x="0" y="0"/>
+          <a:chExt cx="0" cy="0"/>
+        </a:xfrm>
+      </p:grpSpPr>
+      <p:sp>
+        <p:nvSpPr>
+          <p:cNvPr id="9" name="Rectangle 8">
+            <a:extLst>
+              <a:ext uri="{FF2B5EF4-FFF2-40B4-BE49-F238E27FC236}">
+                <a16:creationId xmlns:a16="http://schemas.microsoft.com/office/drawing/2014/main" id="{32BC26D8-82FB-445E-AA49-62A77D7C1EE0}"/>
+              </a:ext>
+              <a:ext uri="{C183D7F6-B498-43B3-948B-1728B52AA6E4}">
+                <adec:decorative xmlns:adec="http://schemas.microsoft.com/office/drawing/2017/decorative" val="1"/>
+              </a:ext>
+            </a:extLst>
+          </p:cNvPr>
+          <p:cNvSpPr>
+            <a:spLocks noGrp="1" noRot="1" noChangeAspect="1" noMove="1" noResize="1" noEditPoints="1" noAdjustHandles="1" noChangeArrowheads="1" noChangeShapeType="1" noTextEdit="1"/>
+          </p:cNvSpPr>
+          <p:nvPr>
+            <p:extLst>
+              <p:ext uri="{386F3935-93C4-4BCD-93E2-E3B085C9AB24}">
+                <p16:designElem xmlns:p16="http://schemas.microsoft.com/office/powerpoint/2015/main" val="1"/>
+              </p:ext>
+            </p:extLst>
+          </p:nvPr>
+        </p:nvSpPr>
+        <p:spPr>
+          <a:xfrm>
+            <a:off x="0" y="0"/>
+            <a:ext cx="12192000" cy="6858000"/>
+          </a:xfrm>
+          <a:prstGeom prst="rect">
+            <a:avLst/>
+          </a:prstGeom>
+          <a:solidFill>
+            <a:srgbClr val="4A555F"/>
+          </a:solidFill>
+          <a:ln>
+            <a:noFill/>
+          </a:ln>
+        </p:spPr>
+        <p:style>
+          <a:lnRef idx="2">
+            <a:schemeClr val="accent1">
+              <a:shade val="50000"/>
+            </a:schemeClr>
+          </a:lnRef>
+          <a:fillRef idx="1">
+            <a:schemeClr val="accent1"/>
+          </a:fillRef>
+          <a:effectRef idx="0">
+            <a:schemeClr val="accent1"/>
+          </a:effectRef>
+          <a:fontRef idx="minor">
+            <a:schemeClr val="lt1"/>
+          </a:fontRef>
+        </p:style>
+        <p:txBody>
+          <a:bodyPr rtlCol="0" anchor="ctr"/>
+          <a:lstStyle/>
+          <a:p>
+            <a:pPr algn="ctr"/>
+            <a:endParaRPr lang="en-US"/>
+          </a:p>
+        </p:txBody>
+      </p:sp>
+      <p:sp>
+        <p:nvSpPr>
+          <p:cNvPr id="11" name="Rectangle 10">
+            <a:extLst>
+              <a:ext uri="{FF2B5EF4-FFF2-40B4-BE49-F238E27FC236}">
+                <a16:creationId xmlns:a16="http://schemas.microsoft.com/office/drawing/2014/main" id="{CB44330D-EA18-4254-AA95-EB49948539B8}"/>
+              </a:ext>
+              <a:ext uri="{C183D7F6-B498-43B3-948B-1728B52AA6E4}">
+                <adec:decorative xmlns:adec="http://schemas.microsoft.com/office/drawing/2017/decorative" val="1"/>
+              </a:ext>
+            </a:extLst>
+          </p:cNvPr>
+          <p:cNvSpPr>
+            <a:spLocks noGrp="1" noRot="1" noChangeAspect="1" noMove="1" noResize="1" noEditPoints="1" noAdjustHandles="1" noChangeArrowheads="1" noChangeShapeType="1" noTextEdit="1"/>
+          </p:cNvSpPr>
+          <p:nvPr>
+            <p:extLst>
+              <p:ext uri="{386F3935-93C4-4BCD-93E2-E3B085C9AB24}">
+                <p16:designElem xmlns:p16="http://schemas.microsoft.com/office/powerpoint/2015/main" val="1"/>
+              </p:ext>
+            </p:extLst>
+          </p:nvPr>
+        </p:nvSpPr>
+        <p:spPr>
+          <a:xfrm>
+            <a:off x="477012" y="480060"/>
+            <a:ext cx="11237976" cy="5897880"/>
+          </a:xfrm>
+          <a:prstGeom prst="rect">
+            <a:avLst/>
+          </a:prstGeom>
+          <a:solidFill>
+            <a:srgbClr val="FFFFFF"/>
+          </a:solidFill>
+          <a:ln>
+            <a:noFill/>
+          </a:ln>
+        </p:spPr>
+        <p:style>
+          <a:lnRef idx="2">
+            <a:schemeClr val="accent1">
+              <a:shade val="50000"/>
+            </a:schemeClr>
+          </a:lnRef>
+          <a:fillRef idx="1">
+            <a:schemeClr val="accent1"/>
+          </a:fillRef>
+          <a:effectRef idx="0">
+            <a:schemeClr val="accent1"/>
+          </a:effectRef>
+          <a:fontRef idx="minor">
+            <a:schemeClr val="lt1"/>
+          </a:fontRef>
+        </p:style>
+        <p:txBody>
+          <a:bodyPr rtlCol="0" anchor="ctr"/>
+          <a:lstStyle/>
+          <a:p>
+            <a:pPr algn="ctr"/>
+            <a:endParaRPr lang="en-US"/>
+          </a:p>
+        </p:txBody>
+      </p:sp>
+      <p:pic>
+        <p:nvPicPr>
+          <p:cNvPr id="4" name="Content Placeholder 3">
+            <a:extLst>
+              <a:ext uri="{FF2B5EF4-FFF2-40B4-BE49-F238E27FC236}">
+                <a16:creationId xmlns:a16="http://schemas.microsoft.com/office/drawing/2014/main" id="{D64D5BF3-C5B5-411B-9E5B-53E8C643CE40}"/>
+              </a:ext>
+            </a:extLst>
+          </p:cNvPr>
+          <p:cNvPicPr>
+            <a:picLocks noGrp="1" noChangeAspect="1"/>
+          </p:cNvPicPr>
+          <p:nvPr>
+            <p:ph idx="1"/>
+          </p:nvPr>
+        </p:nvPicPr>
+        <p:blipFill>
+          <a:blip r:embed="rId2"/>
+          <a:stretch>
+            <a:fillRect/>
+          </a:stretch>
+        </p:blipFill>
+        <p:spPr>
+          <a:xfrm>
+            <a:off x="3140527" y="643467"/>
+            <a:ext cx="5910946" cy="5571066"/>
+          </a:xfrm>
+          <a:prstGeom prst="rect">
+            <a:avLst/>
+          </a:prstGeom>
+        </p:spPr>
+      </p:pic>
+    </p:spTree>
+    <p:extLst>
+      <p:ext uri="{BB962C8B-B14F-4D97-AF65-F5344CB8AC3E}">
+        <p14:creationId xmlns:p14="http://schemas.microsoft.com/office/powerpoint/2010/main" val="46825394"/>
+      </p:ext>
+    </p:extLst>
+  </p:cSld>
+  <p:clrMapOvr>
+    <a:masterClrMapping/>
+  </p:clrMapOvr>
+</p:sld>
+</file>
+
+<file path=ppt/slides/slide13.xml><?xml version="1.0" encoding="utf-8"?>
+<p:sld xmlns:a="http://schemas.openxmlformats.org/drawingml/2006/main" xmlns:r="http://schemas.openxmlformats.org/officeDocument/2006/relationships" xmlns:p="http://schemas.openxmlformats.org/presentationml/2006/main">
+  <p:cSld>
+    <p:bg>
+      <p:bgPr>
+        <a:solidFill>
+          <a:schemeClr val="bg1"/>
+        </a:solidFill>
+        <a:effectLst/>
+      </p:bgPr>
+    </p:bg>
+    <p:spTree>
+      <p:nvGrpSpPr>
+        <p:cNvPr id="1" name=""/>
+        <p:cNvGrpSpPr/>
+        <p:nvPr/>
+      </p:nvGrpSpPr>
+      <p:grpSpPr>
+        <a:xfrm>
+          <a:off x="0" y="0"/>
+          <a:ext cx="0" cy="0"/>
+          <a:chOff x="0" y="0"/>
+          <a:chExt cx="0" cy="0"/>
+        </a:xfrm>
+      </p:grpSpPr>
+      <p:sp>
+        <p:nvSpPr>
+          <p:cNvPr id="9" name="Rectangle 8">
+            <a:extLst>
+              <a:ext uri="{FF2B5EF4-FFF2-40B4-BE49-F238E27FC236}">
+                <a16:creationId xmlns:a16="http://schemas.microsoft.com/office/drawing/2014/main" id="{32BC26D8-82FB-445E-AA49-62A77D7C1EE0}"/>
+              </a:ext>
+              <a:ext uri="{C183D7F6-B498-43B3-948B-1728B52AA6E4}">
+                <adec:decorative xmlns:adec="http://schemas.microsoft.com/office/drawing/2017/decorative" val="1"/>
+              </a:ext>
+            </a:extLst>
+          </p:cNvPr>
+          <p:cNvSpPr>
+            <a:spLocks noGrp="1" noRot="1" noChangeAspect="1" noMove="1" noResize="1" noEditPoints="1" noAdjustHandles="1" noChangeArrowheads="1" noChangeShapeType="1" noTextEdit="1"/>
+          </p:cNvSpPr>
+          <p:nvPr>
+            <p:extLst>
+              <p:ext uri="{386F3935-93C4-4BCD-93E2-E3B085C9AB24}">
+                <p16:designElem xmlns:p16="http://schemas.microsoft.com/office/powerpoint/2015/main" val="1"/>
+              </p:ext>
+            </p:extLst>
+          </p:nvPr>
+        </p:nvSpPr>
+        <p:spPr>
+          <a:xfrm>
+            <a:off x="0" y="0"/>
+            <a:ext cx="12192000" cy="6858000"/>
+          </a:xfrm>
+          <a:prstGeom prst="rect">
+            <a:avLst/>
+          </a:prstGeom>
+          <a:solidFill>
+            <a:schemeClr val="tx1">
+              <a:lumMod val="65000"/>
+              <a:lumOff val="35000"/>
+            </a:schemeClr>
+          </a:solidFill>
+          <a:ln>
+            <a:noFill/>
+          </a:ln>
+        </p:spPr>
+        <p:style>
+          <a:lnRef idx="2">
+            <a:schemeClr val="accent1">
+              <a:shade val="50000"/>
+            </a:schemeClr>
+          </a:lnRef>
+          <a:fillRef idx="1">
+            <a:schemeClr val="accent1"/>
+          </a:fillRef>
+          <a:effectRef idx="0">
+            <a:schemeClr val="accent1"/>
+          </a:effectRef>
+          <a:fontRef idx="minor">
+            <a:schemeClr val="lt1"/>
+          </a:fontRef>
+        </p:style>
+        <p:txBody>
+          <a:bodyPr rtlCol="0" anchor="ctr"/>
+          <a:lstStyle/>
+          <a:p>
+            <a:pPr algn="ctr"/>
+            <a:endParaRPr lang="en-US"/>
+          </a:p>
+        </p:txBody>
+      </p:sp>
+      <p:sp>
+        <p:nvSpPr>
+          <p:cNvPr id="11" name="Rectangle 10">
+            <a:extLst>
+              <a:ext uri="{FF2B5EF4-FFF2-40B4-BE49-F238E27FC236}">
+                <a16:creationId xmlns:a16="http://schemas.microsoft.com/office/drawing/2014/main" id="{CB44330D-EA18-4254-AA95-EB49948539B8}"/>
+              </a:ext>
+              <a:ext uri="{C183D7F6-B498-43B3-948B-1728B52AA6E4}">
+                <adec:decorative xmlns:adec="http://schemas.microsoft.com/office/drawing/2017/decorative" val="1"/>
+              </a:ext>
+            </a:extLst>
+          </p:cNvPr>
+          <p:cNvSpPr>
+            <a:spLocks noGrp="1" noRot="1" noChangeAspect="1" noMove="1" noResize="1" noEditPoints="1" noAdjustHandles="1" noChangeArrowheads="1" noChangeShapeType="1" noTextEdit="1"/>
+          </p:cNvSpPr>
+          <p:nvPr>
+            <p:extLst>
+              <p:ext uri="{386F3935-93C4-4BCD-93E2-E3B085C9AB24}">
+                <p16:designElem xmlns:p16="http://schemas.microsoft.com/office/powerpoint/2015/main" val="1"/>
+              </p:ext>
+            </p:extLst>
+          </p:nvPr>
+        </p:nvSpPr>
+        <p:spPr>
+          <a:xfrm>
+            <a:off x="477012" y="480060"/>
+            <a:ext cx="11237976" cy="5897880"/>
+          </a:xfrm>
+          <a:prstGeom prst="rect">
+            <a:avLst/>
+          </a:prstGeom>
+          <a:solidFill>
+            <a:srgbClr val="FFFFFF"/>
+          </a:solidFill>
+          <a:ln>
+            <a:noFill/>
+          </a:ln>
+        </p:spPr>
+        <p:style>
+          <a:lnRef idx="2">
+            <a:schemeClr val="accent1">
+              <a:shade val="50000"/>
+            </a:schemeClr>
+          </a:lnRef>
+          <a:fillRef idx="1">
+            <a:schemeClr val="accent1"/>
+          </a:fillRef>
+          <a:effectRef idx="0">
+            <a:schemeClr val="accent1"/>
+          </a:effectRef>
+          <a:fontRef idx="minor">
+            <a:schemeClr val="lt1"/>
+          </a:fontRef>
+        </p:style>
+        <p:txBody>
+          <a:bodyPr rtlCol="0" anchor="ctr"/>
+          <a:lstStyle/>
+          <a:p>
+            <a:pPr algn="ctr"/>
+            <a:endParaRPr lang="en-US"/>
+          </a:p>
+        </p:txBody>
+      </p:sp>
+      <p:pic>
+        <p:nvPicPr>
+          <p:cNvPr id="4" name="Content Placeholder 3">
+            <a:extLst>
+              <a:ext uri="{FF2B5EF4-FFF2-40B4-BE49-F238E27FC236}">
+                <a16:creationId xmlns:a16="http://schemas.microsoft.com/office/drawing/2014/main" id="{F670039B-D2C8-4109-B9B4-2714BF12F377}"/>
+              </a:ext>
+            </a:extLst>
+          </p:cNvPr>
+          <p:cNvPicPr>
+            <a:picLocks noGrp="1" noChangeAspect="1"/>
+          </p:cNvPicPr>
+          <p:nvPr>
+            <p:ph idx="1"/>
+          </p:nvPr>
+        </p:nvPicPr>
+        <p:blipFill>
+          <a:blip r:embed="rId2"/>
+          <a:stretch>
+            <a:fillRect/>
+          </a:stretch>
+        </p:blipFill>
+        <p:spPr>
+          <a:xfrm>
+            <a:off x="3163860" y="643467"/>
+            <a:ext cx="5864280" cy="5571066"/>
+          </a:xfrm>
+          <a:prstGeom prst="rect">
+            <a:avLst/>
+          </a:prstGeom>
+        </p:spPr>
+      </p:pic>
+    </p:spTree>
+    <p:extLst>
+      <p:ext uri="{BB962C8B-B14F-4D97-AF65-F5344CB8AC3E}">
+        <p14:creationId xmlns:p14="http://schemas.microsoft.com/office/powerpoint/2010/main" val="1117698026"/>
+      </p:ext>
+    </p:extLst>
+  </p:cSld>
+  <p:clrMapOvr>
+    <a:masterClrMapping/>
+  </p:clrMapOvr>
+</p:sld>
+</file>
+
+<file path=ppt/slides/slide14.xml><?xml version="1.0" encoding="utf-8"?>
+<p:sld xmlns:a="http://schemas.openxmlformats.org/drawingml/2006/main" xmlns:r="http://schemas.openxmlformats.org/officeDocument/2006/relationships" xmlns:p="http://schemas.openxmlformats.org/presentationml/2006/main">
+  <p:cSld>
+    <p:bg>
+      <p:bgPr>
+        <a:solidFill>
+          <a:schemeClr val="bg1"/>
+        </a:solidFill>
+        <a:effectLst/>
+      </p:bgPr>
+    </p:bg>
+    <p:spTree>
+      <p:nvGrpSpPr>
+        <p:cNvPr id="1" name=""/>
+        <p:cNvGrpSpPr/>
+        <p:nvPr/>
+      </p:nvGrpSpPr>
+      <p:grpSpPr>
+        <a:xfrm>
+          <a:off x="0" y="0"/>
+          <a:ext cx="0" cy="0"/>
+          <a:chOff x="0" y="0"/>
+          <a:chExt cx="0" cy="0"/>
+        </a:xfrm>
+      </p:grpSpPr>
+      <p:sp>
+        <p:nvSpPr>
+          <p:cNvPr id="15" name="Rectangle 8">
+            <a:extLst>
+              <a:ext uri="{FF2B5EF4-FFF2-40B4-BE49-F238E27FC236}">
+                <a16:creationId xmlns:a16="http://schemas.microsoft.com/office/drawing/2014/main" id="{A4AC5506-6312-4701-8D3C-40187889A947}"/>
+              </a:ext>
+              <a:ext uri="{C183D7F6-B498-43B3-948B-1728B52AA6E4}">
+                <adec:decorative xmlns:adec="http://schemas.microsoft.com/office/drawing/2017/decorative" val="1"/>
+              </a:ext>
+            </a:extLst>
+          </p:cNvPr>
+          <p:cNvSpPr>
+            <a:spLocks noGrp="1" noRot="1" noChangeAspect="1" noMove="1" noResize="1" noEditPoints="1" noAdjustHandles="1" noChangeArrowheads="1" noChangeShapeType="1" noTextEdit="1"/>
+          </p:cNvSpPr>
+          <p:nvPr>
+            <p:extLst>
+              <p:ext uri="{386F3935-93C4-4BCD-93E2-E3B085C9AB24}">
+                <p16:designElem xmlns:p16="http://schemas.microsoft.com/office/powerpoint/2015/main" val="1"/>
+              </p:ext>
+            </p:extLst>
+          </p:nvPr>
+        </p:nvSpPr>
+        <p:spPr>
+          <a:xfrm>
+            <a:off x="0" y="651752"/>
+            <a:ext cx="12192000" cy="736551"/>
+          </a:xfrm>
+          <a:prstGeom prst="rect">
+            <a:avLst/>
+          </a:prstGeom>
+          <a:solidFill>
+            <a:schemeClr val="tx1"/>
+          </a:solidFill>
+          <a:ln>
+            <a:noFill/>
+          </a:ln>
+        </p:spPr>
+        <p:style>
+          <a:lnRef idx="2">
+            <a:schemeClr val="accent1">
+              <a:shade val="50000"/>
+            </a:schemeClr>
+          </a:lnRef>
+          <a:fillRef idx="1">
+            <a:schemeClr val="accent1"/>
+          </a:fillRef>
+          <a:effectRef idx="0">
+            <a:schemeClr val="accent1"/>
+          </a:effectRef>
+          <a:fontRef idx="minor">
+            <a:schemeClr val="lt1"/>
+          </a:fontRef>
+        </p:style>
+        <p:txBody>
+          <a:bodyPr rtlCol="0" anchor="ctr"/>
+          <a:lstStyle/>
+          <a:p>
+            <a:pPr algn="ctr"/>
+            <a:endParaRPr lang="en-US"/>
+          </a:p>
+        </p:txBody>
+      </p:sp>
+      <p:sp>
+        <p:nvSpPr>
+          <p:cNvPr id="2" name="Title 1">
+            <a:extLst>
+              <a:ext uri="{FF2B5EF4-FFF2-40B4-BE49-F238E27FC236}">
+                <a16:creationId xmlns:a16="http://schemas.microsoft.com/office/drawing/2014/main" id="{C53DFB7F-0303-488A-B411-010BF7D8737F}"/>
+              </a:ext>
+            </a:extLst>
+          </p:cNvPr>
+          <p:cNvSpPr>
+            <a:spLocks noGrp="1"/>
+          </p:cNvSpPr>
+          <p:nvPr>
+            <p:ph type="title"/>
+          </p:nvPr>
+        </p:nvSpPr>
+        <p:spPr>
+          <a:xfrm>
+            <a:off x="556532" y="643467"/>
+            <a:ext cx="11210925" cy="744836"/>
+          </a:xfrm>
+        </p:spPr>
+        <p:txBody>
+          <a:bodyPr vert="horz" lIns="91440" tIns="45720" rIns="91440" bIns="45720" rtlCol="0" anchor="ctr">
+            <a:normAutofit/>
+          </a:bodyPr>
+          <a:lstStyle/>
+          <a:p>
+            <a:pPr algn="ctr"/>
+            <a:r>
+              <a:rPr lang="en-US" sz="3200" kern="1200">
+                <a:solidFill>
+                  <a:schemeClr val="bg1"/>
+                </a:solidFill>
+                <a:latin typeface="+mj-lt"/>
+                <a:ea typeface="+mj-ea"/>
+                <a:cs typeface="+mj-cs"/>
+              </a:rPr>
+              <a:t>Single-sided two-way ranging</a:t>
+            </a:r>
+          </a:p>
+        </p:txBody>
+      </p:sp>
+      <p:pic>
+        <p:nvPicPr>
+          <p:cNvPr id="4" name="Content Placeholder 3">
+            <a:extLst>
+              <a:ext uri="{FF2B5EF4-FFF2-40B4-BE49-F238E27FC236}">
+                <a16:creationId xmlns:a16="http://schemas.microsoft.com/office/drawing/2014/main" id="{73CEA4E8-B5CC-4E8A-B605-2C9BE7D97861}"/>
+              </a:ext>
+            </a:extLst>
+          </p:cNvPr>
+          <p:cNvPicPr>
+            <a:picLocks noGrp="1" noChangeAspect="1"/>
+          </p:cNvPicPr>
+          <p:nvPr>
+            <p:ph idx="1"/>
+          </p:nvPr>
+        </p:nvPicPr>
+        <p:blipFill>
+          <a:blip r:embed="rId2"/>
+          <a:stretch>
+            <a:fillRect/>
+          </a:stretch>
+        </p:blipFill>
+        <p:spPr>
+          <a:xfrm>
+            <a:off x="1345514" y="1675227"/>
+            <a:ext cx="9500971" cy="4394199"/>
+          </a:xfrm>
+          <a:prstGeom prst="rect">
+            <a:avLst/>
+          </a:prstGeom>
+        </p:spPr>
+      </p:pic>
+    </p:spTree>
+    <p:extLst>
+      <p:ext uri="{BB962C8B-B14F-4D97-AF65-F5344CB8AC3E}">
+        <p14:creationId xmlns:p14="http://schemas.microsoft.com/office/powerpoint/2010/main" val="3599855647"/>
+      </p:ext>
+    </p:extLst>
+  </p:cSld>
+  <p:clrMapOvr>
+    <a:masterClrMapping/>
+  </p:clrMapOvr>
+</p:sld>
+</file>
+
+<file path=ppt/slides/slide15.xml><?xml version="1.0" encoding="utf-8"?>
+<p:sld xmlns:a="http://schemas.openxmlformats.org/drawingml/2006/main" xmlns:r="http://schemas.openxmlformats.org/officeDocument/2006/relationships" xmlns:p="http://schemas.openxmlformats.org/presentationml/2006/main">
+  <p:cSld>
+    <p:bg>
+      <p:bgPr>
+        <a:solidFill>
+          <a:schemeClr val="bg1"/>
+        </a:solidFill>
+        <a:effectLst/>
+      </p:bgPr>
+    </p:bg>
+    <p:spTree>
+      <p:nvGrpSpPr>
+        <p:cNvPr id="1" name=""/>
+        <p:cNvGrpSpPr/>
+        <p:nvPr/>
+      </p:nvGrpSpPr>
+      <p:grpSpPr>
+        <a:xfrm>
+          <a:off x="0" y="0"/>
+          <a:ext cx="0" cy="0"/>
+          <a:chOff x="0" y="0"/>
+          <a:chExt cx="0" cy="0"/>
+        </a:xfrm>
+      </p:grpSpPr>
+      <p:sp>
+        <p:nvSpPr>
+          <p:cNvPr id="23" name="Rectangle 22">
+            <a:extLst>
+              <a:ext uri="{FF2B5EF4-FFF2-40B4-BE49-F238E27FC236}">
+                <a16:creationId xmlns:a16="http://schemas.microsoft.com/office/drawing/2014/main" id="{96918796-2918-40D6-BE3A-4600C47FCD42}"/>
+              </a:ext>
+              <a:ext uri="{C183D7F6-B498-43B3-948B-1728B52AA6E4}">
+                <adec:decorative xmlns:adec="http://schemas.microsoft.com/office/drawing/2017/decorative" val="1"/>
+              </a:ext>
+            </a:extLst>
+          </p:cNvPr>
+          <p:cNvSpPr>
+            <a:spLocks noGrp="1" noRot="1" noChangeAspect="1" noMove="1" noResize="1" noEditPoints="1" noAdjustHandles="1" noChangeArrowheads="1" noChangeShapeType="1" noTextEdit="1"/>
+          </p:cNvSpPr>
+          <p:nvPr>
+            <p:extLst>
+              <p:ext uri="{386F3935-93C4-4BCD-93E2-E3B085C9AB24}">
+                <p16:designElem xmlns:p16="http://schemas.microsoft.com/office/powerpoint/2015/main" val="1"/>
+              </p:ext>
+            </p:extLst>
+          </p:nvPr>
+        </p:nvSpPr>
+        <p:spPr>
+          <a:xfrm>
+            <a:off x="0" y="651752"/>
+            <a:ext cx="12192000" cy="736551"/>
+          </a:xfrm>
+          <a:prstGeom prst="rect">
+            <a:avLst/>
+          </a:prstGeom>
+          <a:solidFill>
+            <a:schemeClr val="tx1"/>
+          </a:solidFill>
+          <a:ln>
+            <a:noFill/>
+          </a:ln>
+        </p:spPr>
+        <p:style>
+          <a:lnRef idx="2">
+            <a:schemeClr val="accent1">
+              <a:shade val="50000"/>
+            </a:schemeClr>
+          </a:lnRef>
+          <a:fillRef idx="1">
+            <a:schemeClr val="accent1"/>
+          </a:fillRef>
+          <a:effectRef idx="0">
+            <a:schemeClr val="accent1"/>
+          </a:effectRef>
+          <a:fontRef idx="minor">
+            <a:schemeClr val="lt1"/>
+          </a:fontRef>
+        </p:style>
+        <p:txBody>
+          <a:bodyPr rtlCol="0" anchor="ctr"/>
+          <a:lstStyle/>
+          <a:p>
+            <a:pPr marL="0" marR="0" lvl="0" indent="0" algn="ctr" defTabSz="914400" rtl="0" eaLnBrk="1" fontAlgn="auto" latinLnBrk="0" hangingPunct="1">
+              <a:lnSpc>
+                <a:spcPct val="100000"/>
+              </a:lnSpc>
+              <a:spcBef>
+                <a:spcPts val="0"/>
+              </a:spcBef>
+              <a:spcAft>
+                <a:spcPts val="0"/>
+              </a:spcAft>
+              <a:buClrTx/>
+              <a:buSzTx/>
+              <a:buFontTx/>
+              <a:buNone/>
+              <a:tabLst/>
+              <a:defRPr/>
+            </a:pPr>
+            <a:endParaRPr kumimoji="0" lang="en-US" sz="1800" b="0" i="0" u="none" strike="noStrike" kern="1200" cap="none" spc="0" normalizeH="0" baseline="0" noProof="0">
+              <a:ln>
+                <a:noFill/>
+              </a:ln>
+              <a:solidFill>
+                <a:prstClr val="white"/>
+              </a:solidFill>
+              <a:effectLst/>
+              <a:uLnTx/>
+              <a:uFillTx/>
+              <a:latin typeface="Calibri" panose="020F0502020204030204"/>
+              <a:ea typeface="+mn-ea"/>
+              <a:cs typeface="+mn-cs"/>
+            </a:endParaRPr>
+          </a:p>
+        </p:txBody>
+      </p:sp>
+      <p:sp>
+        <p:nvSpPr>
+          <p:cNvPr id="2" name="Title 1">
+            <a:extLst>
+              <a:ext uri="{FF2B5EF4-FFF2-40B4-BE49-F238E27FC236}">
+                <a16:creationId xmlns:a16="http://schemas.microsoft.com/office/drawing/2014/main" id="{C53DFB7F-0303-488A-B411-010BF7D8737F}"/>
+              </a:ext>
+            </a:extLst>
+          </p:cNvPr>
+          <p:cNvSpPr>
+            <a:spLocks noGrp="1"/>
+          </p:cNvSpPr>
+          <p:nvPr>
+            <p:ph type="title"/>
+          </p:nvPr>
+        </p:nvSpPr>
+        <p:spPr>
+          <a:xfrm>
+            <a:off x="838200" y="672747"/>
+            <a:ext cx="10515600" cy="715556"/>
+          </a:xfrm>
+        </p:spPr>
+        <p:txBody>
+          <a:bodyPr vert="horz" lIns="91440" tIns="45720" rIns="91440" bIns="45720" rtlCol="0">
+            <a:normAutofit/>
+          </a:bodyPr>
+          <a:lstStyle/>
+          <a:p>
+            <a:pPr algn="ctr"/>
+            <a:r>
+              <a:rPr lang="en-US" sz="3200" kern="1200">
+                <a:solidFill>
+                  <a:schemeClr val="bg1"/>
+                </a:solidFill>
+                <a:latin typeface="+mj-lt"/>
+                <a:ea typeface="+mj-ea"/>
+                <a:cs typeface="+mj-cs"/>
+              </a:rPr>
+              <a:t>Single-sided two-way ranging</a:t>
+            </a:r>
+          </a:p>
+        </p:txBody>
+      </p:sp>
+      <p:pic>
+        <p:nvPicPr>
+          <p:cNvPr id="3" name="Content Placeholder 2">
+            <a:extLst>
+              <a:ext uri="{FF2B5EF4-FFF2-40B4-BE49-F238E27FC236}">
+                <a16:creationId xmlns:a16="http://schemas.microsoft.com/office/drawing/2014/main" id="{A612C641-74DC-433E-A1FA-4D2A8CF4D8C5}"/>
+              </a:ext>
+            </a:extLst>
+          </p:cNvPr>
+          <p:cNvPicPr>
+            <a:picLocks noGrp="1" noChangeAspect="1"/>
+          </p:cNvPicPr>
+          <p:nvPr>
+            <p:ph idx="1"/>
+          </p:nvPr>
+        </p:nvPicPr>
+        <p:blipFill>
+          <a:blip r:embed="rId2"/>
+          <a:stretch>
+            <a:fillRect/>
+          </a:stretch>
+        </p:blipFill>
+        <p:spPr>
+          <a:xfrm>
+            <a:off x="4117057" y="1409299"/>
+            <a:ext cx="4136157" cy="1193942"/>
+          </a:xfrm>
+          <a:prstGeom prst="rect">
+            <a:avLst/>
+          </a:prstGeom>
+        </p:spPr>
+      </p:pic>
+      <p:pic>
+        <p:nvPicPr>
+          <p:cNvPr id="18" name="Content Placeholder 3">
+            <a:extLst>
+              <a:ext uri="{FF2B5EF4-FFF2-40B4-BE49-F238E27FC236}">
+                <a16:creationId xmlns:a16="http://schemas.microsoft.com/office/drawing/2014/main" id="{73CEA4E8-B5CC-4E8A-B605-2C9BE7D97861}"/>
               </a:ext>
             </a:extLst>
           </p:cNvPr>
@@ -4126,13 +5245,405 @@
           <p:nvPr/>
         </p:nvPicPr>
         <p:blipFill>
+          <a:blip r:embed="rId3"/>
+          <a:stretch>
+            <a:fillRect/>
+          </a:stretch>
+        </p:blipFill>
+        <p:spPr>
+          <a:xfrm>
+            <a:off x="3064476" y="2820128"/>
+            <a:ext cx="6063048" cy="2804160"/>
+          </a:xfrm>
+          <a:prstGeom prst="rect">
+            <a:avLst/>
+          </a:prstGeom>
+        </p:spPr>
+      </p:pic>
+    </p:spTree>
+    <p:extLst>
+      <p:ext uri="{BB962C8B-B14F-4D97-AF65-F5344CB8AC3E}">
+        <p14:creationId xmlns:p14="http://schemas.microsoft.com/office/powerpoint/2010/main" val="1591148157"/>
+      </p:ext>
+    </p:extLst>
+  </p:cSld>
+  <p:clrMapOvr>
+    <a:masterClrMapping/>
+  </p:clrMapOvr>
+</p:sld>
+</file>
+
+<file path=ppt/slides/slide16.xml><?xml version="1.0" encoding="utf-8"?>
+<p:sld xmlns:a="http://schemas.openxmlformats.org/drawingml/2006/main" xmlns:r="http://schemas.openxmlformats.org/officeDocument/2006/relationships" xmlns:p="http://schemas.openxmlformats.org/presentationml/2006/main">
+  <p:cSld>
+    <p:bg>
+      <p:bgPr>
+        <a:solidFill>
+          <a:schemeClr val="bg1"/>
+        </a:solidFill>
+        <a:effectLst/>
+      </p:bgPr>
+    </p:bg>
+    <p:spTree>
+      <p:nvGrpSpPr>
+        <p:cNvPr id="1" name=""/>
+        <p:cNvGrpSpPr/>
+        <p:nvPr/>
+      </p:nvGrpSpPr>
+      <p:grpSpPr>
+        <a:xfrm>
+          <a:off x="0" y="0"/>
+          <a:ext cx="0" cy="0"/>
+          <a:chOff x="0" y="0"/>
+          <a:chExt cx="0" cy="0"/>
+        </a:xfrm>
+      </p:grpSpPr>
+      <p:sp>
+        <p:nvSpPr>
+          <p:cNvPr id="10" name="Rectangle 9">
+            <a:extLst>
+              <a:ext uri="{FF2B5EF4-FFF2-40B4-BE49-F238E27FC236}">
+                <a16:creationId xmlns:a16="http://schemas.microsoft.com/office/drawing/2014/main" id="{32BC26D8-82FB-445E-AA49-62A77D7C1EE0}"/>
+              </a:ext>
+              <a:ext uri="{C183D7F6-B498-43B3-948B-1728B52AA6E4}">
+                <adec:decorative xmlns:adec="http://schemas.microsoft.com/office/drawing/2017/decorative" val="1"/>
+              </a:ext>
+            </a:extLst>
+          </p:cNvPr>
+          <p:cNvSpPr>
+            <a:spLocks noGrp="1" noRot="1" noChangeAspect="1" noMove="1" noResize="1" noEditPoints="1" noAdjustHandles="1" noChangeArrowheads="1" noChangeShapeType="1" noTextEdit="1"/>
+          </p:cNvSpPr>
+          <p:nvPr>
+            <p:extLst>
+              <p:ext uri="{386F3935-93C4-4BCD-93E2-E3B085C9AB24}">
+                <p16:designElem xmlns:p16="http://schemas.microsoft.com/office/powerpoint/2015/main" val="1"/>
+              </p:ext>
+            </p:extLst>
+          </p:nvPr>
+        </p:nvSpPr>
+        <p:spPr>
+          <a:xfrm>
+            <a:off x="0" y="0"/>
+            <a:ext cx="12192000" cy="6858000"/>
+          </a:xfrm>
+          <a:prstGeom prst="rect">
+            <a:avLst/>
+          </a:prstGeom>
+          <a:solidFill>
+            <a:srgbClr val="3C5B44"/>
+          </a:solidFill>
+          <a:ln>
+            <a:noFill/>
+          </a:ln>
+        </p:spPr>
+        <p:style>
+          <a:lnRef idx="2">
+            <a:schemeClr val="accent1">
+              <a:shade val="50000"/>
+            </a:schemeClr>
+          </a:lnRef>
+          <a:fillRef idx="1">
+            <a:schemeClr val="accent1"/>
+          </a:fillRef>
+          <a:effectRef idx="0">
+            <a:schemeClr val="accent1"/>
+          </a:effectRef>
+          <a:fontRef idx="minor">
+            <a:schemeClr val="lt1"/>
+          </a:fontRef>
+        </p:style>
+        <p:txBody>
+          <a:bodyPr rtlCol="0" anchor="ctr"/>
+          <a:lstStyle/>
+          <a:p>
+            <a:pPr algn="ctr"/>
+            <a:endParaRPr lang="en-US"/>
+          </a:p>
+        </p:txBody>
+      </p:sp>
+      <p:sp>
+        <p:nvSpPr>
+          <p:cNvPr id="12" name="Rectangle 11">
+            <a:extLst>
+              <a:ext uri="{FF2B5EF4-FFF2-40B4-BE49-F238E27FC236}">
+                <a16:creationId xmlns:a16="http://schemas.microsoft.com/office/drawing/2014/main" id="{CB44330D-EA18-4254-AA95-EB49948539B8}"/>
+              </a:ext>
+              <a:ext uri="{C183D7F6-B498-43B3-948B-1728B52AA6E4}">
+                <adec:decorative xmlns:adec="http://schemas.microsoft.com/office/drawing/2017/decorative" val="1"/>
+              </a:ext>
+            </a:extLst>
+          </p:cNvPr>
+          <p:cNvSpPr>
+            <a:spLocks noGrp="1" noRot="1" noChangeAspect="1" noMove="1" noResize="1" noEditPoints="1" noAdjustHandles="1" noChangeArrowheads="1" noChangeShapeType="1" noTextEdit="1"/>
+          </p:cNvSpPr>
+          <p:nvPr>
+            <p:extLst>
+              <p:ext uri="{386F3935-93C4-4BCD-93E2-E3B085C9AB24}">
+                <p16:designElem xmlns:p16="http://schemas.microsoft.com/office/powerpoint/2015/main" val="1"/>
+              </p:ext>
+            </p:extLst>
+          </p:nvPr>
+        </p:nvSpPr>
+        <p:spPr>
+          <a:xfrm>
+            <a:off x="477012" y="480060"/>
+            <a:ext cx="11237976" cy="5897880"/>
+          </a:xfrm>
+          <a:prstGeom prst="rect">
+            <a:avLst/>
+          </a:prstGeom>
+          <a:solidFill>
+            <a:srgbClr val="FFFFFF"/>
+          </a:solidFill>
+          <a:ln>
+            <a:noFill/>
+          </a:ln>
+        </p:spPr>
+        <p:style>
+          <a:lnRef idx="2">
+            <a:schemeClr val="accent1">
+              <a:shade val="50000"/>
+            </a:schemeClr>
+          </a:lnRef>
+          <a:fillRef idx="1">
+            <a:schemeClr val="accent1"/>
+          </a:fillRef>
+          <a:effectRef idx="0">
+            <a:schemeClr val="accent1"/>
+          </a:effectRef>
+          <a:fontRef idx="minor">
+            <a:schemeClr val="lt1"/>
+          </a:fontRef>
+        </p:style>
+        <p:txBody>
+          <a:bodyPr rtlCol="0" anchor="ctr"/>
+          <a:lstStyle/>
+          <a:p>
+            <a:pPr algn="ctr"/>
+            <a:endParaRPr lang="en-US"/>
+          </a:p>
+        </p:txBody>
+      </p:sp>
+      <p:pic>
+        <p:nvPicPr>
+          <p:cNvPr id="7" name="Content Placeholder 3" descr="A picture containing indoor, sky, wall&#10;&#10;Description automatically generated">
+            <a:extLst>
+              <a:ext uri="{FF2B5EF4-FFF2-40B4-BE49-F238E27FC236}">
+                <a16:creationId xmlns:a16="http://schemas.microsoft.com/office/drawing/2014/main" id="{A869FC58-426B-471B-B0F1-9207CE7F5829}"/>
+              </a:ext>
+            </a:extLst>
+          </p:cNvPr>
+          <p:cNvPicPr>
+            <a:picLocks noGrp="1" noChangeAspect="1"/>
+          </p:cNvPicPr>
+          <p:nvPr>
+            <p:ph idx="1"/>
+          </p:nvPr>
+        </p:nvPicPr>
+        <p:blipFill>
+          <a:blip r:embed="rId2"/>
+          <a:stretch>
+            <a:fillRect/>
+          </a:stretch>
+        </p:blipFill>
+        <p:spPr>
+          <a:xfrm>
+            <a:off x="3160060" y="643467"/>
+            <a:ext cx="5871879" cy="5571066"/>
+          </a:xfrm>
+          <a:prstGeom prst="rect">
+            <a:avLst/>
+          </a:prstGeom>
+        </p:spPr>
+      </p:pic>
+    </p:spTree>
+    <p:extLst>
+      <p:ext uri="{BB962C8B-B14F-4D97-AF65-F5344CB8AC3E}">
+        <p14:creationId xmlns:p14="http://schemas.microsoft.com/office/powerpoint/2010/main" val="1993872028"/>
+      </p:ext>
+    </p:extLst>
+  </p:cSld>
+  <p:clrMapOvr>
+    <a:masterClrMapping/>
+  </p:clrMapOvr>
+</p:sld>
+</file>
+
+<file path=ppt/slides/slide17.xml><?xml version="1.0" encoding="utf-8"?>
+<p:sld xmlns:a="http://schemas.openxmlformats.org/drawingml/2006/main" xmlns:r="http://schemas.openxmlformats.org/officeDocument/2006/relationships" xmlns:p="http://schemas.openxmlformats.org/presentationml/2006/main">
+  <p:cSld>
+    <p:bg>
+      <p:bgPr>
+        <a:solidFill>
+          <a:schemeClr val="bg1"/>
+        </a:solidFill>
+        <a:effectLst/>
+      </p:bgPr>
+    </p:bg>
+    <p:spTree>
+      <p:nvGrpSpPr>
+        <p:cNvPr id="1" name=""/>
+        <p:cNvGrpSpPr/>
+        <p:nvPr/>
+      </p:nvGrpSpPr>
+      <p:grpSpPr>
+        <a:xfrm>
+          <a:off x="0" y="0"/>
+          <a:ext cx="0" cy="0"/>
+          <a:chOff x="0" y="0"/>
+          <a:chExt cx="0" cy="0"/>
+        </a:xfrm>
+      </p:grpSpPr>
+      <p:sp>
+        <p:nvSpPr>
+          <p:cNvPr id="10" name="Rectangle 9">
+            <a:extLst>
+              <a:ext uri="{FF2B5EF4-FFF2-40B4-BE49-F238E27FC236}">
+                <a16:creationId xmlns:a16="http://schemas.microsoft.com/office/drawing/2014/main" id="{32BC26D8-82FB-445E-AA49-62A77D7C1EE0}"/>
+              </a:ext>
+              <a:ext uri="{C183D7F6-B498-43B3-948B-1728B52AA6E4}">
+                <adec:decorative xmlns:adec="http://schemas.microsoft.com/office/drawing/2017/decorative" val="1"/>
+              </a:ext>
+            </a:extLst>
+          </p:cNvPr>
+          <p:cNvSpPr>
+            <a:spLocks noGrp="1" noRot="1" noChangeAspect="1" noMove="1" noResize="1" noEditPoints="1" noAdjustHandles="1" noChangeArrowheads="1" noChangeShapeType="1" noTextEdit="1"/>
+          </p:cNvSpPr>
+          <p:nvPr>
+            <p:extLst>
+              <p:ext uri="{386F3935-93C4-4BCD-93E2-E3B085C9AB24}">
+                <p16:designElem xmlns:p16="http://schemas.microsoft.com/office/powerpoint/2015/main" val="1"/>
+              </p:ext>
+            </p:extLst>
+          </p:nvPr>
+        </p:nvSpPr>
+        <p:spPr>
+          <a:xfrm>
+            <a:off x="0" y="0"/>
+            <a:ext cx="12192000" cy="6858000"/>
+          </a:xfrm>
+          <a:prstGeom prst="rect">
+            <a:avLst/>
+          </a:prstGeom>
+          <a:solidFill>
+            <a:schemeClr val="tx1">
+              <a:lumMod val="65000"/>
+              <a:lumOff val="35000"/>
+            </a:schemeClr>
+          </a:solidFill>
+          <a:ln>
+            <a:noFill/>
+          </a:ln>
+        </p:spPr>
+        <p:style>
+          <a:lnRef idx="2">
+            <a:schemeClr val="accent1">
+              <a:shade val="50000"/>
+            </a:schemeClr>
+          </a:lnRef>
+          <a:fillRef idx="1">
+            <a:schemeClr val="accent1"/>
+          </a:fillRef>
+          <a:effectRef idx="0">
+            <a:schemeClr val="accent1"/>
+          </a:effectRef>
+          <a:fontRef idx="minor">
+            <a:schemeClr val="lt1"/>
+          </a:fontRef>
+        </p:style>
+        <p:txBody>
+          <a:bodyPr rtlCol="0" anchor="ctr"/>
+          <a:lstStyle/>
+          <a:p>
+            <a:pPr algn="ctr"/>
+            <a:endParaRPr lang="en-US"/>
+          </a:p>
+        </p:txBody>
+      </p:sp>
+      <p:sp>
+        <p:nvSpPr>
+          <p:cNvPr id="12" name="Rectangle 11">
+            <a:extLst>
+              <a:ext uri="{FF2B5EF4-FFF2-40B4-BE49-F238E27FC236}">
+                <a16:creationId xmlns:a16="http://schemas.microsoft.com/office/drawing/2014/main" id="{CB44330D-EA18-4254-AA95-EB49948539B8}"/>
+              </a:ext>
+              <a:ext uri="{C183D7F6-B498-43B3-948B-1728B52AA6E4}">
+                <adec:decorative xmlns:adec="http://schemas.microsoft.com/office/drawing/2017/decorative" val="1"/>
+              </a:ext>
+            </a:extLst>
+          </p:cNvPr>
+          <p:cNvSpPr>
+            <a:spLocks noGrp="1" noRot="1" noChangeAspect="1" noMove="1" noResize="1" noEditPoints="1" noAdjustHandles="1" noChangeArrowheads="1" noChangeShapeType="1" noTextEdit="1"/>
+          </p:cNvSpPr>
+          <p:nvPr>
+            <p:extLst>
+              <p:ext uri="{386F3935-93C4-4BCD-93E2-E3B085C9AB24}">
+                <p16:designElem xmlns:p16="http://schemas.microsoft.com/office/powerpoint/2015/main" val="1"/>
+              </p:ext>
+            </p:extLst>
+          </p:nvPr>
+        </p:nvSpPr>
+        <p:spPr>
+          <a:xfrm>
+            <a:off x="477012" y="480060"/>
+            <a:ext cx="11237976" cy="5897880"/>
+          </a:xfrm>
+          <a:prstGeom prst="rect">
+            <a:avLst/>
+          </a:prstGeom>
+          <a:solidFill>
+            <a:srgbClr val="FFFFFF"/>
+          </a:solidFill>
+          <a:ln>
+            <a:noFill/>
+          </a:ln>
+        </p:spPr>
+        <p:style>
+          <a:lnRef idx="2">
+            <a:schemeClr val="accent1">
+              <a:shade val="50000"/>
+            </a:schemeClr>
+          </a:lnRef>
+          <a:fillRef idx="1">
+            <a:schemeClr val="accent1"/>
+          </a:fillRef>
+          <a:effectRef idx="0">
+            <a:schemeClr val="accent1"/>
+          </a:effectRef>
+          <a:fontRef idx="minor">
+            <a:schemeClr val="lt1"/>
+          </a:fontRef>
+        </p:style>
+        <p:txBody>
+          <a:bodyPr rtlCol="0" anchor="ctr"/>
+          <a:lstStyle/>
+          <a:p>
+            <a:pPr algn="ctr"/>
+            <a:endParaRPr lang="en-US"/>
+          </a:p>
+        </p:txBody>
+      </p:sp>
+      <p:pic>
+        <p:nvPicPr>
+          <p:cNvPr id="5" name="Content Placeholder 4" descr="A close up of a map&#10;&#10;Description automatically generated">
+            <a:extLst>
+              <a:ext uri="{FF2B5EF4-FFF2-40B4-BE49-F238E27FC236}">
+                <a16:creationId xmlns:a16="http://schemas.microsoft.com/office/drawing/2014/main" id="{996B6C6D-CA79-4174-B4C4-6DCF57F8518B}"/>
+              </a:ext>
+            </a:extLst>
+          </p:cNvPr>
+          <p:cNvPicPr>
+            <a:picLocks noGrp="1" noChangeAspect="1"/>
+          </p:cNvPicPr>
+          <p:nvPr>
+            <p:ph idx="1"/>
+          </p:nvPr>
+        </p:nvPicPr>
+        <p:blipFill>
           <a:blip r:embed="rId2">
             <a:extLst>
               <a:ext uri="{28A0092B-C50C-407E-A947-70E740481C1C}">
                 <a14:useLocalDpi xmlns:a14="http://schemas.microsoft.com/office/drawing/2010/main" val="0"/>
-              </a:ext>
-              <a:ext uri="{96DAC541-7B7A-43D3-8B79-37D633B846F1}">
-                <asvg:svgBlip xmlns:asvg="http://schemas.microsoft.com/office/drawing/2016/SVG/main" r:embed="rId3"/>
               </a:ext>
             </a:extLst>
           </a:blip>
@@ -4142,29 +5653,143 @@
         </p:blipFill>
         <p:spPr>
           <a:xfrm>
-            <a:off x="838201" y="2743201"/>
-            <a:ext cx="1371600" cy="1371600"/>
+            <a:off x="2603168" y="643467"/>
+            <a:ext cx="6985663" cy="5571066"/>
           </a:xfrm>
           <a:prstGeom prst="rect">
             <a:avLst/>
           </a:prstGeom>
         </p:spPr>
       </p:pic>
-      <p:pic>
-        <p:nvPicPr>
-          <p:cNvPr id="9" name="Graphic 8">
-            <a:extLst>
-              <a:ext uri="{FF2B5EF4-FFF2-40B4-BE49-F238E27FC236}">
-                <a16:creationId xmlns:a16="http://schemas.microsoft.com/office/drawing/2014/main" id="{63CBE09C-03F8-47C3-A112-DDB302CE6265}"/>
+    </p:spTree>
+    <p:extLst>
+      <p:ext uri="{BB962C8B-B14F-4D97-AF65-F5344CB8AC3E}">
+        <p14:creationId xmlns:p14="http://schemas.microsoft.com/office/powerpoint/2010/main" val="1098096940"/>
+      </p:ext>
+    </p:extLst>
+  </p:cSld>
+  <p:clrMapOvr>
+    <a:masterClrMapping/>
+  </p:clrMapOvr>
+</p:sld>
+</file>
+
+<file path=ppt/slides/slide18.xml><?xml version="1.0" encoding="utf-8"?>
+<p:sld xmlns:a="http://schemas.openxmlformats.org/drawingml/2006/main" xmlns:r="http://schemas.openxmlformats.org/officeDocument/2006/relationships" xmlns:p="http://schemas.openxmlformats.org/presentationml/2006/main">
+  <p:cSld>
+    <p:bg>
+      <p:bgPr>
+        <a:solidFill>
+          <a:schemeClr val="bg1"/>
+        </a:solidFill>
+        <a:effectLst/>
+      </p:bgPr>
+    </p:bg>
+    <p:spTree>
+      <p:nvGrpSpPr>
+        <p:cNvPr id="1" name=""/>
+        <p:cNvGrpSpPr/>
+        <p:nvPr/>
+      </p:nvGrpSpPr>
+      <p:grpSpPr>
+        <a:xfrm>
+          <a:off x="0" y="0"/>
+          <a:ext cx="0" cy="0"/>
+          <a:chOff x="0" y="0"/>
+          <a:chExt cx="0" cy="0"/>
+        </a:xfrm>
+      </p:grpSpPr>
+      <p:sp>
+        <p:nvSpPr>
+          <p:cNvPr id="2" name="Title 1">
+            <a:extLst>
+              <a:ext uri="{FF2B5EF4-FFF2-40B4-BE49-F238E27FC236}">
+                <a16:creationId xmlns:a16="http://schemas.microsoft.com/office/drawing/2014/main" id="{9E87A726-B829-447B-B732-FD4D0A91AE5F}"/>
+              </a:ext>
+            </a:extLst>
+          </p:cNvPr>
+          <p:cNvSpPr>
+            <a:spLocks noGrp="1"/>
+          </p:cNvSpPr>
+          <p:nvPr>
+            <p:ph type="title"/>
+          </p:nvPr>
+        </p:nvSpPr>
+        <p:spPr>
+          <a:xfrm>
+            <a:off x="648929" y="629266"/>
+            <a:ext cx="3667039" cy="1676603"/>
+          </a:xfrm>
+        </p:spPr>
+        <p:txBody>
+          <a:bodyPr>
+            <a:normAutofit/>
+          </a:bodyPr>
+          <a:lstStyle/>
+          <a:p>
+            <a:r>
+              <a:rPr lang="en-GB" sz="4000"/>
+              <a:t>Modified trilateration</a:t>
+            </a:r>
+          </a:p>
+        </p:txBody>
+      </p:sp>
+      <p:sp>
+        <p:nvSpPr>
+          <p:cNvPr id="10" name="Content Placeholder 9">
+            <a:extLst>
+              <a:ext uri="{FF2B5EF4-FFF2-40B4-BE49-F238E27FC236}">
+                <a16:creationId xmlns:a16="http://schemas.microsoft.com/office/drawing/2014/main" id="{974BEFDA-6042-4567-AB82-9401C9357E2E}"/>
+              </a:ext>
+            </a:extLst>
+          </p:cNvPr>
+          <p:cNvSpPr>
+            <a:spLocks noGrp="1"/>
+          </p:cNvSpPr>
+          <p:nvPr>
+            <p:ph idx="1"/>
+          </p:nvPr>
+        </p:nvSpPr>
+        <p:spPr>
+          <a:xfrm>
+            <a:off x="648931" y="2438401"/>
+            <a:ext cx="3667036" cy="3779520"/>
+          </a:xfrm>
+        </p:spPr>
+        <p:txBody>
+          <a:bodyPr>
+            <a:normAutofit/>
+          </a:bodyPr>
+          <a:lstStyle/>
+          <a:p>
+            <a:r>
+              <a:rPr lang="en-US" sz="1800" dirty="0"/>
+              <a:t>Calculate the intersection of  2 circles</a:t>
+            </a:r>
+          </a:p>
+          <a:p>
+            <a:r>
+              <a:rPr lang="en-US" sz="1800" dirty="0"/>
+              <a:t>Calculate which point from the previous step is close to the third circle</a:t>
+            </a:r>
+          </a:p>
+        </p:txBody>
+      </p:sp>
+      <p:sp>
+        <p:nvSpPr>
+          <p:cNvPr id="15" name="Rectangle 14">
+            <a:extLst>
+              <a:ext uri="{FF2B5EF4-FFF2-40B4-BE49-F238E27FC236}">
+                <a16:creationId xmlns:a16="http://schemas.microsoft.com/office/drawing/2014/main" id="{577D1452-F0B7-431E-9A24-D3F7103D8510}"/>
               </a:ext>
               <a:ext uri="{C183D7F6-B498-43B3-948B-1728B52AA6E4}">
                 <adec:decorative xmlns:adec="http://schemas.microsoft.com/office/drawing/2017/decorative" val="1"/>
               </a:ext>
             </a:extLst>
           </p:cNvPr>
-          <p:cNvPicPr>
-            <a:picLocks noGrp="1" noRot="1" noChangeAspect="1" noMove="1" noResize="1" noEditPoints="1" noAdjustHandles="1" noChangeArrowheads="1" noChangeShapeType="1" noCrop="1"/>
-          </p:cNvPicPr>
+          <p:cNvSpPr>
+            <a:spLocks noGrp="1" noRot="1" noChangeAspect="1" noMove="1" noResize="1" noEditPoints="1" noAdjustHandles="1" noChangeArrowheads="1" noChangeShapeType="1" noTextEdit="1"/>
+          </p:cNvSpPr>
           <p:nvPr>
             <p:extLst>
               <p:ext uri="{386F3935-93C4-4BCD-93E2-E3B085C9AB24}">
@@ -4172,16 +5797,342 @@
               </p:ext>
             </p:extLst>
           </p:nvPr>
+        </p:nvSpPr>
+        <p:spPr>
+          <a:xfrm>
+            <a:off x="4639056" y="0"/>
+            <a:ext cx="7552944" cy="6858000"/>
+          </a:xfrm>
+          <a:prstGeom prst="rect">
+            <a:avLst/>
+          </a:prstGeom>
+          <a:solidFill>
+            <a:srgbClr val="C8CACA"/>
+          </a:solidFill>
+          <a:ln>
+            <a:noFill/>
+          </a:ln>
+        </p:spPr>
+        <p:style>
+          <a:lnRef idx="2">
+            <a:schemeClr val="accent1">
+              <a:shade val="50000"/>
+            </a:schemeClr>
+          </a:lnRef>
+          <a:fillRef idx="1">
+            <a:schemeClr val="accent1"/>
+          </a:fillRef>
+          <a:effectRef idx="0">
+            <a:schemeClr val="accent1"/>
+          </a:effectRef>
+          <a:fontRef idx="minor">
+            <a:schemeClr val="lt1"/>
+          </a:fontRef>
+        </p:style>
+        <p:txBody>
+          <a:bodyPr rtlCol="0" anchor="ctr"/>
+          <a:lstStyle/>
+          <a:p>
+            <a:pPr algn="ctr"/>
+            <a:endParaRPr lang="en-US"/>
+          </a:p>
+        </p:txBody>
+      </p:sp>
+      <p:sp>
+        <p:nvSpPr>
+          <p:cNvPr id="17" name="Rounded Rectangle 20">
+            <a:extLst>
+              <a:ext uri="{FF2B5EF4-FFF2-40B4-BE49-F238E27FC236}">
+                <a16:creationId xmlns:a16="http://schemas.microsoft.com/office/drawing/2014/main" id="{A660F4F9-5DF5-4F15-BE6A-CD8648BB1148}"/>
+              </a:ext>
+              <a:ext uri="{C183D7F6-B498-43B3-948B-1728B52AA6E4}">
+                <adec:decorative xmlns:adec="http://schemas.microsoft.com/office/drawing/2017/decorative" val="1"/>
+              </a:ext>
+            </a:extLst>
+          </p:cNvPr>
+          <p:cNvSpPr>
+            <a:spLocks noGrp="1" noRot="1" noChangeAspect="1" noMove="1" noResize="1" noEditPoints="1" noAdjustHandles="1" noChangeArrowheads="1" noChangeShapeType="1" noTextEdit="1"/>
+          </p:cNvSpPr>
+          <p:nvPr>
+            <p:extLst>
+              <p:ext uri="{386F3935-93C4-4BCD-93E2-E3B085C9AB24}">
+                <p16:designElem xmlns:p16="http://schemas.microsoft.com/office/powerpoint/2015/main" val="1"/>
+              </p:ext>
+            </p:extLst>
+          </p:nvPr>
+        </p:nvSpPr>
+        <p:spPr>
+          <a:xfrm>
+            <a:off x="5118267" y="559407"/>
+            <a:ext cx="6594522" cy="5739187"/>
+          </a:xfrm>
+          <a:prstGeom prst="roundRect">
+            <a:avLst>
+              <a:gd name="adj" fmla="val 0"/>
+            </a:avLst>
+          </a:prstGeom>
+          <a:solidFill>
+            <a:srgbClr val="FFFFFF"/>
+          </a:solidFill>
+          <a:ln w="9525">
+            <a:solidFill>
+              <a:srgbClr val="C8CACA"/>
+            </a:solidFill>
+          </a:ln>
+          <a:effectLst>
+            <a:outerShdw blurRad="57150" dist="19050" dir="5400000" algn="t" rotWithShape="0">
+              <a:prstClr val="black">
+                <a:alpha val="63000"/>
+              </a:prstClr>
+            </a:outerShdw>
+          </a:effectLst>
+        </p:spPr>
+        <p:style>
+          <a:lnRef idx="2">
+            <a:schemeClr val="accent1">
+              <a:shade val="50000"/>
+            </a:schemeClr>
+          </a:lnRef>
+          <a:fillRef idx="1">
+            <a:schemeClr val="accent1"/>
+          </a:fillRef>
+          <a:effectRef idx="0">
+            <a:schemeClr val="accent1"/>
+          </a:effectRef>
+          <a:fontRef idx="minor">
+            <a:schemeClr val="lt1"/>
+          </a:fontRef>
+        </p:style>
+        <p:txBody>
+          <a:bodyPr rtlCol="0" anchor="ctr"/>
+          <a:lstStyle/>
+          <a:p>
+            <a:pPr algn="ctr"/>
+            <a:endParaRPr lang="en-US"/>
+          </a:p>
+        </p:txBody>
+      </p:sp>
+      <p:pic>
+        <p:nvPicPr>
+          <p:cNvPr id="8" name="Content Placeholder 4" descr="A close up of a mans face&#10;&#10;Description automatically generated">
+            <a:extLst>
+              <a:ext uri="{FF2B5EF4-FFF2-40B4-BE49-F238E27FC236}">
+                <a16:creationId xmlns:a16="http://schemas.microsoft.com/office/drawing/2014/main" id="{FC33688B-7065-461F-BDCF-0EE936A8E53F}"/>
+              </a:ext>
+            </a:extLst>
+          </p:cNvPr>
+          <p:cNvPicPr>
+            <a:picLocks noChangeAspect="1"/>
+          </p:cNvPicPr>
+          <p:nvPr/>
+        </p:nvPicPr>
+        <p:blipFill rotWithShape="1">
+          <a:blip r:embed="rId2">
+            <a:extLst>
+              <a:ext uri="{28A0092B-C50C-407E-A947-70E740481C1C}">
+                <a14:useLocalDpi xmlns:a14="http://schemas.microsoft.com/office/drawing/2010/main" val="0"/>
+              </a:ext>
+            </a:extLst>
+          </a:blip>
+          <a:srcRect l="3468" r="9749" b="-1"/>
+          <a:stretch/>
+        </p:blipFill>
+        <p:spPr>
+          <a:xfrm>
+            <a:off x="5283708" y="722376"/>
+            <a:ext cx="6263640" cy="5413248"/>
+          </a:xfrm>
+          <a:prstGeom prst="rect">
+            <a:avLst/>
+          </a:prstGeom>
+          <a:effectLst/>
+        </p:spPr>
+      </p:pic>
+    </p:spTree>
+    <p:extLst>
+      <p:ext uri="{BB962C8B-B14F-4D97-AF65-F5344CB8AC3E}">
+        <p14:creationId xmlns:p14="http://schemas.microsoft.com/office/powerpoint/2010/main" val="3201623105"/>
+      </p:ext>
+    </p:extLst>
+  </p:cSld>
+  <p:clrMapOvr>
+    <a:masterClrMapping/>
+  </p:clrMapOvr>
+</p:sld>
+</file>
+
+<file path=ppt/slides/slide19.xml><?xml version="1.0" encoding="utf-8"?>
+<p:sld xmlns:a="http://schemas.openxmlformats.org/drawingml/2006/main" xmlns:r="http://schemas.openxmlformats.org/officeDocument/2006/relationships" xmlns:p="http://schemas.openxmlformats.org/presentationml/2006/main">
+  <p:cSld>
+    <p:bg>
+      <p:bgPr>
+        <a:solidFill>
+          <a:schemeClr val="bg1"/>
+        </a:solidFill>
+        <a:effectLst/>
+      </p:bgPr>
+    </p:bg>
+    <p:spTree>
+      <p:nvGrpSpPr>
+        <p:cNvPr id="1" name=""/>
+        <p:cNvGrpSpPr/>
+        <p:nvPr/>
+      </p:nvGrpSpPr>
+      <p:grpSpPr>
+        <a:xfrm>
+          <a:off x="0" y="0"/>
+          <a:ext cx="0" cy="0"/>
+          <a:chOff x="0" y="0"/>
+          <a:chExt cx="0" cy="0"/>
+        </a:xfrm>
+      </p:grpSpPr>
+      <p:sp>
+        <p:nvSpPr>
+          <p:cNvPr id="10" name="Rectangle 9">
+            <a:extLst>
+              <a:ext uri="{FF2B5EF4-FFF2-40B4-BE49-F238E27FC236}">
+                <a16:creationId xmlns:a16="http://schemas.microsoft.com/office/drawing/2014/main" id="{32BC26D8-82FB-445E-AA49-62A77D7C1EE0}"/>
+              </a:ext>
+              <a:ext uri="{C183D7F6-B498-43B3-948B-1728B52AA6E4}">
+                <adec:decorative xmlns:adec="http://schemas.microsoft.com/office/drawing/2017/decorative" val="1"/>
+              </a:ext>
+            </a:extLst>
+          </p:cNvPr>
+          <p:cNvSpPr>
+            <a:spLocks noGrp="1" noRot="1" noChangeAspect="1" noMove="1" noResize="1" noEditPoints="1" noAdjustHandles="1" noChangeArrowheads="1" noChangeShapeType="1" noTextEdit="1"/>
+          </p:cNvSpPr>
+          <p:nvPr>
+            <p:extLst>
+              <p:ext uri="{386F3935-93C4-4BCD-93E2-E3B085C9AB24}">
+                <p16:designElem xmlns:p16="http://schemas.microsoft.com/office/powerpoint/2015/main" val="1"/>
+              </p:ext>
+            </p:extLst>
+          </p:nvPr>
+        </p:nvSpPr>
+        <p:spPr>
+          <a:xfrm>
+            <a:off x="0" y="0"/>
+            <a:ext cx="12192000" cy="6858000"/>
+          </a:xfrm>
+          <a:prstGeom prst="rect">
+            <a:avLst/>
+          </a:prstGeom>
+          <a:solidFill>
+            <a:srgbClr val="4D465A"/>
+          </a:solidFill>
+          <a:ln>
+            <a:noFill/>
+          </a:ln>
+        </p:spPr>
+        <p:style>
+          <a:lnRef idx="2">
+            <a:schemeClr val="accent1">
+              <a:shade val="50000"/>
+            </a:schemeClr>
+          </a:lnRef>
+          <a:fillRef idx="1">
+            <a:schemeClr val="accent1"/>
+          </a:fillRef>
+          <a:effectRef idx="0">
+            <a:schemeClr val="accent1"/>
+          </a:effectRef>
+          <a:fontRef idx="minor">
+            <a:schemeClr val="lt1"/>
+          </a:fontRef>
+        </p:style>
+        <p:txBody>
+          <a:bodyPr rtlCol="0" anchor="ctr"/>
+          <a:lstStyle/>
+          <a:p>
+            <a:pPr algn="ctr"/>
+            <a:endParaRPr lang="en-US"/>
+          </a:p>
+        </p:txBody>
+      </p:sp>
+      <p:sp>
+        <p:nvSpPr>
+          <p:cNvPr id="12" name="Rectangle 11">
+            <a:extLst>
+              <a:ext uri="{FF2B5EF4-FFF2-40B4-BE49-F238E27FC236}">
+                <a16:creationId xmlns:a16="http://schemas.microsoft.com/office/drawing/2014/main" id="{CB44330D-EA18-4254-AA95-EB49948539B8}"/>
+              </a:ext>
+              <a:ext uri="{C183D7F6-B498-43B3-948B-1728B52AA6E4}">
+                <adec:decorative xmlns:adec="http://schemas.microsoft.com/office/drawing/2017/decorative" val="1"/>
+              </a:ext>
+            </a:extLst>
+          </p:cNvPr>
+          <p:cNvSpPr>
+            <a:spLocks noGrp="1" noRot="1" noChangeAspect="1" noMove="1" noResize="1" noEditPoints="1" noAdjustHandles="1" noChangeArrowheads="1" noChangeShapeType="1" noTextEdit="1"/>
+          </p:cNvSpPr>
+          <p:nvPr>
+            <p:extLst>
+              <p:ext uri="{386F3935-93C4-4BCD-93E2-E3B085C9AB24}">
+                <p16:designElem xmlns:p16="http://schemas.microsoft.com/office/powerpoint/2015/main" val="1"/>
+              </p:ext>
+            </p:extLst>
+          </p:nvPr>
+        </p:nvSpPr>
+        <p:spPr>
+          <a:xfrm>
+            <a:off x="477012" y="480060"/>
+            <a:ext cx="11237976" cy="5897880"/>
+          </a:xfrm>
+          <a:prstGeom prst="rect">
+            <a:avLst/>
+          </a:prstGeom>
+          <a:solidFill>
+            <a:srgbClr val="FFFFFF"/>
+          </a:solidFill>
+          <a:ln>
+            <a:noFill/>
+          </a:ln>
+        </p:spPr>
+        <p:style>
+          <a:lnRef idx="2">
+            <a:schemeClr val="accent1">
+              <a:shade val="50000"/>
+            </a:schemeClr>
+          </a:lnRef>
+          <a:fillRef idx="1">
+            <a:schemeClr val="accent1"/>
+          </a:fillRef>
+          <a:effectRef idx="0">
+            <a:schemeClr val="accent1"/>
+          </a:effectRef>
+          <a:fontRef idx="minor">
+            <a:schemeClr val="lt1"/>
+          </a:fontRef>
+        </p:style>
+        <p:txBody>
+          <a:bodyPr rtlCol="0" anchor="ctr"/>
+          <a:lstStyle/>
+          <a:p>
+            <a:pPr algn="ctr"/>
+            <a:endParaRPr lang="en-US"/>
+          </a:p>
+        </p:txBody>
+      </p:sp>
+      <p:pic>
+        <p:nvPicPr>
+          <p:cNvPr id="5" name="Content Placeholder 4" descr="A close up of a map&#10;&#10;Description automatically generated">
+            <a:extLst>
+              <a:ext uri="{FF2B5EF4-FFF2-40B4-BE49-F238E27FC236}">
+                <a16:creationId xmlns:a16="http://schemas.microsoft.com/office/drawing/2014/main" id="{A0E7C640-E62F-4CEE-A155-17C727C7F36D}"/>
+              </a:ext>
+            </a:extLst>
+          </p:cNvPr>
+          <p:cNvPicPr>
+            <a:picLocks noGrp="1" noChangeAspect="1"/>
+          </p:cNvPicPr>
+          <p:nvPr>
+            <p:ph idx="1"/>
+          </p:nvPr>
         </p:nvPicPr>
         <p:blipFill>
           <a:blip r:embed="rId2">
-            <a:alphaModFix amt="15000"/>
             <a:extLst>
               <a:ext uri="{28A0092B-C50C-407E-A947-70E740481C1C}">
                 <a14:useLocalDpi xmlns:a14="http://schemas.microsoft.com/office/drawing/2010/main" val="0"/>
-              </a:ext>
-              <a:ext uri="{96DAC541-7B7A-43D3-8B79-37D633B846F1}">
-                <asvg:svgBlip xmlns:asvg="http://schemas.microsoft.com/office/drawing/2016/SVG/main" r:embed="rId3"/>
               </a:ext>
             </a:extLst>
           </a:blip>
@@ -4191,8 +6142,8 @@
         </p:blipFill>
         <p:spPr>
           <a:xfrm>
-            <a:off x="6641431" y="816337"/>
-            <a:ext cx="5225327" cy="5225327"/>
+            <a:off x="2381956" y="643467"/>
+            <a:ext cx="7428088" cy="5571066"/>
           </a:xfrm>
           <a:prstGeom prst="rect">
             <a:avLst/>
@@ -4202,7 +6153,7 @@
     </p:spTree>
     <p:extLst>
       <p:ext uri="{BB962C8B-B14F-4D97-AF65-F5344CB8AC3E}">
-        <p14:creationId xmlns:p14="http://schemas.microsoft.com/office/powerpoint/2010/main" val="2298876613"/>
+        <p14:creationId xmlns:p14="http://schemas.microsoft.com/office/powerpoint/2010/main" val="3739813787"/>
       </p:ext>
     </p:extLst>
   </p:cSld>
@@ -4486,6 +6437,174 @@
     <p:extLst>
       <p:ext uri="{BB962C8B-B14F-4D97-AF65-F5344CB8AC3E}">
         <p14:creationId xmlns:p14="http://schemas.microsoft.com/office/powerpoint/2010/main" val="2402478646"/>
+      </p:ext>
+    </p:extLst>
+  </p:cSld>
+  <p:clrMapOvr>
+    <a:masterClrMapping/>
+  </p:clrMapOvr>
+</p:sld>
+</file>
+
+<file path=ppt/slides/slide20.xml><?xml version="1.0" encoding="utf-8"?>
+<p:sld xmlns:a="http://schemas.openxmlformats.org/drawingml/2006/main" xmlns:r="http://schemas.openxmlformats.org/officeDocument/2006/relationships" xmlns:p="http://schemas.openxmlformats.org/presentationml/2006/main">
+  <p:cSld>
+    <p:bg>
+      <p:bgPr>
+        <a:solidFill>
+          <a:schemeClr val="bg1"/>
+        </a:solidFill>
+        <a:effectLst/>
+      </p:bgPr>
+    </p:bg>
+    <p:spTree>
+      <p:nvGrpSpPr>
+        <p:cNvPr id="1" name=""/>
+        <p:cNvGrpSpPr/>
+        <p:nvPr/>
+      </p:nvGrpSpPr>
+      <p:grpSpPr>
+        <a:xfrm>
+          <a:off x="0" y="0"/>
+          <a:ext cx="0" cy="0"/>
+          <a:chOff x="0" y="0"/>
+          <a:chExt cx="0" cy="0"/>
+        </a:xfrm>
+      </p:grpSpPr>
+      <p:sp>
+        <p:nvSpPr>
+          <p:cNvPr id="2" name="Title 1">
+            <a:extLst>
+              <a:ext uri="{FF2B5EF4-FFF2-40B4-BE49-F238E27FC236}">
+                <a16:creationId xmlns:a16="http://schemas.microsoft.com/office/drawing/2014/main" id="{0E27BE0F-6624-4955-9371-7993EC67D307}"/>
+              </a:ext>
+            </a:extLst>
+          </p:cNvPr>
+          <p:cNvSpPr>
+            <a:spLocks noGrp="1"/>
+          </p:cNvSpPr>
+          <p:nvPr>
+            <p:ph type="title"/>
+          </p:nvPr>
+        </p:nvSpPr>
+        <p:spPr>
+          <a:xfrm>
+            <a:off x="2370667" y="2187743"/>
+            <a:ext cx="5293449" cy="2482515"/>
+          </a:xfrm>
+        </p:spPr>
+        <p:txBody>
+          <a:bodyPr vert="horz" lIns="91440" tIns="45720" rIns="91440" bIns="45720" rtlCol="0" anchor="ctr">
+            <a:normAutofit/>
+          </a:bodyPr>
+          <a:lstStyle/>
+          <a:p>
+            <a:r>
+              <a:rPr lang="en-US" sz="6000" kern="1200">
+                <a:solidFill>
+                  <a:schemeClr val="tx1"/>
+                </a:solidFill>
+                <a:latin typeface="+mj-lt"/>
+                <a:ea typeface="+mj-ea"/>
+                <a:cs typeface="+mj-cs"/>
+              </a:rPr>
+              <a:t>Thank you for your attention</a:t>
+            </a:r>
+          </a:p>
+        </p:txBody>
+      </p:sp>
+      <p:pic>
+        <p:nvPicPr>
+          <p:cNvPr id="7" name="Graphic 6" descr="Smiling Face with No Fill">
+            <a:extLst>
+              <a:ext uri="{FF2B5EF4-FFF2-40B4-BE49-F238E27FC236}">
+                <a16:creationId xmlns:a16="http://schemas.microsoft.com/office/drawing/2014/main" id="{C154345F-CCF5-4FD3-A90C-5C36968B0FCF}"/>
+              </a:ext>
+            </a:extLst>
+          </p:cNvPr>
+          <p:cNvPicPr>
+            <a:picLocks noChangeAspect="1"/>
+          </p:cNvPicPr>
+          <p:nvPr/>
+        </p:nvPicPr>
+        <p:blipFill>
+          <a:blip r:embed="rId2">
+            <a:extLst>
+              <a:ext uri="{28A0092B-C50C-407E-A947-70E740481C1C}">
+                <a14:useLocalDpi xmlns:a14="http://schemas.microsoft.com/office/drawing/2010/main" val="0"/>
+              </a:ext>
+              <a:ext uri="{96DAC541-7B7A-43D3-8B79-37D633B846F1}">
+                <asvg:svgBlip xmlns:asvg="http://schemas.microsoft.com/office/drawing/2016/SVG/main" r:embed="rId3"/>
+              </a:ext>
+            </a:extLst>
+          </a:blip>
+          <a:stretch>
+            <a:fillRect/>
+          </a:stretch>
+        </p:blipFill>
+        <p:spPr>
+          <a:xfrm>
+            <a:off x="838201" y="2743201"/>
+            <a:ext cx="1371600" cy="1371600"/>
+          </a:xfrm>
+          <a:prstGeom prst="rect">
+            <a:avLst/>
+          </a:prstGeom>
+        </p:spPr>
+      </p:pic>
+      <p:pic>
+        <p:nvPicPr>
+          <p:cNvPr id="9" name="Graphic 8">
+            <a:extLst>
+              <a:ext uri="{FF2B5EF4-FFF2-40B4-BE49-F238E27FC236}">
+                <a16:creationId xmlns:a16="http://schemas.microsoft.com/office/drawing/2014/main" id="{63CBE09C-03F8-47C3-A112-DDB302CE6265}"/>
+              </a:ext>
+              <a:ext uri="{C183D7F6-B498-43B3-948B-1728B52AA6E4}">
+                <adec:decorative xmlns:adec="http://schemas.microsoft.com/office/drawing/2017/decorative" val="1"/>
+              </a:ext>
+            </a:extLst>
+          </p:cNvPr>
+          <p:cNvPicPr>
+            <a:picLocks noGrp="1" noRot="1" noChangeAspect="1" noMove="1" noResize="1" noEditPoints="1" noAdjustHandles="1" noChangeArrowheads="1" noChangeShapeType="1" noCrop="1"/>
+          </p:cNvPicPr>
+          <p:nvPr>
+            <p:extLst>
+              <p:ext uri="{386F3935-93C4-4BCD-93E2-E3B085C9AB24}">
+                <p16:designElem xmlns:p16="http://schemas.microsoft.com/office/powerpoint/2015/main" val="1"/>
+              </p:ext>
+            </p:extLst>
+          </p:nvPr>
+        </p:nvPicPr>
+        <p:blipFill>
+          <a:blip r:embed="rId2">
+            <a:alphaModFix amt="15000"/>
+            <a:extLst>
+              <a:ext uri="{28A0092B-C50C-407E-A947-70E740481C1C}">
+                <a14:useLocalDpi xmlns:a14="http://schemas.microsoft.com/office/drawing/2010/main" val="0"/>
+              </a:ext>
+              <a:ext uri="{96DAC541-7B7A-43D3-8B79-37D633B846F1}">
+                <asvg:svgBlip xmlns:asvg="http://schemas.microsoft.com/office/drawing/2016/SVG/main" r:embed="rId3"/>
+              </a:ext>
+            </a:extLst>
+          </a:blip>
+          <a:stretch>
+            <a:fillRect/>
+          </a:stretch>
+        </p:blipFill>
+        <p:spPr>
+          <a:xfrm>
+            <a:off x="6641431" y="816337"/>
+            <a:ext cx="5225327" cy="5225327"/>
+          </a:xfrm>
+          <a:prstGeom prst="rect">
+            <a:avLst/>
+          </a:prstGeom>
+        </p:spPr>
+      </p:pic>
+    </p:spTree>
+    <p:extLst>
+      <p:ext uri="{BB962C8B-B14F-4D97-AF65-F5344CB8AC3E}">
+        <p14:creationId xmlns:p14="http://schemas.microsoft.com/office/powerpoint/2010/main" val="2298876613"/>
       </p:ext>
     </p:extLst>
   </p:cSld>
@@ -4879,12 +6998,41 @@
           <a:chExt cx="0" cy="0"/>
         </a:xfrm>
       </p:grpSpPr>
-      <p:sp useBgFill="1">
-        <p:nvSpPr>
-          <p:cNvPr id="18" name="Rectangle 7">
-            <a:extLst>
-              <a:ext uri="{FF2B5EF4-FFF2-40B4-BE49-F238E27FC236}">
-                <a16:creationId xmlns:a16="http://schemas.microsoft.com/office/drawing/2014/main" id="{3B854194-185D-494D-905C-7C7CB2E30F6E}"/>
+      <p:pic>
+        <p:nvPicPr>
+          <p:cNvPr id="5" name="Picture 4">
+            <a:extLst>
+              <a:ext uri="{FF2B5EF4-FFF2-40B4-BE49-F238E27FC236}">
+                <a16:creationId xmlns:a16="http://schemas.microsoft.com/office/drawing/2014/main" id="{2E539ECC-FA6E-4518-B8B6-48E3E2FBDA7B}"/>
+              </a:ext>
+            </a:extLst>
+          </p:cNvPr>
+          <p:cNvPicPr>
+            <a:picLocks noChangeAspect="1"/>
+          </p:cNvPicPr>
+          <p:nvPr/>
+        </p:nvPicPr>
+        <p:blipFill rotWithShape="1">
+          <a:blip r:embed="rId2"/>
+          <a:srcRect t="2949" b="12781"/>
+          <a:stretch/>
+        </p:blipFill>
+        <p:spPr>
+          <a:xfrm>
+            <a:off x="20" y="10"/>
+            <a:ext cx="12191980" cy="6857990"/>
+          </a:xfrm>
+          <a:prstGeom prst="rect">
+            <a:avLst/>
+          </a:prstGeom>
+        </p:spPr>
+      </p:pic>
+      <p:sp>
+        <p:nvSpPr>
+          <p:cNvPr id="21" name="Rectangle 17">
+            <a:extLst>
+              <a:ext uri="{FF2B5EF4-FFF2-40B4-BE49-F238E27FC236}">
+                <a16:creationId xmlns:a16="http://schemas.microsoft.com/office/drawing/2014/main" id="{37C89E4B-3C9F-44B9-8B86-D9E3D112D8EC}"/>
               </a:ext>
               <a:ext uri="{C183D7F6-B498-43B3-948B-1728B52AA6E4}">
                 <adec:decorative xmlns:adec="http://schemas.microsoft.com/office/drawing/2017/decorative" val="1"/>
@@ -4904,12 +7052,17 @@
         </p:nvSpPr>
         <p:spPr>
           <a:xfrm>
-            <a:off x="1" y="0"/>
-            <a:ext cx="6082110" cy="6858000"/>
+            <a:off x="0" y="5320142"/>
+            <a:ext cx="12192000" cy="736551"/>
           </a:xfrm>
           <a:prstGeom prst="rect">
             <a:avLst/>
           </a:prstGeom>
+          <a:solidFill>
+            <a:schemeClr val="bg1">
+              <a:alpha val="93000"/>
+            </a:schemeClr>
+          </a:solidFill>
           <a:ln>
             <a:noFill/>
           </a:ln>
@@ -4941,19 +7094,62 @@
       </p:sp>
       <p:sp>
         <p:nvSpPr>
-          <p:cNvPr id="19" name="Rectangle 9">
-            <a:extLst>
-              <a:ext uri="{FF2B5EF4-FFF2-40B4-BE49-F238E27FC236}">
-                <a16:creationId xmlns:a16="http://schemas.microsoft.com/office/drawing/2014/main" id="{B4F5FA0D-0104-4987-8241-EFF7C85B88DE}"/>
+          <p:cNvPr id="2" name="Title 1">
+            <a:extLst>
+              <a:ext uri="{FF2B5EF4-FFF2-40B4-BE49-F238E27FC236}">
+                <a16:creationId xmlns:a16="http://schemas.microsoft.com/office/drawing/2014/main" id="{D853E924-AAAC-440E-88E3-FB93FE340865}"/>
+              </a:ext>
+            </a:extLst>
+          </p:cNvPr>
+          <p:cNvSpPr>
+            <a:spLocks noGrp="1"/>
+          </p:cNvSpPr>
+          <p:nvPr>
+            <p:ph type="title"/>
+          </p:nvPr>
+        </p:nvSpPr>
+        <p:spPr>
+          <a:xfrm>
+            <a:off x="523875" y="5317240"/>
+            <a:ext cx="11210925" cy="744836"/>
+          </a:xfrm>
+        </p:spPr>
+        <p:txBody>
+          <a:bodyPr vert="horz" lIns="91440" tIns="45720" rIns="91440" bIns="45720" rtlCol="0" anchor="ctr">
+            <a:normAutofit/>
+          </a:bodyPr>
+          <a:lstStyle/>
+          <a:p>
+            <a:pPr algn="ctr"/>
+            <a:r>
+              <a:rPr lang="en-US" sz="3600" dirty="0">
+                <a:solidFill>
+                  <a:schemeClr val="tx1">
+                    <a:lumMod val="85000"/>
+                    <a:lumOff val="15000"/>
+                  </a:schemeClr>
+                </a:solidFill>
+              </a:rPr>
+              <a:t>UWB – Ultra Wide Band</a:t>
+            </a:r>
+          </a:p>
+        </p:txBody>
+      </p:sp>
+      <p:cxnSp>
+        <p:nvCxnSpPr>
+          <p:cNvPr id="20" name="Straight Connector 19">
+            <a:extLst>
+              <a:ext uri="{FF2B5EF4-FFF2-40B4-BE49-F238E27FC236}">
+                <a16:creationId xmlns:a16="http://schemas.microsoft.com/office/drawing/2014/main" id="{AA2EAA10-076F-46BD-8F0F-B9A2FB77A85C}"/>
               </a:ext>
               <a:ext uri="{C183D7F6-B498-43B3-948B-1728B52AA6E4}">
                 <adec:decorative xmlns:adec="http://schemas.microsoft.com/office/drawing/2017/decorative" val="1"/>
               </a:ext>
             </a:extLst>
           </p:cNvPr>
-          <p:cNvSpPr>
-            <a:spLocks noGrp="1" noRot="1" noChangeAspect="1" noMove="1" noResize="1" noEditPoints="1" noAdjustHandles="1" noChangeArrowheads="1" noChangeShapeType="1" noTextEdit="1"/>
-          </p:cNvSpPr>
+          <p:cNvCxnSpPr>
+            <a:cxnSpLocks noGrp="1" noRot="1" noChangeAspect="1" noMove="1" noResize="1" noEditPoints="1" noAdjustHandles="1" noChangeArrowheads="1" noChangeShapeType="1"/>
+          </p:cNvCxnSpPr>
           <p:nvPr>
             <p:extLst>
               <p:ext uri="{386F3935-93C4-4BCD-93E2-E3B085C9AB24}">
@@ -4961,84 +7157,53 @@
               </p:ext>
             </p:extLst>
           </p:nvPr>
-        </p:nvSpPr>
-        <p:spPr>
-          <a:xfrm>
-            <a:off x="1" y="0"/>
-            <a:ext cx="12191998" cy="6858000"/>
-          </a:xfrm>
-          <a:prstGeom prst="rect">
+        </p:nvCxnSpPr>
+        <p:spPr>
+          <a:xfrm>
+            <a:off x="0" y="5241983"/>
+            <a:ext cx="12192000" cy="0"/>
+          </a:xfrm>
+          <a:prstGeom prst="line">
             <a:avLst/>
           </a:prstGeom>
-          <a:gradFill>
-            <a:gsLst>
-              <a:gs pos="0">
-                <a:schemeClr val="accent1">
-                  <a:lumMod val="90000"/>
-                </a:schemeClr>
-              </a:gs>
-              <a:gs pos="25000">
-                <a:schemeClr val="accent1">
-                  <a:lumMod val="90000"/>
-                </a:schemeClr>
-              </a:gs>
-              <a:gs pos="94000">
-                <a:schemeClr val="bg2">
-                  <a:lumMod val="25000"/>
-                </a:schemeClr>
-              </a:gs>
-              <a:gs pos="100000">
-                <a:schemeClr val="bg2">
-                  <a:lumMod val="25000"/>
-                </a:schemeClr>
-              </a:gs>
-            </a:gsLst>
-            <a:lin ang="4200000" scaled="0"/>
-          </a:gradFill>
-          <a:ln>
-            <a:noFill/>
+          <a:ln w="41275">
+            <a:solidFill>
+              <a:schemeClr val="bg1">
+                <a:alpha val="90000"/>
+              </a:schemeClr>
+            </a:solidFill>
           </a:ln>
         </p:spPr>
         <p:style>
-          <a:lnRef idx="2">
-            <a:schemeClr val="accent1">
-              <a:shade val="50000"/>
-            </a:schemeClr>
+          <a:lnRef idx="1">
+            <a:schemeClr val="accent1"/>
           </a:lnRef>
-          <a:fillRef idx="1">
+          <a:fillRef idx="0">
             <a:schemeClr val="accent1"/>
           </a:fillRef>
           <a:effectRef idx="0">
             <a:schemeClr val="accent1"/>
           </a:effectRef>
           <a:fontRef idx="minor">
-            <a:schemeClr val="lt1"/>
+            <a:schemeClr val="tx1"/>
           </a:fontRef>
         </p:style>
-        <p:txBody>
-          <a:bodyPr rtlCol="0" anchor="ctr"/>
-          <a:lstStyle/>
-          <a:p>
-            <a:pPr algn="ctr"/>
-            <a:endParaRPr lang="en-US"/>
-          </a:p>
-        </p:txBody>
-      </p:sp>
-      <p:pic>
-        <p:nvPicPr>
-          <p:cNvPr id="20" name="Picture 11">
-            <a:extLst>
-              <a:ext uri="{FF2B5EF4-FFF2-40B4-BE49-F238E27FC236}">
-                <a16:creationId xmlns:a16="http://schemas.microsoft.com/office/drawing/2014/main" id="{2897127E-6CEF-446C-BE87-93B7C46E49D1}"/>
+      </p:cxnSp>
+      <p:cxnSp>
+        <p:nvCxnSpPr>
+          <p:cNvPr id="22" name="Straight Connector 21">
+            <a:extLst>
+              <a:ext uri="{FF2B5EF4-FFF2-40B4-BE49-F238E27FC236}">
+                <a16:creationId xmlns:a16="http://schemas.microsoft.com/office/drawing/2014/main" id="{D891E407-403B-4764-86C9-33A56D3BCAA3}"/>
               </a:ext>
               <a:ext uri="{C183D7F6-B498-43B3-948B-1728B52AA6E4}">
                 <adec:decorative xmlns:adec="http://schemas.microsoft.com/office/drawing/2017/decorative" val="1"/>
               </a:ext>
             </a:extLst>
           </p:cNvPr>
-          <p:cNvPicPr>
-            <a:picLocks noGrp="1" noRot="1" noChangeAspect="1" noMove="1" noResize="1" noEditPoints="1" noAdjustHandles="1" noChangeArrowheads="1" noChangeShapeType="1" noCrop="1"/>
-          </p:cNvPicPr>
+          <p:cNvCxnSpPr>
+            <a:cxnSpLocks noGrp="1" noRot="1" noChangeAspect="1" noMove="1" noResize="1" noEditPoints="1" noAdjustHandles="1" noChangeArrowheads="1" noChangeShapeType="1"/>
+          </p:cNvCxnSpPr>
           <p:nvPr>
             <p:extLst>
               <p:ext uri="{386F3935-93C4-4BCD-93E2-E3B085C9AB24}">
@@ -5046,104 +7211,42 @@
               </p:ext>
             </p:extLst>
           </p:nvPr>
-        </p:nvPicPr>
-        <p:blipFill>
-          <a:blip r:embed="rId2">
-            <a:extLst>
-              <a:ext uri="{28A0092B-C50C-407E-A947-70E740481C1C}">
-                <a14:useLocalDpi xmlns:a14="http://schemas.microsoft.com/office/drawing/2010/main" val="0"/>
-              </a:ext>
-            </a:extLst>
-          </a:blip>
-          <a:stretch>
-            <a:fillRect/>
-          </a:stretch>
-        </p:blipFill>
-        <p:spPr>
-          <a:xfrm>
-            <a:off x="0" y="0"/>
-            <a:ext cx="12192000" cy="6858000"/>
-          </a:xfrm>
-          <a:prstGeom prst="rect">
+        </p:nvCxnSpPr>
+        <p:spPr>
+          <a:xfrm>
+            <a:off x="0" y="6134852"/>
+            <a:ext cx="12192000" cy="0"/>
+          </a:xfrm>
+          <a:prstGeom prst="line">
             <a:avLst/>
           </a:prstGeom>
-        </p:spPr>
-      </p:pic>
-      <p:sp>
-        <p:nvSpPr>
-          <p:cNvPr id="2" name="Title 1">
-            <a:extLst>
-              <a:ext uri="{FF2B5EF4-FFF2-40B4-BE49-F238E27FC236}">
-                <a16:creationId xmlns:a16="http://schemas.microsoft.com/office/drawing/2014/main" id="{F6750A94-4018-4969-A38A-6505BFA63E3F}"/>
-              </a:ext>
-            </a:extLst>
-          </p:cNvPr>
-          <p:cNvSpPr>
-            <a:spLocks noGrp="1"/>
-          </p:cNvSpPr>
-          <p:nvPr>
-            <p:ph type="title"/>
-          </p:nvPr>
-        </p:nvSpPr>
-        <p:spPr>
-          <a:xfrm>
-            <a:off x="640079" y="2053641"/>
-            <a:ext cx="3669161" cy="2760098"/>
-          </a:xfrm>
-        </p:spPr>
-        <p:txBody>
-          <a:bodyPr>
-            <a:normAutofit/>
-          </a:bodyPr>
-          <a:lstStyle/>
-          <a:p>
-            <a:r>
-              <a:rPr lang="en-GB" dirty="0">
-                <a:solidFill>
-                  <a:srgbClr val="FFFFFF"/>
-                </a:solidFill>
-              </a:rPr>
-              <a:t>DWM1000</a:t>
-            </a:r>
-          </a:p>
-        </p:txBody>
-      </p:sp>
-      <p:pic>
-        <p:nvPicPr>
-          <p:cNvPr id="9" name="Content Placeholder 8">
-            <a:extLst>
-              <a:ext uri="{FF2B5EF4-FFF2-40B4-BE49-F238E27FC236}">
-                <a16:creationId xmlns:a16="http://schemas.microsoft.com/office/drawing/2014/main" id="{9372D2F3-B7C4-4C27-8C3E-060C57A33BD5}"/>
-              </a:ext>
-            </a:extLst>
-          </p:cNvPr>
-          <p:cNvPicPr>
-            <a:picLocks noGrp="1" noChangeAspect="1"/>
-          </p:cNvPicPr>
-          <p:nvPr>
-            <p:ph idx="1"/>
-          </p:nvPr>
-        </p:nvPicPr>
-        <p:blipFill>
-          <a:blip r:embed="rId3"/>
-          <a:stretch>
-            <a:fillRect/>
-          </a:stretch>
-        </p:blipFill>
-        <p:spPr>
-          <a:xfrm>
-            <a:off x="6133085" y="801688"/>
-            <a:ext cx="5221730" cy="5230812"/>
-          </a:xfrm>
-          <a:prstGeom prst="rect">
-            <a:avLst/>
-          </a:prstGeom>
-        </p:spPr>
-      </p:pic>
+          <a:ln w="41275">
+            <a:solidFill>
+              <a:schemeClr val="bg1">
+                <a:alpha val="90000"/>
+              </a:schemeClr>
+            </a:solidFill>
+          </a:ln>
+        </p:spPr>
+        <p:style>
+          <a:lnRef idx="1">
+            <a:schemeClr val="accent1"/>
+          </a:lnRef>
+          <a:fillRef idx="0">
+            <a:schemeClr val="accent1"/>
+          </a:fillRef>
+          <a:effectRef idx="0">
+            <a:schemeClr val="accent1"/>
+          </a:effectRef>
+          <a:fontRef idx="minor">
+            <a:schemeClr val="tx1"/>
+          </a:fontRef>
+        </p:style>
+      </p:cxnSp>
     </p:spTree>
     <p:extLst>
       <p:ext uri="{BB962C8B-B14F-4D97-AF65-F5344CB8AC3E}">
-        <p14:creationId xmlns:p14="http://schemas.microsoft.com/office/powerpoint/2010/main" val="2058206372"/>
+        <p14:creationId xmlns:p14="http://schemas.microsoft.com/office/powerpoint/2010/main" val="13518245"/>
       </p:ext>
     </p:extLst>
   </p:cSld>
@@ -5180,19 +7283,54 @@
       </p:grpSpPr>
       <p:sp>
         <p:nvSpPr>
-          <p:cNvPr id="21" name="Rectangle 20">
-            <a:extLst>
-              <a:ext uri="{FF2B5EF4-FFF2-40B4-BE49-F238E27FC236}">
-                <a16:creationId xmlns:a16="http://schemas.microsoft.com/office/drawing/2014/main" id="{6753252F-4873-4F63-801D-CC719279A7D5}"/>
+          <p:cNvPr id="2" name="Title 1">
+            <a:extLst>
+              <a:ext uri="{FF2B5EF4-FFF2-40B4-BE49-F238E27FC236}">
+                <a16:creationId xmlns:a16="http://schemas.microsoft.com/office/drawing/2014/main" id="{F6750A94-4018-4969-A38A-6505BFA63E3F}"/>
+              </a:ext>
+            </a:extLst>
+          </p:cNvPr>
+          <p:cNvSpPr>
+            <a:spLocks noGrp="1"/>
+          </p:cNvSpPr>
+          <p:nvPr>
+            <p:ph type="title"/>
+          </p:nvPr>
+        </p:nvSpPr>
+        <p:spPr>
+          <a:xfrm>
+            <a:off x="655320" y="365125"/>
+            <a:ext cx="5120114" cy="1692794"/>
+          </a:xfrm>
+        </p:spPr>
+        <p:txBody>
+          <a:bodyPr>
+            <a:normAutofit/>
+          </a:bodyPr>
+          <a:lstStyle/>
+          <a:p>
+            <a:r>
+              <a:rPr lang="en-GB"/>
+              <a:t>DWM1000</a:t>
+            </a:r>
+          </a:p>
+        </p:txBody>
+      </p:sp>
+      <p:cxnSp>
+        <p:nvCxnSpPr>
+          <p:cNvPr id="30" name="Straight Arrow Connector 29">
+            <a:extLst>
+              <a:ext uri="{FF2B5EF4-FFF2-40B4-BE49-F238E27FC236}">
+                <a16:creationId xmlns:a16="http://schemas.microsoft.com/office/drawing/2014/main" id="{E4A809D5-3600-46D4-A466-67F2349A54FB}"/>
               </a:ext>
               <a:ext uri="{C183D7F6-B498-43B3-948B-1728B52AA6E4}">
                 <adec:decorative xmlns:adec="http://schemas.microsoft.com/office/drawing/2017/decorative" val="1"/>
               </a:ext>
             </a:extLst>
           </p:cNvPr>
-          <p:cNvSpPr>
-            <a:spLocks noGrp="1" noRot="1" noChangeAspect="1" noMove="1" noResize="1" noEditPoints="1" noAdjustHandles="1" noChangeArrowheads="1" noChangeShapeType="1" noTextEdit="1"/>
-          </p:cNvSpPr>
+          <p:cNvCxnSpPr>
+            <a:cxnSpLocks noGrp="1" noRot="1" noChangeAspect="1" noMove="1" noResize="1" noEditPoints="1" noAdjustHandles="1" noChangeArrowheads="1" noChangeShapeType="1"/>
+          </p:cNvCxnSpPr>
           <p:nvPr>
             <p:extLst>
               <p:ext uri="{386F3935-93C4-4BCD-93E2-E3B085C9AB24}">
@@ -5200,116 +7338,43 @@
               </p:ext>
             </p:extLst>
           </p:nvPr>
-        </p:nvSpPr>
-        <p:spPr>
-          <a:xfrm>
-            <a:off x="0" y="0"/>
-            <a:ext cx="12192000" cy="6858000"/>
-          </a:xfrm>
-          <a:prstGeom prst="rect">
+        </p:nvCxnSpPr>
+        <p:spPr>
+          <a:xfrm>
+            <a:off x="655320" y="2316480"/>
+            <a:ext cx="4572000" cy="0"/>
+          </a:xfrm>
+          <a:prstGeom prst="straightConnector1">
             <a:avLst/>
           </a:prstGeom>
-          <a:solidFill>
-            <a:srgbClr val="FFFFFF"/>
-          </a:solidFill>
-          <a:ln>
-            <a:noFill/>
+          <a:ln w="19050" cap="sq">
+            <a:solidFill>
+              <a:schemeClr val="tx1"/>
+            </a:solidFill>
+            <a:tailEnd type="none"/>
           </a:ln>
         </p:spPr>
         <p:style>
-          <a:lnRef idx="2">
-            <a:schemeClr val="accent1">
-              <a:shade val="50000"/>
-            </a:schemeClr>
+          <a:lnRef idx="1">
+            <a:schemeClr val="accent1"/>
           </a:lnRef>
-          <a:fillRef idx="1">
+          <a:fillRef idx="0">
             <a:schemeClr val="accent1"/>
           </a:fillRef>
           <a:effectRef idx="0">
             <a:schemeClr val="accent1"/>
           </a:effectRef>
           <a:fontRef idx="minor">
-            <a:schemeClr val="lt1"/>
+            <a:schemeClr val="tx1"/>
           </a:fontRef>
         </p:style>
-        <p:txBody>
-          <a:bodyPr rtlCol="0" anchor="ctr"/>
-          <a:lstStyle/>
-          <a:p>
-            <a:pPr algn="ctr"/>
-            <a:endParaRPr lang="en-US"/>
-          </a:p>
-        </p:txBody>
-      </p:sp>
-      <p:sp>
-        <p:nvSpPr>
-          <p:cNvPr id="23" name="Rectangle 22">
-            <a:extLst>
-              <a:ext uri="{FF2B5EF4-FFF2-40B4-BE49-F238E27FC236}">
-                <a16:creationId xmlns:a16="http://schemas.microsoft.com/office/drawing/2014/main" id="{047C8CCB-F95D-4249-92DD-651249D3535A}"/>
-              </a:ext>
-              <a:ext uri="{C183D7F6-B498-43B3-948B-1728B52AA6E4}">
-                <adec:decorative xmlns:adec="http://schemas.microsoft.com/office/drawing/2017/decorative" val="1"/>
-              </a:ext>
-            </a:extLst>
-          </p:cNvPr>
-          <p:cNvSpPr>
-            <a:spLocks noGrp="1" noRot="1" noChangeAspect="1" noMove="1" noResize="1" noEditPoints="1" noAdjustHandles="1" noChangeArrowheads="1" noChangeShapeType="1" noTextEdit="1"/>
-          </p:cNvSpPr>
-          <p:nvPr>
-            <p:extLst>
-              <p:ext uri="{386F3935-93C4-4BCD-93E2-E3B085C9AB24}">
-                <p16:designElem xmlns:p16="http://schemas.microsoft.com/office/powerpoint/2015/main" val="1"/>
-              </p:ext>
-            </p:extLst>
-          </p:nvPr>
-        </p:nvSpPr>
-        <p:spPr>
-          <a:xfrm>
-            <a:off x="0" y="0"/>
-            <a:ext cx="2013557" cy="6858000"/>
-          </a:xfrm>
-          <a:prstGeom prst="rect">
-            <a:avLst/>
-          </a:prstGeom>
-          <a:solidFill>
-            <a:srgbClr val="7F7F7F"/>
-          </a:solidFill>
-          <a:ln>
-            <a:noFill/>
-          </a:ln>
-        </p:spPr>
-        <p:style>
-          <a:lnRef idx="2">
-            <a:schemeClr val="accent1">
-              <a:shade val="50000"/>
-            </a:schemeClr>
-          </a:lnRef>
-          <a:fillRef idx="1">
-            <a:schemeClr val="accent1"/>
-          </a:fillRef>
-          <a:effectRef idx="0">
-            <a:schemeClr val="accent1"/>
-          </a:effectRef>
-          <a:fontRef idx="minor">
-            <a:schemeClr val="lt1"/>
-          </a:fontRef>
-        </p:style>
-        <p:txBody>
-          <a:bodyPr rtlCol="0" anchor="ctr"/>
-          <a:lstStyle/>
-          <a:p>
-            <a:pPr algn="ctr"/>
-            <a:endParaRPr lang="en-US"/>
-          </a:p>
-        </p:txBody>
-      </p:sp>
-      <p:sp>
-        <p:nvSpPr>
-          <p:cNvPr id="2" name="Title 1">
-            <a:extLst>
-              <a:ext uri="{FF2B5EF4-FFF2-40B4-BE49-F238E27FC236}">
-                <a16:creationId xmlns:a16="http://schemas.microsoft.com/office/drawing/2014/main" id="{FD94C6EB-A0A7-42EB-8629-E2C38FF4F15F}"/>
+      </p:cxnSp>
+      <p:sp>
+        <p:nvSpPr>
+          <p:cNvPr id="25" name="Content Placeholder 24">
+            <a:extLst>
+              <a:ext uri="{FF2B5EF4-FFF2-40B4-BE49-F238E27FC236}">
+                <a16:creationId xmlns:a16="http://schemas.microsoft.com/office/drawing/2014/main" id="{16EF9FCC-BC7B-4DC1-8EF9-B42288BE6AC8}"/>
               </a:ext>
             </a:extLst>
           </p:cNvPr>
@@ -5317,83 +7382,165 @@
             <a:spLocks noGrp="1"/>
           </p:cNvSpPr>
           <p:nvPr>
-            <p:ph type="title"/>
-          </p:nvPr>
-        </p:nvSpPr>
-        <p:spPr>
-          <a:xfrm>
-            <a:off x="640080" y="2074363"/>
-            <a:ext cx="2752354" cy="2709275"/>
-          </a:xfrm>
-          <a:prstGeom prst="ellipse">
-            <a:avLst/>
-          </a:prstGeom>
-          <a:solidFill>
-            <a:srgbClr val="262626"/>
-          </a:solidFill>
-          <a:ln w="174625" cmpd="thinThick">
-            <a:solidFill>
-              <a:srgbClr val="262626"/>
-            </a:solidFill>
-          </a:ln>
-        </p:spPr>
-        <p:txBody>
-          <a:bodyPr vert="horz" lIns="91440" tIns="45720" rIns="91440" bIns="45720" rtlCol="0" anchor="ctr">
+            <p:ph idx="1"/>
+          </p:nvPr>
+        </p:nvSpPr>
+        <p:spPr>
+          <a:xfrm>
+            <a:off x="655321" y="2575034"/>
+            <a:ext cx="5120113" cy="3462228"/>
+          </a:xfrm>
+        </p:spPr>
+        <p:txBody>
+          <a:bodyPr>
             <a:normAutofit/>
           </a:bodyPr>
           <a:lstStyle/>
           <a:p>
-            <a:pPr algn="ctr"/>
-            <a:r>
-              <a:rPr lang="en-US" sz="2600" kern="1200">
-                <a:solidFill>
-                  <a:srgbClr val="FFFFFF"/>
-                </a:solidFill>
-                <a:latin typeface="+mj-lt"/>
-                <a:ea typeface="+mj-ea"/>
-                <a:cs typeface="+mj-cs"/>
-              </a:rPr>
-              <a:t>Trilateration</a:t>
-            </a:r>
+            <a:r>
+              <a:rPr lang="en-US" sz="1800"/>
+              <a:t>Transceiver IC with antenna, all RF circuitry, power management and clock circuitry all in one</a:t>
+            </a:r>
+          </a:p>
+          <a:p>
+            <a:r>
+              <a:rPr lang="en-US" sz="1800"/>
+              <a:t>4 RF bands (3.5GHz to 6.5 GHz)</a:t>
+            </a:r>
+          </a:p>
+          <a:p>
+            <a:r>
+              <a:rPr lang="en-US" sz="1800"/>
+              <a:t>Low power consumption</a:t>
+            </a:r>
+          </a:p>
+          <a:p>
+            <a:r>
+              <a:rPr lang="en-US" sz="1800"/>
+              <a:t>Data rates: 110 kbps, 850 kbps, 6.8 Mbps</a:t>
+            </a:r>
+          </a:p>
+          <a:p>
+            <a:r>
+              <a:rPr lang="en-US" sz="1800"/>
+              <a:t>63.8976 GHz sampling clock used for ranging (15.65 ps period)</a:t>
+            </a:r>
+          </a:p>
+          <a:p>
+            <a:r>
+              <a:rPr lang="en-US" sz="1800"/>
+              <a:t>23 mm x 13 mm x 2.9 mm</a:t>
+            </a:r>
+          </a:p>
+          <a:p>
+            <a:endParaRPr lang="en-US" sz="1800" dirty="0"/>
           </a:p>
         </p:txBody>
       </p:sp>
       <p:pic>
         <p:nvPicPr>
-          <p:cNvPr id="4" name="Content Placeholder 3">
-            <a:extLst>
-              <a:ext uri="{FF2B5EF4-FFF2-40B4-BE49-F238E27FC236}">
-                <a16:creationId xmlns:a16="http://schemas.microsoft.com/office/drawing/2014/main" id="{94A74470-087F-4B7E-BF34-47DE0B8B9441}"/>
+          <p:cNvPr id="23" name="Content Placeholder 8">
+            <a:extLst>
+              <a:ext uri="{FF2B5EF4-FFF2-40B4-BE49-F238E27FC236}">
+                <a16:creationId xmlns:a16="http://schemas.microsoft.com/office/drawing/2014/main" id="{9372D2F3-B7C4-4C27-8C3E-060C57A33BD5}"/>
               </a:ext>
             </a:extLst>
           </p:cNvPr>
           <p:cNvPicPr>
-            <a:picLocks noGrp="1" noChangeAspect="1"/>
+            <a:picLocks noChangeAspect="1"/>
           </p:cNvPicPr>
-          <p:nvPr>
-            <p:ph idx="1"/>
-          </p:nvPr>
+          <p:nvPr/>
         </p:nvPicPr>
-        <p:blipFill>
+        <p:blipFill rotWithShape="1">
           <a:blip r:embed="rId2"/>
-          <a:stretch>
-            <a:fillRect/>
-          </a:stretch>
+          <a:srcRect l="3856" r="3858"/>
+          <a:stretch/>
         </p:blipFill>
         <p:spPr>
           <a:xfrm>
-            <a:off x="5037443" y="961812"/>
-            <a:ext cx="5190513" cy="4930987"/>
-          </a:xfrm>
-          <a:prstGeom prst="rect">
+            <a:off x="5878849" y="10"/>
+            <a:ext cx="6313150" cy="6857987"/>
+          </a:xfrm>
+          <a:custGeom>
             <a:avLst/>
-          </a:prstGeom>
+            <a:gdLst>
+              <a:gd name="connsiteX0" fmla="*/ 65565 w 6313150"/>
+              <a:gd name="connsiteY0" fmla="*/ 0 h 6857997"/>
+              <a:gd name="connsiteX1" fmla="*/ 6313150 w 6313150"/>
+              <a:gd name="connsiteY1" fmla="*/ 0 h 6857997"/>
+              <a:gd name="connsiteX2" fmla="*/ 6313150 w 6313150"/>
+              <a:gd name="connsiteY2" fmla="*/ 6857997 h 6857997"/>
+              <a:gd name="connsiteX3" fmla="*/ 3293946 w 6313150"/>
+              <a:gd name="connsiteY3" fmla="*/ 6857997 h 6857997"/>
+              <a:gd name="connsiteX4" fmla="*/ 3235857 w 6313150"/>
+              <a:gd name="connsiteY4" fmla="*/ 6823061 h 6857997"/>
+              <a:gd name="connsiteX5" fmla="*/ 0 w 6313150"/>
+              <a:gd name="connsiteY5" fmla="*/ 951803 h 6857997"/>
+              <a:gd name="connsiteX6" fmla="*/ 31536 w 6313150"/>
+              <a:gd name="connsiteY6" fmla="*/ 285771 h 6857997"/>
+            </a:gdLst>
+            <a:ahLst/>
+            <a:cxnLst>
+              <a:cxn ang="0">
+                <a:pos x="connsiteX0" y="connsiteY0"/>
+              </a:cxn>
+              <a:cxn ang="0">
+                <a:pos x="connsiteX1" y="connsiteY1"/>
+              </a:cxn>
+              <a:cxn ang="0">
+                <a:pos x="connsiteX2" y="connsiteY2"/>
+              </a:cxn>
+              <a:cxn ang="0">
+                <a:pos x="connsiteX3" y="connsiteY3"/>
+              </a:cxn>
+              <a:cxn ang="0">
+                <a:pos x="connsiteX4" y="connsiteY4"/>
+              </a:cxn>
+              <a:cxn ang="0">
+                <a:pos x="connsiteX5" y="connsiteY5"/>
+              </a:cxn>
+              <a:cxn ang="0">
+                <a:pos x="connsiteX6" y="connsiteY6"/>
+              </a:cxn>
+            </a:cxnLst>
+            <a:rect l="l" t="t" r="r" b="b"/>
+            <a:pathLst>
+              <a:path w="6313150" h="6857997">
+                <a:moveTo>
+                  <a:pt x="65565" y="0"/>
+                </a:moveTo>
+                <a:lnTo>
+                  <a:pt x="6313150" y="0"/>
+                </a:lnTo>
+                <a:lnTo>
+                  <a:pt x="6313150" y="6857997"/>
+                </a:lnTo>
+                <a:lnTo>
+                  <a:pt x="3293946" y="6857997"/>
+                </a:lnTo>
+                <a:lnTo>
+                  <a:pt x="3235857" y="6823061"/>
+                </a:lnTo>
+                <a:cubicBezTo>
+                  <a:pt x="1291240" y="5592803"/>
+                  <a:pt x="0" y="3423096"/>
+                  <a:pt x="0" y="951803"/>
+                </a:cubicBezTo>
+                <a:cubicBezTo>
+                  <a:pt x="0" y="727140"/>
+                  <a:pt x="10673" y="504970"/>
+                  <a:pt x="31536" y="285771"/>
+                </a:cubicBezTo>
+                <a:close/>
+              </a:path>
+            </a:pathLst>
+          </a:custGeom>
         </p:spPr>
       </p:pic>
     </p:spTree>
     <p:extLst>
       <p:ext uri="{BB962C8B-B14F-4D97-AF65-F5344CB8AC3E}">
-        <p14:creationId xmlns:p14="http://schemas.microsoft.com/office/powerpoint/2010/main" val="4146792395"/>
+        <p14:creationId xmlns:p14="http://schemas.microsoft.com/office/powerpoint/2010/main" val="2058206372"/>
       </p:ext>
     </p:extLst>
   </p:cSld>
@@ -5430,10 +7577,10 @@
       </p:grpSpPr>
       <p:sp>
         <p:nvSpPr>
-          <p:cNvPr id="15" name="Rectangle 8">
-            <a:extLst>
-              <a:ext uri="{FF2B5EF4-FFF2-40B4-BE49-F238E27FC236}">
-                <a16:creationId xmlns:a16="http://schemas.microsoft.com/office/drawing/2014/main" id="{A4AC5506-6312-4701-8D3C-40187889A947}"/>
+          <p:cNvPr id="13" name="Rectangle 8">
+            <a:extLst>
+              <a:ext uri="{FF2B5EF4-FFF2-40B4-BE49-F238E27FC236}">
+                <a16:creationId xmlns:a16="http://schemas.microsoft.com/office/drawing/2014/main" id="{6753252F-4873-4F63-801D-CC719279A7D5}"/>
               </a:ext>
               <a:ext uri="{C183D7F6-B498-43B3-948B-1728B52AA6E4}">
                 <adec:decorative xmlns:adec="http://schemas.microsoft.com/office/drawing/2017/decorative" val="1"/>
@@ -5453,14 +7600,14 @@
         </p:nvSpPr>
         <p:spPr>
           <a:xfrm>
-            <a:off x="0" y="651752"/>
-            <a:ext cx="12192000" cy="736551"/>
+            <a:off x="0" y="0"/>
+            <a:ext cx="12192000" cy="6858000"/>
           </a:xfrm>
           <a:prstGeom prst="rect">
             <a:avLst/>
           </a:prstGeom>
           <a:solidFill>
-            <a:schemeClr val="tx1"/>
+            <a:srgbClr val="FFFFFF"/>
           </a:solidFill>
           <a:ln>
             <a:noFill/>
@@ -5493,10 +7640,73 @@
       </p:sp>
       <p:sp>
         <p:nvSpPr>
+          <p:cNvPr id="14" name="Rectangle 10">
+            <a:extLst>
+              <a:ext uri="{FF2B5EF4-FFF2-40B4-BE49-F238E27FC236}">
+                <a16:creationId xmlns:a16="http://schemas.microsoft.com/office/drawing/2014/main" id="{047C8CCB-F95D-4249-92DD-651249D3535A}"/>
+              </a:ext>
+              <a:ext uri="{C183D7F6-B498-43B3-948B-1728B52AA6E4}">
+                <adec:decorative xmlns:adec="http://schemas.microsoft.com/office/drawing/2017/decorative" val="1"/>
+              </a:ext>
+            </a:extLst>
+          </p:cNvPr>
+          <p:cNvSpPr>
+            <a:spLocks noGrp="1" noRot="1" noChangeAspect="1" noMove="1" noResize="1" noEditPoints="1" noAdjustHandles="1" noChangeArrowheads="1" noChangeShapeType="1" noTextEdit="1"/>
+          </p:cNvSpPr>
+          <p:nvPr>
+            <p:extLst>
+              <p:ext uri="{386F3935-93C4-4BCD-93E2-E3B085C9AB24}">
+                <p16:designElem xmlns:p16="http://schemas.microsoft.com/office/powerpoint/2015/main" val="1"/>
+              </p:ext>
+            </p:extLst>
+          </p:nvPr>
+        </p:nvSpPr>
+        <p:spPr>
+          <a:xfrm>
+            <a:off x="0" y="0"/>
+            <a:ext cx="2013557" cy="6858000"/>
+          </a:xfrm>
+          <a:prstGeom prst="rect">
+            <a:avLst/>
+          </a:prstGeom>
+          <a:solidFill>
+            <a:srgbClr val="573D35"/>
+          </a:solidFill>
+          <a:ln>
+            <a:noFill/>
+          </a:ln>
+        </p:spPr>
+        <p:style>
+          <a:lnRef idx="2">
+            <a:schemeClr val="accent1">
+              <a:shade val="50000"/>
+            </a:schemeClr>
+          </a:lnRef>
+          <a:fillRef idx="1">
+            <a:schemeClr val="accent1"/>
+          </a:fillRef>
+          <a:effectRef idx="0">
+            <a:schemeClr val="accent1"/>
+          </a:effectRef>
+          <a:fontRef idx="minor">
+            <a:schemeClr val="lt1"/>
+          </a:fontRef>
+        </p:style>
+        <p:txBody>
+          <a:bodyPr rtlCol="0" anchor="ctr"/>
+          <a:lstStyle/>
+          <a:p>
+            <a:pPr algn="ctr"/>
+            <a:endParaRPr lang="en-US"/>
+          </a:p>
+        </p:txBody>
+      </p:sp>
+      <p:sp>
+        <p:nvSpPr>
           <p:cNvPr id="2" name="Title 1">
             <a:extLst>
               <a:ext uri="{FF2B5EF4-FFF2-40B4-BE49-F238E27FC236}">
-                <a16:creationId xmlns:a16="http://schemas.microsoft.com/office/drawing/2014/main" id="{C53DFB7F-0303-488A-B411-010BF7D8737F}"/>
+                <a16:creationId xmlns:a16="http://schemas.microsoft.com/office/drawing/2014/main" id="{0153AF25-9FE1-459A-ACD9-4ABCE5A03446}"/>
               </a:ext>
             </a:extLst>
           </p:cNvPr>
@@ -5509,9 +7719,20 @@
         </p:nvSpPr>
         <p:spPr>
           <a:xfrm>
-            <a:off x="556532" y="643467"/>
-            <a:ext cx="11210925" cy="744836"/>
-          </a:xfrm>
+            <a:off x="640080" y="2074363"/>
+            <a:ext cx="2752354" cy="2709275"/>
+          </a:xfrm>
+          <a:prstGeom prst="ellipse">
+            <a:avLst/>
+          </a:prstGeom>
+          <a:solidFill>
+            <a:srgbClr val="262626"/>
+          </a:solidFill>
+          <a:ln w="174625" cmpd="thinThick">
+            <a:solidFill>
+              <a:srgbClr val="262626"/>
+            </a:solidFill>
+          </a:ln>
         </p:spPr>
         <p:txBody>
           <a:bodyPr vert="horz" lIns="91440" tIns="45720" rIns="91440" bIns="45720" rtlCol="0" anchor="ctr">
@@ -5521,15 +7742,15 @@
           <a:p>
             <a:pPr algn="ctr"/>
             <a:r>
-              <a:rPr lang="en-US" sz="3200" kern="1200">
+              <a:rPr lang="en-US" sz="2200" kern="1200">
                 <a:solidFill>
-                  <a:schemeClr val="bg1"/>
+                  <a:srgbClr val="FFFFFF"/>
                 </a:solidFill>
                 <a:latin typeface="+mj-lt"/>
                 <a:ea typeface="+mj-ea"/>
                 <a:cs typeface="+mj-cs"/>
               </a:rPr>
-              <a:t>Single-sided two-way ranging</a:t>
+              <a:t>Microcontroller – DWM1000 connection</a:t>
             </a:r>
           </a:p>
         </p:txBody>
@@ -5539,7 +7760,7 @@
           <p:cNvPr id="4" name="Content Placeholder 3">
             <a:extLst>
               <a:ext uri="{FF2B5EF4-FFF2-40B4-BE49-F238E27FC236}">
-                <a16:creationId xmlns:a16="http://schemas.microsoft.com/office/drawing/2014/main" id="{73CEA4E8-B5CC-4E8A-B605-2C9BE7D97861}"/>
+                <a16:creationId xmlns:a16="http://schemas.microsoft.com/office/drawing/2014/main" id="{A20E07DA-C9A4-4F4E-8208-3A49733F4EDA}"/>
               </a:ext>
             </a:extLst>
           </p:cNvPr>
@@ -5558,8 +7779,8 @@
         </p:blipFill>
         <p:spPr>
           <a:xfrm>
-            <a:off x="1345514" y="1675227"/>
-            <a:ext cx="9500971" cy="4394199"/>
+            <a:off x="4038600" y="1172008"/>
+            <a:ext cx="7188199" cy="4510595"/>
           </a:xfrm>
           <a:prstGeom prst="rect">
             <a:avLst/>
@@ -5569,7 +7790,7 @@
     </p:spTree>
     <p:extLst>
       <p:ext uri="{BB962C8B-B14F-4D97-AF65-F5344CB8AC3E}">
-        <p14:creationId xmlns:p14="http://schemas.microsoft.com/office/powerpoint/2010/main" val="3599855647"/>
+        <p14:creationId xmlns:p14="http://schemas.microsoft.com/office/powerpoint/2010/main" val="856954697"/>
       </p:ext>
     </p:extLst>
   </p:cSld>
@@ -5606,10 +7827,104 @@
       </p:grpSpPr>
       <p:sp>
         <p:nvSpPr>
-          <p:cNvPr id="23" name="Rectangle 22">
-            <a:extLst>
-              <a:ext uri="{FF2B5EF4-FFF2-40B4-BE49-F238E27FC236}">
-                <a16:creationId xmlns:a16="http://schemas.microsoft.com/office/drawing/2014/main" id="{96918796-2918-40D6-BE3A-4600C47FCD42}"/>
+          <p:cNvPr id="2" name="Title 1">
+            <a:extLst>
+              <a:ext uri="{FF2B5EF4-FFF2-40B4-BE49-F238E27FC236}">
+                <a16:creationId xmlns:a16="http://schemas.microsoft.com/office/drawing/2014/main" id="{9AB5BA99-5B90-426B-B08B-0D56D6DCFFEA}"/>
+              </a:ext>
+            </a:extLst>
+          </p:cNvPr>
+          <p:cNvSpPr>
+            <a:spLocks noGrp="1"/>
+          </p:cNvSpPr>
+          <p:nvPr>
+            <p:ph type="title"/>
+          </p:nvPr>
+        </p:nvSpPr>
+        <p:spPr>
+          <a:xfrm>
+            <a:off x="648929" y="629266"/>
+            <a:ext cx="3667039" cy="1676603"/>
+          </a:xfrm>
+        </p:spPr>
+        <p:txBody>
+          <a:bodyPr>
+            <a:normAutofit/>
+          </a:bodyPr>
+          <a:lstStyle/>
+          <a:p>
+            <a:r>
+              <a:rPr lang="en-GB" sz="4000"/>
+              <a:t>Design of the PCB</a:t>
+            </a:r>
+          </a:p>
+        </p:txBody>
+      </p:sp>
+      <p:sp>
+        <p:nvSpPr>
+          <p:cNvPr id="27" name="Content Placeholder 8">
+            <a:extLst>
+              <a:ext uri="{FF2B5EF4-FFF2-40B4-BE49-F238E27FC236}">
+                <a16:creationId xmlns:a16="http://schemas.microsoft.com/office/drawing/2014/main" id="{86EAB486-4AE5-4750-8B87-448F0B80165A}"/>
+              </a:ext>
+            </a:extLst>
+          </p:cNvPr>
+          <p:cNvSpPr>
+            <a:spLocks noGrp="1"/>
+          </p:cNvSpPr>
+          <p:nvPr>
+            <p:ph idx="1"/>
+          </p:nvPr>
+        </p:nvSpPr>
+        <p:spPr>
+          <a:xfrm>
+            <a:off x="648931" y="2438401"/>
+            <a:ext cx="3667036" cy="3779520"/>
+          </a:xfrm>
+        </p:spPr>
+        <p:txBody>
+          <a:bodyPr>
+            <a:normAutofit/>
+          </a:bodyPr>
+          <a:lstStyle/>
+          <a:p>
+            <a:r>
+              <a:rPr lang="en-US" sz="1800" dirty="0"/>
+              <a:t>DWM1000</a:t>
+            </a:r>
+          </a:p>
+          <a:p>
+            <a:r>
+              <a:rPr lang="en-US" sz="1800" dirty="0"/>
+              <a:t>ATmega328P</a:t>
+            </a:r>
+          </a:p>
+          <a:p>
+            <a:r>
+              <a:rPr lang="en-US" sz="1800" dirty="0"/>
+              <a:t>3.3V voltage regulator</a:t>
+            </a:r>
+          </a:p>
+          <a:p>
+            <a:r>
+              <a:rPr lang="en-US" sz="1800" dirty="0"/>
+              <a:t>Mother mini-USB connector</a:t>
+            </a:r>
+          </a:p>
+          <a:p>
+            <a:r>
+              <a:rPr lang="en-US" sz="1800" dirty="0"/>
+              <a:t>Capacitors, Oscillator, Pins</a:t>
+            </a:r>
+          </a:p>
+        </p:txBody>
+      </p:sp>
+      <p:sp>
+        <p:nvSpPr>
+          <p:cNvPr id="12" name="Rectangle 11">
+            <a:extLst>
+              <a:ext uri="{FF2B5EF4-FFF2-40B4-BE49-F238E27FC236}">
+                <a16:creationId xmlns:a16="http://schemas.microsoft.com/office/drawing/2014/main" id="{577D1452-F0B7-431E-9A24-D3F7103D8510}"/>
               </a:ext>
               <a:ext uri="{C183D7F6-B498-43B3-948B-1728B52AA6E4}">
                 <adec:decorative xmlns:adec="http://schemas.microsoft.com/office/drawing/2017/decorative" val="1"/>
@@ -5629,14 +7944,14 @@
         </p:nvSpPr>
         <p:spPr>
           <a:xfrm>
-            <a:off x="0" y="651752"/>
-            <a:ext cx="12192000" cy="736551"/>
+            <a:off x="4639056" y="0"/>
+            <a:ext cx="7552944" cy="6858000"/>
           </a:xfrm>
           <a:prstGeom prst="rect">
             <a:avLst/>
           </a:prstGeom>
           <a:solidFill>
-            <a:schemeClr val="tx1"/>
+            <a:srgbClr val="C8CACA"/>
           </a:solidFill>
           <a:ln>
             <a:noFill/>
@@ -5662,121 +7977,91 @@
           <a:bodyPr rtlCol="0" anchor="ctr"/>
           <a:lstStyle/>
           <a:p>
-            <a:pPr marL="0" marR="0" lvl="0" indent="0" algn="ctr" defTabSz="914400" rtl="0" eaLnBrk="1" fontAlgn="auto" latinLnBrk="0" hangingPunct="1">
-              <a:lnSpc>
-                <a:spcPct val="100000"/>
-              </a:lnSpc>
-              <a:spcBef>
-                <a:spcPts val="0"/>
-              </a:spcBef>
-              <a:spcAft>
-                <a:spcPts val="0"/>
-              </a:spcAft>
-              <a:buClrTx/>
-              <a:buSzTx/>
-              <a:buFontTx/>
-              <a:buNone/>
-              <a:tabLst/>
-              <a:defRPr/>
-            </a:pPr>
-            <a:endParaRPr kumimoji="0" lang="en-US" sz="1800" b="0" i="0" u="none" strike="noStrike" kern="1200" cap="none" spc="0" normalizeH="0" baseline="0" noProof="0">
-              <a:ln>
-                <a:noFill/>
-              </a:ln>
-              <a:solidFill>
-                <a:prstClr val="white"/>
-              </a:solidFill>
-              <a:effectLst/>
-              <a:uLnTx/>
-              <a:uFillTx/>
-              <a:latin typeface="Calibri" panose="020F0502020204030204"/>
-              <a:ea typeface="+mn-ea"/>
-              <a:cs typeface="+mn-cs"/>
-            </a:endParaRPr>
-          </a:p>
-        </p:txBody>
-      </p:sp>
-      <p:sp>
-        <p:nvSpPr>
-          <p:cNvPr id="2" name="Title 1">
-            <a:extLst>
-              <a:ext uri="{FF2B5EF4-FFF2-40B4-BE49-F238E27FC236}">
-                <a16:creationId xmlns:a16="http://schemas.microsoft.com/office/drawing/2014/main" id="{C53DFB7F-0303-488A-B411-010BF7D8737F}"/>
-              </a:ext>
-            </a:extLst>
-          </p:cNvPr>
-          <p:cNvSpPr>
-            <a:spLocks noGrp="1"/>
-          </p:cNvSpPr>
-          <p:nvPr>
-            <p:ph type="title"/>
-          </p:nvPr>
-        </p:nvSpPr>
-        <p:spPr>
-          <a:xfrm>
-            <a:off x="838200" y="672747"/>
-            <a:ext cx="10515600" cy="715556"/>
-          </a:xfrm>
-        </p:spPr>
-        <p:txBody>
-          <a:bodyPr vert="horz" lIns="91440" tIns="45720" rIns="91440" bIns="45720" rtlCol="0">
-            <a:normAutofit/>
-          </a:bodyPr>
-          <a:lstStyle/>
-          <a:p>
             <a:pPr algn="ctr"/>
-            <a:r>
-              <a:rPr lang="en-US" sz="3200" kern="1200">
-                <a:solidFill>
-                  <a:schemeClr val="bg1"/>
-                </a:solidFill>
-                <a:latin typeface="+mj-lt"/>
-                <a:ea typeface="+mj-ea"/>
-                <a:cs typeface="+mj-cs"/>
-              </a:rPr>
-              <a:t>Single-sided two-way ranging</a:t>
-            </a:r>
+            <a:endParaRPr lang="en-US"/>
+          </a:p>
+        </p:txBody>
+      </p:sp>
+      <p:sp>
+        <p:nvSpPr>
+          <p:cNvPr id="14" name="Rounded Rectangle 20">
+            <a:extLst>
+              <a:ext uri="{FF2B5EF4-FFF2-40B4-BE49-F238E27FC236}">
+                <a16:creationId xmlns:a16="http://schemas.microsoft.com/office/drawing/2014/main" id="{A660F4F9-5DF5-4F15-BE6A-CD8648BB1148}"/>
+              </a:ext>
+              <a:ext uri="{C183D7F6-B498-43B3-948B-1728B52AA6E4}">
+                <adec:decorative xmlns:adec="http://schemas.microsoft.com/office/drawing/2017/decorative" val="1"/>
+              </a:ext>
+            </a:extLst>
+          </p:cNvPr>
+          <p:cNvSpPr>
+            <a:spLocks noGrp="1" noRot="1" noChangeAspect="1" noMove="1" noResize="1" noEditPoints="1" noAdjustHandles="1" noChangeArrowheads="1" noChangeShapeType="1" noTextEdit="1"/>
+          </p:cNvSpPr>
+          <p:nvPr>
+            <p:extLst>
+              <p:ext uri="{386F3935-93C4-4BCD-93E2-E3B085C9AB24}">
+                <p16:designElem xmlns:p16="http://schemas.microsoft.com/office/powerpoint/2015/main" val="1"/>
+              </p:ext>
+            </p:extLst>
+          </p:nvPr>
+        </p:nvSpPr>
+        <p:spPr>
+          <a:xfrm>
+            <a:off x="5118267" y="559407"/>
+            <a:ext cx="6594522" cy="5739187"/>
+          </a:xfrm>
+          <a:prstGeom prst="roundRect">
+            <a:avLst>
+              <a:gd name="adj" fmla="val 0"/>
+            </a:avLst>
+          </a:prstGeom>
+          <a:solidFill>
+            <a:srgbClr val="FFFFFF"/>
+          </a:solidFill>
+          <a:ln w="9525">
+            <a:solidFill>
+              <a:srgbClr val="C8CACA"/>
+            </a:solidFill>
+          </a:ln>
+          <a:effectLst>
+            <a:outerShdw blurRad="57150" dist="19050" dir="5400000" algn="t" rotWithShape="0">
+              <a:prstClr val="black">
+                <a:alpha val="63000"/>
+              </a:prstClr>
+            </a:outerShdw>
+          </a:effectLst>
+        </p:spPr>
+        <p:style>
+          <a:lnRef idx="2">
+            <a:schemeClr val="accent1">
+              <a:shade val="50000"/>
+            </a:schemeClr>
+          </a:lnRef>
+          <a:fillRef idx="1">
+            <a:schemeClr val="accent1"/>
+          </a:fillRef>
+          <a:effectRef idx="0">
+            <a:schemeClr val="accent1"/>
+          </a:effectRef>
+          <a:fontRef idx="minor">
+            <a:schemeClr val="lt1"/>
+          </a:fontRef>
+        </p:style>
+        <p:txBody>
+          <a:bodyPr rtlCol="0" anchor="ctr"/>
+          <a:lstStyle/>
+          <a:p>
+            <a:pPr algn="ctr"/>
+            <a:endParaRPr lang="en-US"/>
           </a:p>
         </p:txBody>
       </p:sp>
       <p:pic>
         <p:nvPicPr>
-          <p:cNvPr id="3" name="Content Placeholder 2">
-            <a:extLst>
-              <a:ext uri="{FF2B5EF4-FFF2-40B4-BE49-F238E27FC236}">
-                <a16:creationId xmlns:a16="http://schemas.microsoft.com/office/drawing/2014/main" id="{A612C641-74DC-433E-A1FA-4D2A8CF4D8C5}"/>
-              </a:ext>
-            </a:extLst>
-          </p:cNvPr>
-          <p:cNvPicPr>
-            <a:picLocks noGrp="1" noChangeAspect="1"/>
-          </p:cNvPicPr>
-          <p:nvPr>
-            <p:ph idx="1"/>
-          </p:nvPr>
-        </p:nvPicPr>
-        <p:blipFill>
-          <a:blip r:embed="rId2"/>
-          <a:stretch>
-            <a:fillRect/>
-          </a:stretch>
-        </p:blipFill>
-        <p:spPr>
-          <a:xfrm>
-            <a:off x="4117057" y="1409299"/>
-            <a:ext cx="4136157" cy="1193942"/>
-          </a:xfrm>
-          <a:prstGeom prst="rect">
-            <a:avLst/>
-          </a:prstGeom>
-        </p:spPr>
-      </p:pic>
-      <p:pic>
-        <p:nvPicPr>
-          <p:cNvPr id="18" name="Content Placeholder 3">
-            <a:extLst>
-              <a:ext uri="{FF2B5EF4-FFF2-40B4-BE49-F238E27FC236}">
-                <a16:creationId xmlns:a16="http://schemas.microsoft.com/office/drawing/2014/main" id="{73CEA4E8-B5CC-4E8A-B605-2C9BE7D97861}"/>
+          <p:cNvPr id="7" name="Content Placeholder 3">
+            <a:extLst>
+              <a:ext uri="{FF2B5EF4-FFF2-40B4-BE49-F238E27FC236}">
+                <a16:creationId xmlns:a16="http://schemas.microsoft.com/office/drawing/2014/main" id="{BE6245D1-0DDA-45F4-9E3A-E60F8BCCFFBC}"/>
               </a:ext>
             </a:extLst>
           </p:cNvPr>
@@ -5785,26 +8070,26 @@
           </p:cNvPicPr>
           <p:nvPr/>
         </p:nvPicPr>
-        <p:blipFill>
-          <a:blip r:embed="rId3"/>
-          <a:stretch>
-            <a:fillRect/>
-          </a:stretch>
+        <p:blipFill rotWithShape="1">
+          <a:blip r:embed="rId2"/>
+          <a:srcRect r="-1" b="88"/>
+          <a:stretch/>
         </p:blipFill>
         <p:spPr>
           <a:xfrm>
-            <a:off x="3064476" y="2820128"/>
-            <a:ext cx="6063048" cy="2804160"/>
+            <a:off x="5283708" y="722376"/>
+            <a:ext cx="6263640" cy="5413248"/>
           </a:xfrm>
           <a:prstGeom prst="rect">
             <a:avLst/>
           </a:prstGeom>
+          <a:effectLst/>
         </p:spPr>
       </p:pic>
     </p:spTree>
     <p:extLst>
       <p:ext uri="{BB962C8B-B14F-4D97-AF65-F5344CB8AC3E}">
-        <p14:creationId xmlns:p14="http://schemas.microsoft.com/office/powerpoint/2010/main" val="1591148157"/>
+        <p14:creationId xmlns:p14="http://schemas.microsoft.com/office/powerpoint/2010/main" val="662245354"/>
       </p:ext>
     </p:extLst>
   </p:cSld>
@@ -5841,166 +8126,106 @@
       </p:grpSpPr>
       <p:sp>
         <p:nvSpPr>
-          <p:cNvPr id="10" name="Rectangle 9">
-            <a:extLst>
-              <a:ext uri="{FF2B5EF4-FFF2-40B4-BE49-F238E27FC236}">
-                <a16:creationId xmlns:a16="http://schemas.microsoft.com/office/drawing/2014/main" id="{32BC26D8-82FB-445E-AA49-62A77D7C1EE0}"/>
-              </a:ext>
-              <a:ext uri="{C183D7F6-B498-43B3-948B-1728B52AA6E4}">
-                <adec:decorative xmlns:adec="http://schemas.microsoft.com/office/drawing/2017/decorative" val="1"/>
-              </a:ext>
-            </a:extLst>
-          </p:cNvPr>
-          <p:cNvSpPr>
-            <a:spLocks noGrp="1" noRot="1" noChangeAspect="1" noMove="1" noResize="1" noEditPoints="1" noAdjustHandles="1" noChangeArrowheads="1" noChangeShapeType="1" noTextEdit="1"/>
-          </p:cNvSpPr>
-          <p:nvPr>
-            <p:extLst>
-              <p:ext uri="{386F3935-93C4-4BCD-93E2-E3B085C9AB24}">
-                <p16:designElem xmlns:p16="http://schemas.microsoft.com/office/powerpoint/2015/main" val="1"/>
-              </p:ext>
-            </p:extLst>
-          </p:nvPr>
-        </p:nvSpPr>
-        <p:spPr>
-          <a:xfrm>
-            <a:off x="0" y="0"/>
-            <a:ext cx="12192000" cy="6858000"/>
+          <p:cNvPr id="2" name="Title 1">
+            <a:extLst>
+              <a:ext uri="{FF2B5EF4-FFF2-40B4-BE49-F238E27FC236}">
+                <a16:creationId xmlns:a16="http://schemas.microsoft.com/office/drawing/2014/main" id="{9431372A-98FE-4A9D-94C5-6093A9259391}"/>
+              </a:ext>
+            </a:extLst>
+          </p:cNvPr>
+          <p:cNvSpPr>
+            <a:spLocks noGrp="1"/>
+          </p:cNvSpPr>
+          <p:nvPr>
+            <p:ph type="title"/>
+          </p:nvPr>
+        </p:nvSpPr>
+        <p:spPr>
+          <a:xfrm>
+            <a:off x="648929" y="629266"/>
+            <a:ext cx="5127031" cy="1676603"/>
+          </a:xfrm>
+        </p:spPr>
+        <p:txBody>
+          <a:bodyPr>
+            <a:normAutofit/>
+          </a:bodyPr>
+          <a:lstStyle/>
+          <a:p>
+            <a:r>
+              <a:rPr lang="en-GB"/>
+              <a:t>Final form</a:t>
+            </a:r>
+            <a:endParaRPr lang="en-GB" dirty="0"/>
+          </a:p>
+        </p:txBody>
+      </p:sp>
+      <p:sp>
+        <p:nvSpPr>
+          <p:cNvPr id="14" name="Content Placeholder 8">
+            <a:extLst>
+              <a:ext uri="{FF2B5EF4-FFF2-40B4-BE49-F238E27FC236}">
+                <a16:creationId xmlns:a16="http://schemas.microsoft.com/office/drawing/2014/main" id="{FD56ACBF-0420-4CB1-B919-EA145039D227}"/>
+              </a:ext>
+            </a:extLst>
+          </p:cNvPr>
+          <p:cNvSpPr>
+            <a:spLocks noGrp="1"/>
+          </p:cNvSpPr>
+          <p:nvPr>
+            <p:ph idx="1"/>
+          </p:nvPr>
+        </p:nvSpPr>
+        <p:spPr>
+          <a:xfrm>
+            <a:off x="648930" y="2438400"/>
+            <a:ext cx="5127029" cy="3785419"/>
+          </a:xfrm>
+        </p:spPr>
+        <p:txBody>
+          <a:bodyPr>
+            <a:normAutofit/>
+          </a:bodyPr>
+          <a:lstStyle/>
+          <a:p>
+            <a:endParaRPr lang="en-US" sz="2000"/>
+          </a:p>
+        </p:txBody>
+      </p:sp>
+      <p:pic>
+        <p:nvPicPr>
+          <p:cNvPr id="15" name="Content Placeholder 3">
+            <a:extLst>
+              <a:ext uri="{FF2B5EF4-FFF2-40B4-BE49-F238E27FC236}">
+                <a16:creationId xmlns:a16="http://schemas.microsoft.com/office/drawing/2014/main" id="{0D0F726F-07D9-4868-98F4-EEC178F91413}"/>
+              </a:ext>
+            </a:extLst>
+          </p:cNvPr>
+          <p:cNvPicPr>
+            <a:picLocks noChangeAspect="1"/>
+          </p:cNvPicPr>
+          <p:nvPr/>
+        </p:nvPicPr>
+        <p:blipFill rotWithShape="1">
+          <a:blip r:embed="rId2"/>
+          <a:srcRect l="709" r="2588"/>
+          <a:stretch/>
+        </p:blipFill>
+        <p:spPr>
+          <a:xfrm>
+            <a:off x="6090612" y="10"/>
+            <a:ext cx="6101387" cy="6857990"/>
           </a:xfrm>
           <a:prstGeom prst="rect">
             <a:avLst/>
           </a:prstGeom>
-          <a:solidFill>
-            <a:srgbClr val="3C5B44"/>
-          </a:solidFill>
-          <a:ln>
-            <a:noFill/>
-          </a:ln>
-        </p:spPr>
-        <p:style>
-          <a:lnRef idx="2">
-            <a:schemeClr val="accent1">
-              <a:shade val="50000"/>
-            </a:schemeClr>
-          </a:lnRef>
-          <a:fillRef idx="1">
-            <a:schemeClr val="accent1"/>
-          </a:fillRef>
-          <a:effectRef idx="0">
-            <a:schemeClr val="accent1"/>
-          </a:effectRef>
-          <a:fontRef idx="minor">
-            <a:schemeClr val="lt1"/>
-          </a:fontRef>
-        </p:style>
-        <p:txBody>
-          <a:bodyPr rtlCol="0" anchor="ctr"/>
-          <a:lstStyle/>
-          <a:p>
-            <a:pPr algn="ctr"/>
-            <a:endParaRPr lang="en-US"/>
-          </a:p>
-        </p:txBody>
-      </p:sp>
-      <p:sp>
-        <p:nvSpPr>
-          <p:cNvPr id="12" name="Rectangle 11">
-            <a:extLst>
-              <a:ext uri="{FF2B5EF4-FFF2-40B4-BE49-F238E27FC236}">
-                <a16:creationId xmlns:a16="http://schemas.microsoft.com/office/drawing/2014/main" id="{CB44330D-EA18-4254-AA95-EB49948539B8}"/>
-              </a:ext>
-              <a:ext uri="{C183D7F6-B498-43B3-948B-1728B52AA6E4}">
-                <adec:decorative xmlns:adec="http://schemas.microsoft.com/office/drawing/2017/decorative" val="1"/>
-              </a:ext>
-            </a:extLst>
-          </p:cNvPr>
-          <p:cNvSpPr>
-            <a:spLocks noGrp="1" noRot="1" noChangeAspect="1" noMove="1" noResize="1" noEditPoints="1" noAdjustHandles="1" noChangeArrowheads="1" noChangeShapeType="1" noTextEdit="1"/>
-          </p:cNvSpPr>
-          <p:nvPr>
-            <p:extLst>
-              <p:ext uri="{386F3935-93C4-4BCD-93E2-E3B085C9AB24}">
-                <p16:designElem xmlns:p16="http://schemas.microsoft.com/office/powerpoint/2015/main" val="1"/>
-              </p:ext>
-            </p:extLst>
-          </p:nvPr>
-        </p:nvSpPr>
-        <p:spPr>
-          <a:xfrm>
-            <a:off x="477012" y="480060"/>
-            <a:ext cx="11237976" cy="5897880"/>
-          </a:xfrm>
-          <a:prstGeom prst="rect">
-            <a:avLst/>
-          </a:prstGeom>
-          <a:solidFill>
-            <a:srgbClr val="FFFFFF"/>
-          </a:solidFill>
-          <a:ln>
-            <a:noFill/>
-          </a:ln>
-        </p:spPr>
-        <p:style>
-          <a:lnRef idx="2">
-            <a:schemeClr val="accent1">
-              <a:shade val="50000"/>
-            </a:schemeClr>
-          </a:lnRef>
-          <a:fillRef idx="1">
-            <a:schemeClr val="accent1"/>
-          </a:fillRef>
-          <a:effectRef idx="0">
-            <a:schemeClr val="accent1"/>
-          </a:effectRef>
-          <a:fontRef idx="minor">
-            <a:schemeClr val="lt1"/>
-          </a:fontRef>
-        </p:style>
-        <p:txBody>
-          <a:bodyPr rtlCol="0" anchor="ctr"/>
-          <a:lstStyle/>
-          <a:p>
-            <a:pPr algn="ctr"/>
-            <a:endParaRPr lang="en-US"/>
-          </a:p>
-        </p:txBody>
-      </p:sp>
-      <p:pic>
-        <p:nvPicPr>
-          <p:cNvPr id="7" name="Content Placeholder 3" descr="A picture containing indoor, sky, wall&#10;&#10;Description automatically generated">
-            <a:extLst>
-              <a:ext uri="{FF2B5EF4-FFF2-40B4-BE49-F238E27FC236}">
-                <a16:creationId xmlns:a16="http://schemas.microsoft.com/office/drawing/2014/main" id="{A869FC58-426B-471B-B0F1-9207CE7F5829}"/>
-              </a:ext>
-            </a:extLst>
-          </p:cNvPr>
-          <p:cNvPicPr>
-            <a:picLocks noGrp="1" noChangeAspect="1"/>
-          </p:cNvPicPr>
-          <p:nvPr>
-            <p:ph idx="1"/>
-          </p:nvPr>
-        </p:nvPicPr>
-        <p:blipFill>
-          <a:blip r:embed="rId2"/>
-          <a:stretch>
-            <a:fillRect/>
-          </a:stretch>
-        </p:blipFill>
-        <p:spPr>
-          <a:xfrm>
-            <a:off x="3160060" y="643467"/>
-            <a:ext cx="5871879" cy="5571066"/>
-          </a:xfrm>
-          <a:prstGeom prst="rect">
-            <a:avLst/>
-          </a:prstGeom>
+          <a:effectLst/>
         </p:spPr>
       </p:pic>
     </p:spTree>
     <p:extLst>
       <p:ext uri="{BB962C8B-B14F-4D97-AF65-F5344CB8AC3E}">
-        <p14:creationId xmlns:p14="http://schemas.microsoft.com/office/powerpoint/2010/main" val="1993872028"/>
+        <p14:creationId xmlns:p14="http://schemas.microsoft.com/office/powerpoint/2010/main" val="4068318547"/>
       </p:ext>
     </p:extLst>
   </p:cSld>

--- a/Velcherean_Raul_presentation.pptx
+++ b/Velcherean_Raul_presentation.pptx
@@ -23,8 +23,10 @@
     <p:sldId id="260" r:id="rId17"/>
     <p:sldId id="273" r:id="rId18"/>
     <p:sldId id="274" r:id="rId19"/>
-    <p:sldId id="275" r:id="rId20"/>
-    <p:sldId id="261" r:id="rId21"/>
+    <p:sldId id="276" r:id="rId20"/>
+    <p:sldId id="277" r:id="rId21"/>
+    <p:sldId id="275" r:id="rId22"/>
+    <p:sldId id="261" r:id="rId23"/>
   </p:sldIdLst>
   <p:sldSz cx="12192000" cy="6858000"/>
   <p:notesSz cx="6858000" cy="9144000"/>
@@ -4635,15 +4637,20 @@
           </p:nvPr>
         </p:nvPicPr>
         <p:blipFill>
-          <a:blip r:embed="rId2"/>
-          <a:stretch>
-            <a:fillRect/>
-          </a:stretch>
+          <a:blip r:embed="rId2">
+            <a:extLst>
+              <a:ext uri="{28A0092B-C50C-407E-A947-70E740481C1C}">
+                <a14:useLocalDpi xmlns:a14="http://schemas.microsoft.com/office/drawing/2010/main" val="0"/>
+              </a:ext>
+            </a:extLst>
+          </a:blip>
+          <a:srcRect/>
+          <a:stretch/>
         </p:blipFill>
         <p:spPr>
           <a:xfrm>
-            <a:off x="3140527" y="643467"/>
-            <a:ext cx="5910946" cy="5571066"/>
+            <a:off x="3140527" y="645135"/>
+            <a:ext cx="5910946" cy="5567729"/>
           </a:xfrm>
           <a:prstGeom prst="rect">
             <a:avLst/>
@@ -5988,172 +5995,979 @@
       </p:grpSpPr>
       <p:sp>
         <p:nvSpPr>
-          <p:cNvPr id="10" name="Rectangle 9">
-            <a:extLst>
-              <a:ext uri="{FF2B5EF4-FFF2-40B4-BE49-F238E27FC236}">
-                <a16:creationId xmlns:a16="http://schemas.microsoft.com/office/drawing/2014/main" id="{32BC26D8-82FB-445E-AA49-62A77D7C1EE0}"/>
-              </a:ext>
-              <a:ext uri="{C183D7F6-B498-43B3-948B-1728B52AA6E4}">
-                <adec:decorative xmlns:adec="http://schemas.microsoft.com/office/drawing/2017/decorative" val="1"/>
-              </a:ext>
-            </a:extLst>
-          </p:cNvPr>
-          <p:cNvSpPr>
-            <a:spLocks noGrp="1" noRot="1" noChangeAspect="1" noMove="1" noResize="1" noEditPoints="1" noAdjustHandles="1" noChangeArrowheads="1" noChangeShapeType="1" noTextEdit="1"/>
-          </p:cNvSpPr>
-          <p:nvPr>
-            <p:extLst>
-              <p:ext uri="{386F3935-93C4-4BCD-93E2-E3B085C9AB24}">
-                <p16:designElem xmlns:p16="http://schemas.microsoft.com/office/powerpoint/2015/main" val="1"/>
-              </p:ext>
-            </p:extLst>
-          </p:nvPr>
-        </p:nvSpPr>
-        <p:spPr>
-          <a:xfrm>
-            <a:off x="0" y="0"/>
-            <a:ext cx="12192000" cy="6858000"/>
+          <p:cNvPr id="2" name="Title 1">
+            <a:extLst>
+              <a:ext uri="{FF2B5EF4-FFF2-40B4-BE49-F238E27FC236}">
+                <a16:creationId xmlns:a16="http://schemas.microsoft.com/office/drawing/2014/main" id="{162EFE71-7707-4D18-B037-AB903A69F612}"/>
+              </a:ext>
+            </a:extLst>
+          </p:cNvPr>
+          <p:cNvSpPr>
+            <a:spLocks noGrp="1"/>
+          </p:cNvSpPr>
+          <p:nvPr>
+            <p:ph type="title"/>
+          </p:nvPr>
+        </p:nvSpPr>
+        <p:spPr>
+          <a:xfrm>
+            <a:off x="648929" y="629266"/>
+            <a:ext cx="3667039" cy="1676603"/>
+          </a:xfrm>
+        </p:spPr>
+        <p:txBody>
+          <a:bodyPr>
+            <a:normAutofit/>
+          </a:bodyPr>
+          <a:lstStyle/>
+          <a:p>
+            <a:r>
+              <a:rPr lang="en-GB" dirty="0"/>
+              <a:t>Intersection of 2 circles</a:t>
+            </a:r>
+          </a:p>
+        </p:txBody>
+      </p:sp>
+      <mc:AlternateContent xmlns:mc="http://schemas.openxmlformats.org/markup-compatibility/2006">
+        <mc:Choice xmlns:a14="http://schemas.microsoft.com/office/drawing/2010/main" Requires="a14">
+          <p:sp>
+            <p:nvSpPr>
+              <p:cNvPr id="9" name="Content Placeholder 8">
+                <a:extLst>
+                  <a:ext uri="{FF2B5EF4-FFF2-40B4-BE49-F238E27FC236}">
+                    <a16:creationId xmlns:a16="http://schemas.microsoft.com/office/drawing/2014/main" id="{1553538B-8BA9-4F23-A9B1-2EDADFA38F5E}"/>
+                  </a:ext>
+                </a:extLst>
+              </p:cNvPr>
+              <p:cNvSpPr>
+                <a:spLocks noGrp="1"/>
+              </p:cNvSpPr>
+              <p:nvPr>
+                <p:ph idx="1"/>
+              </p:nvPr>
+            </p:nvSpPr>
+            <p:spPr>
+              <a:xfrm>
+                <a:off x="648930" y="2438400"/>
+                <a:ext cx="3667037" cy="3785419"/>
+              </a:xfrm>
+            </p:spPr>
+            <p:txBody>
+              <a:bodyPr>
+                <a:normAutofit/>
+              </a:bodyPr>
+              <a:lstStyle/>
+              <a:p>
+                <a14:m>
+                  <m:oMath xmlns:m="http://schemas.openxmlformats.org/officeDocument/2006/math">
+                    <m:sSub>
+                      <m:sSubPr>
+                        <m:ctrlPr>
+                          <a:rPr lang="en-GB" sz="1800" b="0" i="1" smtClean="0">
+                            <a:latin typeface="Cambria Math" panose="02040503050406030204" pitchFamily="18" charset="0"/>
+                          </a:rPr>
+                        </m:ctrlPr>
+                      </m:sSubPr>
+                      <m:e>
+                        <m:r>
+                          <a:rPr lang="en-GB" sz="1800" b="0" i="1" smtClean="0">
+                            <a:latin typeface="Cambria Math" panose="02040503050406030204" pitchFamily="18" charset="0"/>
+                          </a:rPr>
+                          <m:t>𝑥</m:t>
+                        </m:r>
+                      </m:e>
+                      <m:sub>
+                        <m:r>
+                          <a:rPr lang="en-GB" sz="1800" b="0" i="1" smtClean="0">
+                            <a:latin typeface="Cambria Math" panose="02040503050406030204" pitchFamily="18" charset="0"/>
+                          </a:rPr>
+                          <m:t>3</m:t>
+                        </m:r>
+                      </m:sub>
+                    </m:sSub>
+                    <m:r>
+                      <a:rPr lang="en-GB" sz="1800" b="0" i="1" smtClean="0">
+                        <a:latin typeface="Cambria Math" panose="02040503050406030204" pitchFamily="18" charset="0"/>
+                      </a:rPr>
+                      <m:t>=</m:t>
+                    </m:r>
+                    <m:sSub>
+                      <m:sSubPr>
+                        <m:ctrlPr>
+                          <a:rPr lang="en-GB" sz="1800" b="0" i="1" smtClean="0">
+                            <a:latin typeface="Cambria Math" panose="02040503050406030204" pitchFamily="18" charset="0"/>
+                          </a:rPr>
+                        </m:ctrlPr>
+                      </m:sSubPr>
+                      <m:e>
+                        <m:r>
+                          <a:rPr lang="en-GB" sz="1800" b="0" i="1" smtClean="0">
+                            <a:latin typeface="Cambria Math" panose="02040503050406030204" pitchFamily="18" charset="0"/>
+                          </a:rPr>
+                          <m:t>𝑥</m:t>
+                        </m:r>
+                      </m:e>
+                      <m:sub>
+                        <m:r>
+                          <a:rPr lang="en-GB" sz="1800" b="0" i="1" smtClean="0">
+                            <a:latin typeface="Cambria Math" panose="02040503050406030204" pitchFamily="18" charset="0"/>
+                          </a:rPr>
+                          <m:t>2</m:t>
+                        </m:r>
+                      </m:sub>
+                    </m:sSub>
+                    <m:r>
+                      <a:rPr lang="en-GB" sz="1800" b="0" i="1" smtClean="0">
+                        <a:latin typeface="Cambria Math" panose="02040503050406030204" pitchFamily="18" charset="0"/>
+                      </a:rPr>
+                      <m:t>±</m:t>
+                    </m:r>
+                    <m:f>
+                      <m:fPr>
+                        <m:ctrlPr>
+                          <a:rPr lang="en-GB" sz="1800" b="0" i="1" smtClean="0">
+                            <a:latin typeface="Cambria Math" panose="02040503050406030204" pitchFamily="18" charset="0"/>
+                          </a:rPr>
+                        </m:ctrlPr>
+                      </m:fPr>
+                      <m:num>
+                        <m:r>
+                          <a:rPr lang="en-GB" sz="1800" b="0" i="1" smtClean="0">
+                            <a:latin typeface="Cambria Math" panose="02040503050406030204" pitchFamily="18" charset="0"/>
+                          </a:rPr>
+                          <m:t>h</m:t>
+                        </m:r>
+                        <m:r>
+                          <a:rPr lang="en-GB" sz="1800" b="0" i="1" smtClean="0">
+                            <a:latin typeface="Cambria Math" panose="02040503050406030204" pitchFamily="18" charset="0"/>
+                          </a:rPr>
+                          <m:t>(</m:t>
+                        </m:r>
+                        <m:sSub>
+                          <m:sSubPr>
+                            <m:ctrlPr>
+                              <a:rPr lang="en-GB" sz="1800" b="0" i="1" smtClean="0">
+                                <a:latin typeface="Cambria Math" panose="02040503050406030204" pitchFamily="18" charset="0"/>
+                              </a:rPr>
+                            </m:ctrlPr>
+                          </m:sSubPr>
+                          <m:e>
+                            <m:r>
+                              <a:rPr lang="en-GB" sz="1800" b="0" i="1" smtClean="0">
+                                <a:latin typeface="Cambria Math" panose="02040503050406030204" pitchFamily="18" charset="0"/>
+                              </a:rPr>
+                              <m:t>𝑦</m:t>
+                            </m:r>
+                          </m:e>
+                          <m:sub>
+                            <m:r>
+                              <a:rPr lang="en-GB" sz="1800" b="0" i="1" smtClean="0">
+                                <a:latin typeface="Cambria Math" panose="02040503050406030204" pitchFamily="18" charset="0"/>
+                              </a:rPr>
+                              <m:t>1</m:t>
+                            </m:r>
+                          </m:sub>
+                        </m:sSub>
+                        <m:r>
+                          <a:rPr lang="en-GB" sz="1800" b="0" i="1" smtClean="0">
+                            <a:latin typeface="Cambria Math" panose="02040503050406030204" pitchFamily="18" charset="0"/>
+                          </a:rPr>
+                          <m:t>−</m:t>
+                        </m:r>
+                        <m:sSub>
+                          <m:sSubPr>
+                            <m:ctrlPr>
+                              <a:rPr lang="en-GB" sz="1800" b="0" i="1" smtClean="0">
+                                <a:latin typeface="Cambria Math" panose="02040503050406030204" pitchFamily="18" charset="0"/>
+                              </a:rPr>
+                            </m:ctrlPr>
+                          </m:sSubPr>
+                          <m:e>
+                            <m:r>
+                              <a:rPr lang="en-GB" sz="1800" b="0" i="1" smtClean="0">
+                                <a:latin typeface="Cambria Math" panose="02040503050406030204" pitchFamily="18" charset="0"/>
+                              </a:rPr>
+                              <m:t>𝑦</m:t>
+                            </m:r>
+                          </m:e>
+                          <m:sub>
+                            <m:r>
+                              <a:rPr lang="en-GB" sz="1800" b="0" i="1" smtClean="0">
+                                <a:latin typeface="Cambria Math" panose="02040503050406030204" pitchFamily="18" charset="0"/>
+                              </a:rPr>
+                              <m:t>0</m:t>
+                            </m:r>
+                          </m:sub>
+                        </m:sSub>
+                        <m:r>
+                          <a:rPr lang="en-GB" sz="1800" b="0" i="1" smtClean="0">
+                            <a:latin typeface="Cambria Math" panose="02040503050406030204" pitchFamily="18" charset="0"/>
+                          </a:rPr>
+                          <m:t>)</m:t>
+                        </m:r>
+                      </m:num>
+                      <m:den>
+                        <m:r>
+                          <a:rPr lang="en-GB" sz="1800" b="0" i="1" smtClean="0">
+                            <a:latin typeface="Cambria Math" panose="02040503050406030204" pitchFamily="18" charset="0"/>
+                          </a:rPr>
+                          <m:t>𝑑</m:t>
+                        </m:r>
+                      </m:den>
+                    </m:f>
+                  </m:oMath>
+                </a14:m>
+                <a:endParaRPr lang="en-US" sz="1800" dirty="0"/>
+              </a:p>
+              <a:p>
+                <a14:m>
+                  <m:oMath xmlns:m="http://schemas.openxmlformats.org/officeDocument/2006/math">
+                    <m:sSub>
+                      <m:sSubPr>
+                        <m:ctrlPr>
+                          <a:rPr lang="en-GB" sz="1800" b="0" i="1" smtClean="0">
+                            <a:latin typeface="Cambria Math" panose="02040503050406030204" pitchFamily="18" charset="0"/>
+                          </a:rPr>
+                        </m:ctrlPr>
+                      </m:sSubPr>
+                      <m:e>
+                        <m:r>
+                          <a:rPr lang="en-GB" sz="1800" b="0" i="1" smtClean="0">
+                            <a:latin typeface="Cambria Math" panose="02040503050406030204" pitchFamily="18" charset="0"/>
+                          </a:rPr>
+                          <m:t>𝑦</m:t>
+                        </m:r>
+                      </m:e>
+                      <m:sub>
+                        <m:r>
+                          <a:rPr lang="en-GB" sz="1800" b="0" i="1" smtClean="0">
+                            <a:latin typeface="Cambria Math" panose="02040503050406030204" pitchFamily="18" charset="0"/>
+                          </a:rPr>
+                          <m:t>3</m:t>
+                        </m:r>
+                      </m:sub>
+                    </m:sSub>
+                    <m:r>
+                      <a:rPr lang="en-GB" sz="1800" b="0" i="1" smtClean="0">
+                        <a:latin typeface="Cambria Math" panose="02040503050406030204" pitchFamily="18" charset="0"/>
+                      </a:rPr>
+                      <m:t>=</m:t>
+                    </m:r>
+                    <m:sSub>
+                      <m:sSubPr>
+                        <m:ctrlPr>
+                          <a:rPr lang="en-GB" sz="1800" b="0" i="1" smtClean="0">
+                            <a:latin typeface="Cambria Math" panose="02040503050406030204" pitchFamily="18" charset="0"/>
+                          </a:rPr>
+                        </m:ctrlPr>
+                      </m:sSubPr>
+                      <m:e>
+                        <m:r>
+                          <a:rPr lang="en-GB" sz="1800" b="0" i="1" smtClean="0">
+                            <a:latin typeface="Cambria Math" panose="02040503050406030204" pitchFamily="18" charset="0"/>
+                          </a:rPr>
+                          <m:t>𝑦</m:t>
+                        </m:r>
+                      </m:e>
+                      <m:sub>
+                        <m:r>
+                          <a:rPr lang="en-GB" sz="1800" b="0" i="1" smtClean="0">
+                            <a:latin typeface="Cambria Math" panose="02040503050406030204" pitchFamily="18" charset="0"/>
+                          </a:rPr>
+                          <m:t>2</m:t>
+                        </m:r>
+                      </m:sub>
+                    </m:sSub>
+                    <m:r>
+                      <a:rPr lang="en-GB" sz="1800" b="0" i="1" smtClean="0">
+                        <a:latin typeface="Cambria Math" panose="02040503050406030204" pitchFamily="18" charset="0"/>
+                      </a:rPr>
+                      <m:t>∓</m:t>
+                    </m:r>
+                    <m:f>
+                      <m:fPr>
+                        <m:ctrlPr>
+                          <a:rPr lang="en-GB" sz="1800" b="0" i="1" smtClean="0">
+                            <a:latin typeface="Cambria Math" panose="02040503050406030204" pitchFamily="18" charset="0"/>
+                          </a:rPr>
+                        </m:ctrlPr>
+                      </m:fPr>
+                      <m:num>
+                        <m:r>
+                          <a:rPr lang="en-GB" sz="1800" b="0" i="1" smtClean="0">
+                            <a:latin typeface="Cambria Math" panose="02040503050406030204" pitchFamily="18" charset="0"/>
+                          </a:rPr>
+                          <m:t>h</m:t>
+                        </m:r>
+                        <m:r>
+                          <a:rPr lang="en-GB" sz="1800" b="0" i="1" smtClean="0">
+                            <a:latin typeface="Cambria Math" panose="02040503050406030204" pitchFamily="18" charset="0"/>
+                          </a:rPr>
+                          <m:t>(</m:t>
+                        </m:r>
+                        <m:sSub>
+                          <m:sSubPr>
+                            <m:ctrlPr>
+                              <a:rPr lang="en-GB" sz="1800" b="0" i="1" smtClean="0">
+                                <a:latin typeface="Cambria Math" panose="02040503050406030204" pitchFamily="18" charset="0"/>
+                              </a:rPr>
+                            </m:ctrlPr>
+                          </m:sSubPr>
+                          <m:e>
+                            <m:r>
+                              <a:rPr lang="en-GB" sz="1800" b="0" i="1" smtClean="0">
+                                <a:latin typeface="Cambria Math" panose="02040503050406030204" pitchFamily="18" charset="0"/>
+                              </a:rPr>
+                              <m:t>𝑥</m:t>
+                            </m:r>
+                          </m:e>
+                          <m:sub>
+                            <m:r>
+                              <a:rPr lang="en-GB" sz="1800" b="0" i="1" smtClean="0">
+                                <a:latin typeface="Cambria Math" panose="02040503050406030204" pitchFamily="18" charset="0"/>
+                              </a:rPr>
+                              <m:t>1</m:t>
+                            </m:r>
+                          </m:sub>
+                        </m:sSub>
+                        <m:r>
+                          <a:rPr lang="en-GB" sz="1800" b="0" i="1" smtClean="0">
+                            <a:latin typeface="Cambria Math" panose="02040503050406030204" pitchFamily="18" charset="0"/>
+                          </a:rPr>
+                          <m:t>−</m:t>
+                        </m:r>
+                        <m:sSub>
+                          <m:sSubPr>
+                            <m:ctrlPr>
+                              <a:rPr lang="en-GB" sz="1800" b="0" i="1" smtClean="0">
+                                <a:latin typeface="Cambria Math" panose="02040503050406030204" pitchFamily="18" charset="0"/>
+                              </a:rPr>
+                            </m:ctrlPr>
+                          </m:sSubPr>
+                          <m:e>
+                            <m:r>
+                              <a:rPr lang="en-GB" sz="1800" b="0" i="1" smtClean="0">
+                                <a:latin typeface="Cambria Math" panose="02040503050406030204" pitchFamily="18" charset="0"/>
+                              </a:rPr>
+                              <m:t>𝑥</m:t>
+                            </m:r>
+                          </m:e>
+                          <m:sub>
+                            <m:r>
+                              <a:rPr lang="en-GB" sz="1800" b="0" i="1" smtClean="0">
+                                <a:latin typeface="Cambria Math" panose="02040503050406030204" pitchFamily="18" charset="0"/>
+                              </a:rPr>
+                              <m:t>0</m:t>
+                            </m:r>
+                          </m:sub>
+                        </m:sSub>
+                        <m:r>
+                          <a:rPr lang="en-GB" sz="1800" b="0" i="1" smtClean="0">
+                            <a:latin typeface="Cambria Math" panose="02040503050406030204" pitchFamily="18" charset="0"/>
+                          </a:rPr>
+                          <m:t>)</m:t>
+                        </m:r>
+                      </m:num>
+                      <m:den>
+                        <m:r>
+                          <a:rPr lang="en-GB" sz="1800" b="0" i="1" smtClean="0">
+                            <a:latin typeface="Cambria Math" panose="02040503050406030204" pitchFamily="18" charset="0"/>
+                          </a:rPr>
+                          <m:t>𝑑</m:t>
+                        </m:r>
+                      </m:den>
+                    </m:f>
+                  </m:oMath>
+                </a14:m>
+                <a:endParaRPr lang="en-US" sz="1800" dirty="0"/>
+              </a:p>
+              <a:p>
+                <a14:m>
+                  <m:oMath xmlns:m="http://schemas.openxmlformats.org/officeDocument/2006/math">
+                    <m:r>
+                      <a:rPr lang="en-GB" sz="1800" b="0" i="1" smtClean="0">
+                        <a:latin typeface="Cambria Math" panose="02040503050406030204" pitchFamily="18" charset="0"/>
+                      </a:rPr>
+                      <m:t>𝑑</m:t>
+                    </m:r>
+                    <m:r>
+                      <a:rPr lang="en-GB" sz="1800" b="0" i="1" smtClean="0">
+                        <a:latin typeface="Cambria Math" panose="02040503050406030204" pitchFamily="18" charset="0"/>
+                      </a:rPr>
+                      <m:t>=</m:t>
+                    </m:r>
+                    <m:d>
+                      <m:dPr>
+                        <m:begChr m:val="|"/>
+                        <m:endChr m:val="|"/>
+                        <m:ctrlPr>
+                          <a:rPr lang="en-GB" sz="1800" b="0" i="1" smtClean="0">
+                            <a:latin typeface="Cambria Math" panose="02040503050406030204" pitchFamily="18" charset="0"/>
+                          </a:rPr>
+                        </m:ctrlPr>
+                      </m:dPr>
+                      <m:e>
+                        <m:d>
+                          <m:dPr>
+                            <m:begChr m:val="|"/>
+                            <m:endChr m:val="|"/>
+                            <m:ctrlPr>
+                              <a:rPr lang="en-GB" sz="1800" b="0" i="1" smtClean="0">
+                                <a:latin typeface="Cambria Math" panose="02040503050406030204" pitchFamily="18" charset="0"/>
+                              </a:rPr>
+                            </m:ctrlPr>
+                          </m:dPr>
+                          <m:e>
+                            <m:sSub>
+                              <m:sSubPr>
+                                <m:ctrlPr>
+                                  <a:rPr lang="en-GB" sz="1800" b="0" i="1" smtClean="0">
+                                    <a:latin typeface="Cambria Math" panose="02040503050406030204" pitchFamily="18" charset="0"/>
+                                  </a:rPr>
+                                </m:ctrlPr>
+                              </m:sSubPr>
+                              <m:e>
+                                <m:r>
+                                  <a:rPr lang="en-GB" sz="1800" b="0" i="1" smtClean="0">
+                                    <a:latin typeface="Cambria Math" panose="02040503050406030204" pitchFamily="18" charset="0"/>
+                                  </a:rPr>
+                                  <m:t>𝑃</m:t>
+                                </m:r>
+                              </m:e>
+                              <m:sub>
+                                <m:r>
+                                  <a:rPr lang="en-GB" sz="1800" b="0" i="1" smtClean="0">
+                                    <a:latin typeface="Cambria Math" panose="02040503050406030204" pitchFamily="18" charset="0"/>
+                                  </a:rPr>
+                                  <m:t>1</m:t>
+                                </m:r>
+                              </m:sub>
+                            </m:sSub>
+                            <m:r>
+                              <a:rPr lang="en-GB" sz="1800" b="0" i="1" smtClean="0">
+                                <a:latin typeface="Cambria Math" panose="02040503050406030204" pitchFamily="18" charset="0"/>
+                              </a:rPr>
+                              <m:t>−</m:t>
+                            </m:r>
+                            <m:sSub>
+                              <m:sSubPr>
+                                <m:ctrlPr>
+                                  <a:rPr lang="en-GB" sz="1800" b="0" i="1" smtClean="0">
+                                    <a:latin typeface="Cambria Math" panose="02040503050406030204" pitchFamily="18" charset="0"/>
+                                  </a:rPr>
+                                </m:ctrlPr>
+                              </m:sSubPr>
+                              <m:e>
+                                <m:r>
+                                  <a:rPr lang="en-GB" sz="1800" b="0" i="1" smtClean="0">
+                                    <a:latin typeface="Cambria Math" panose="02040503050406030204" pitchFamily="18" charset="0"/>
+                                  </a:rPr>
+                                  <m:t>𝑃</m:t>
+                                </m:r>
+                              </m:e>
+                              <m:sub>
+                                <m:r>
+                                  <a:rPr lang="en-GB" sz="1800" b="0" i="1" smtClean="0">
+                                    <a:latin typeface="Cambria Math" panose="02040503050406030204" pitchFamily="18" charset="0"/>
+                                  </a:rPr>
+                                  <m:t>0</m:t>
+                                </m:r>
+                              </m:sub>
+                            </m:sSub>
+                          </m:e>
+                        </m:d>
+                      </m:e>
+                    </m:d>
+                  </m:oMath>
+                </a14:m>
+                <a:endParaRPr lang="en-GB" sz="1800" b="0" dirty="0"/>
+              </a:p>
+              <a:p>
+                <a14:m>
+                  <m:oMath xmlns:m="http://schemas.openxmlformats.org/officeDocument/2006/math">
+                    <m:r>
+                      <a:rPr lang="en-GB" sz="1800" b="0" i="1" smtClean="0">
+                        <a:latin typeface="Cambria Math" panose="02040503050406030204" pitchFamily="18" charset="0"/>
+                      </a:rPr>
+                      <m:t>𝑎</m:t>
+                    </m:r>
+                    <m:r>
+                      <a:rPr lang="en-GB" sz="1800" b="0" i="1" smtClean="0">
+                        <a:latin typeface="Cambria Math" panose="02040503050406030204" pitchFamily="18" charset="0"/>
+                      </a:rPr>
+                      <m:t>=</m:t>
+                    </m:r>
+                    <m:f>
+                      <m:fPr>
+                        <m:ctrlPr>
+                          <a:rPr lang="en-GB" sz="1800" b="0" i="1" smtClean="0">
+                            <a:latin typeface="Cambria Math" panose="02040503050406030204" pitchFamily="18" charset="0"/>
+                          </a:rPr>
+                        </m:ctrlPr>
+                      </m:fPr>
+                      <m:num>
+                        <m:sSubSup>
+                          <m:sSubSupPr>
+                            <m:ctrlPr>
+                              <a:rPr lang="en-GB" sz="1800" i="1">
+                                <a:latin typeface="Cambria Math" panose="02040503050406030204" pitchFamily="18" charset="0"/>
+                              </a:rPr>
+                            </m:ctrlPr>
+                          </m:sSubSupPr>
+                          <m:e>
+                            <m:r>
+                              <a:rPr lang="en-GB" sz="1800" i="1">
+                                <a:latin typeface="Cambria Math" panose="02040503050406030204" pitchFamily="18" charset="0"/>
+                              </a:rPr>
+                              <m:t>𝑟</m:t>
+                            </m:r>
+                          </m:e>
+                          <m:sub>
+                            <m:r>
+                              <a:rPr lang="en-GB" sz="1800" i="1">
+                                <a:latin typeface="Cambria Math" panose="02040503050406030204" pitchFamily="18" charset="0"/>
+                              </a:rPr>
+                              <m:t>0</m:t>
+                            </m:r>
+                          </m:sub>
+                          <m:sup>
+                            <m:r>
+                              <a:rPr lang="en-GB" sz="1800" i="1">
+                                <a:latin typeface="Cambria Math" panose="02040503050406030204" pitchFamily="18" charset="0"/>
+                              </a:rPr>
+                              <m:t>2</m:t>
+                            </m:r>
+                          </m:sup>
+                        </m:sSubSup>
+                        <m:r>
+                          <a:rPr lang="en-GB" sz="1800" i="1">
+                            <a:latin typeface="Cambria Math" panose="02040503050406030204" pitchFamily="18" charset="0"/>
+                          </a:rPr>
+                          <m:t>−</m:t>
+                        </m:r>
+                        <m:sSubSup>
+                          <m:sSubSupPr>
+                            <m:ctrlPr>
+                              <a:rPr lang="en-GB" sz="1800" i="1">
+                                <a:latin typeface="Cambria Math" panose="02040503050406030204" pitchFamily="18" charset="0"/>
+                              </a:rPr>
+                            </m:ctrlPr>
+                          </m:sSubSupPr>
+                          <m:e>
+                            <m:r>
+                              <a:rPr lang="en-GB" sz="1800" i="1">
+                                <a:latin typeface="Cambria Math" panose="02040503050406030204" pitchFamily="18" charset="0"/>
+                              </a:rPr>
+                              <m:t>𝑟</m:t>
+                            </m:r>
+                          </m:e>
+                          <m:sub>
+                            <m:r>
+                              <a:rPr lang="en-GB" sz="1800" i="1">
+                                <a:latin typeface="Cambria Math" panose="02040503050406030204" pitchFamily="18" charset="0"/>
+                              </a:rPr>
+                              <m:t>1</m:t>
+                            </m:r>
+                          </m:sub>
+                          <m:sup>
+                            <m:r>
+                              <a:rPr lang="en-GB" sz="1800" i="1">
+                                <a:latin typeface="Cambria Math" panose="02040503050406030204" pitchFamily="18" charset="0"/>
+                              </a:rPr>
+                              <m:t>2</m:t>
+                            </m:r>
+                          </m:sup>
+                        </m:sSubSup>
+                        <m:r>
+                          <a:rPr lang="en-GB" sz="1800" i="1">
+                            <a:latin typeface="Cambria Math" panose="02040503050406030204" pitchFamily="18" charset="0"/>
+                          </a:rPr>
+                          <m:t>+</m:t>
+                        </m:r>
+                        <m:sSup>
+                          <m:sSupPr>
+                            <m:ctrlPr>
+                              <a:rPr lang="en-GB" sz="1800" i="1">
+                                <a:latin typeface="Cambria Math" panose="02040503050406030204" pitchFamily="18" charset="0"/>
+                              </a:rPr>
+                            </m:ctrlPr>
+                          </m:sSupPr>
+                          <m:e>
+                            <m:r>
+                              <a:rPr lang="en-GB" sz="1800" i="1">
+                                <a:latin typeface="Cambria Math" panose="02040503050406030204" pitchFamily="18" charset="0"/>
+                              </a:rPr>
+                              <m:t>𝑑</m:t>
+                            </m:r>
+                          </m:e>
+                          <m:sup>
+                            <m:r>
+                              <a:rPr lang="en-GB" sz="1800" i="1">
+                                <a:latin typeface="Cambria Math" panose="02040503050406030204" pitchFamily="18" charset="0"/>
+                              </a:rPr>
+                              <m:t>2</m:t>
+                            </m:r>
+                          </m:sup>
+                        </m:sSup>
+                      </m:num>
+                      <m:den>
+                        <m:r>
+                          <a:rPr lang="en-GB" sz="1800" b="0" i="1" smtClean="0">
+                            <a:latin typeface="Cambria Math" panose="02040503050406030204" pitchFamily="18" charset="0"/>
+                          </a:rPr>
+                          <m:t>2</m:t>
+                        </m:r>
+                        <m:r>
+                          <a:rPr lang="en-GB" sz="1800" b="0" i="1" smtClean="0">
+                            <a:latin typeface="Cambria Math" panose="02040503050406030204" pitchFamily="18" charset="0"/>
+                          </a:rPr>
+                          <m:t>𝑑</m:t>
+                        </m:r>
+                      </m:den>
+                    </m:f>
+                  </m:oMath>
+                </a14:m>
+                <a:endParaRPr lang="en-US" sz="1800" dirty="0"/>
+              </a:p>
+              <a:p>
+                <a14:m>
+                  <m:oMath xmlns:m="http://schemas.openxmlformats.org/officeDocument/2006/math">
+                    <m:r>
+                      <a:rPr lang="en-GB" sz="1800" b="0" i="1" smtClean="0">
+                        <a:latin typeface="Cambria Math" panose="02040503050406030204" pitchFamily="18" charset="0"/>
+                      </a:rPr>
+                      <m:t>h</m:t>
+                    </m:r>
+                    <m:r>
+                      <a:rPr lang="en-GB" sz="1800" b="0" i="1" smtClean="0">
+                        <a:latin typeface="Cambria Math" panose="02040503050406030204" pitchFamily="18" charset="0"/>
+                      </a:rPr>
+                      <m:t>=</m:t>
+                    </m:r>
+                    <m:rad>
+                      <m:radPr>
+                        <m:degHide m:val="on"/>
+                        <m:ctrlPr>
+                          <a:rPr lang="en-GB" sz="1800" b="0" i="1" smtClean="0">
+                            <a:latin typeface="Cambria Math" panose="02040503050406030204" pitchFamily="18" charset="0"/>
+                          </a:rPr>
+                        </m:ctrlPr>
+                      </m:radPr>
+                      <m:deg/>
+                      <m:e>
+                        <m:sSubSup>
+                          <m:sSubSupPr>
+                            <m:ctrlPr>
+                              <a:rPr lang="en-GB" sz="1800" b="0" i="1" smtClean="0">
+                                <a:latin typeface="Cambria Math" panose="02040503050406030204" pitchFamily="18" charset="0"/>
+                              </a:rPr>
+                            </m:ctrlPr>
+                          </m:sSubSupPr>
+                          <m:e>
+                            <m:r>
+                              <a:rPr lang="en-GB" sz="1800" b="0" i="1" smtClean="0">
+                                <a:latin typeface="Cambria Math" panose="02040503050406030204" pitchFamily="18" charset="0"/>
+                              </a:rPr>
+                              <m:t>𝑟</m:t>
+                            </m:r>
+                          </m:e>
+                          <m:sub>
+                            <m:r>
+                              <a:rPr lang="en-GB" sz="1800" b="0" i="1" smtClean="0">
+                                <a:latin typeface="Cambria Math" panose="02040503050406030204" pitchFamily="18" charset="0"/>
+                              </a:rPr>
+                              <m:t>0</m:t>
+                            </m:r>
+                          </m:sub>
+                          <m:sup>
+                            <m:r>
+                              <a:rPr lang="en-GB" sz="1800" b="0" i="1" smtClean="0">
+                                <a:latin typeface="Cambria Math" panose="02040503050406030204" pitchFamily="18" charset="0"/>
+                              </a:rPr>
+                              <m:t>2</m:t>
+                            </m:r>
+                          </m:sup>
+                        </m:sSubSup>
+                        <m:r>
+                          <a:rPr lang="en-GB" sz="1800" b="0" i="1" smtClean="0">
+                            <a:latin typeface="Cambria Math" panose="02040503050406030204" pitchFamily="18" charset="0"/>
+                          </a:rPr>
+                          <m:t>−</m:t>
+                        </m:r>
+                        <m:sSup>
+                          <m:sSupPr>
+                            <m:ctrlPr>
+                              <a:rPr lang="en-GB" sz="1800" b="0" i="1" smtClean="0">
+                                <a:latin typeface="Cambria Math" panose="02040503050406030204" pitchFamily="18" charset="0"/>
+                              </a:rPr>
+                            </m:ctrlPr>
+                          </m:sSupPr>
+                          <m:e>
+                            <m:r>
+                              <a:rPr lang="en-GB" sz="1800" b="0" i="1" smtClean="0">
+                                <a:latin typeface="Cambria Math" panose="02040503050406030204" pitchFamily="18" charset="0"/>
+                              </a:rPr>
+                              <m:t>𝑎</m:t>
+                            </m:r>
+                          </m:e>
+                          <m:sup>
+                            <m:r>
+                              <a:rPr lang="en-GB" sz="1800" b="0" i="1" smtClean="0">
+                                <a:latin typeface="Cambria Math" panose="02040503050406030204" pitchFamily="18" charset="0"/>
+                              </a:rPr>
+                              <m:t>2</m:t>
+                            </m:r>
+                          </m:sup>
+                        </m:sSup>
+                      </m:e>
+                    </m:rad>
+                  </m:oMath>
+                </a14:m>
+                <a:endParaRPr lang="en-GB" sz="1800" b="0" dirty="0"/>
+              </a:p>
+              <a:p>
+                <a14:m>
+                  <m:oMath xmlns:m="http://schemas.openxmlformats.org/officeDocument/2006/math">
+                    <m:sSub>
+                      <m:sSubPr>
+                        <m:ctrlPr>
+                          <a:rPr lang="en-GB" sz="1800" b="0" i="1" smtClean="0">
+                            <a:latin typeface="Cambria Math" panose="02040503050406030204" pitchFamily="18" charset="0"/>
+                          </a:rPr>
+                        </m:ctrlPr>
+                      </m:sSubPr>
+                      <m:e>
+                        <m:r>
+                          <a:rPr lang="en-GB" sz="1800" b="0" i="1" smtClean="0">
+                            <a:latin typeface="Cambria Math" panose="02040503050406030204" pitchFamily="18" charset="0"/>
+                          </a:rPr>
+                          <m:t>𝑃</m:t>
+                        </m:r>
+                      </m:e>
+                      <m:sub>
+                        <m:r>
+                          <a:rPr lang="en-GB" sz="1800" b="0" i="1" smtClean="0">
+                            <a:latin typeface="Cambria Math" panose="02040503050406030204" pitchFamily="18" charset="0"/>
+                          </a:rPr>
+                          <m:t>2</m:t>
+                        </m:r>
+                      </m:sub>
+                    </m:sSub>
+                    <m:r>
+                      <a:rPr lang="en-GB" sz="1800" b="0" i="1" smtClean="0">
+                        <a:latin typeface="Cambria Math" panose="02040503050406030204" pitchFamily="18" charset="0"/>
+                      </a:rPr>
+                      <m:t>=</m:t>
+                    </m:r>
+                    <m:sSub>
+                      <m:sSubPr>
+                        <m:ctrlPr>
+                          <a:rPr lang="en-GB" sz="1800" b="0" i="1" smtClean="0">
+                            <a:latin typeface="Cambria Math" panose="02040503050406030204" pitchFamily="18" charset="0"/>
+                          </a:rPr>
+                        </m:ctrlPr>
+                      </m:sSubPr>
+                      <m:e>
+                        <m:r>
+                          <a:rPr lang="en-GB" sz="1800" b="0" i="1" smtClean="0">
+                            <a:latin typeface="Cambria Math" panose="02040503050406030204" pitchFamily="18" charset="0"/>
+                          </a:rPr>
+                          <m:t>𝑃</m:t>
+                        </m:r>
+                      </m:e>
+                      <m:sub>
+                        <m:r>
+                          <a:rPr lang="en-GB" sz="1800" b="0" i="1" smtClean="0">
+                            <a:latin typeface="Cambria Math" panose="02040503050406030204" pitchFamily="18" charset="0"/>
+                          </a:rPr>
+                          <m:t>0</m:t>
+                        </m:r>
+                      </m:sub>
+                    </m:sSub>
+                    <m:r>
+                      <a:rPr lang="en-GB" sz="1800" b="0" i="1" smtClean="0">
+                        <a:latin typeface="Cambria Math" panose="02040503050406030204" pitchFamily="18" charset="0"/>
+                      </a:rPr>
+                      <m:t>+</m:t>
+                    </m:r>
+                    <m:f>
+                      <m:fPr>
+                        <m:ctrlPr>
+                          <a:rPr lang="en-GB" sz="1800" b="0" i="1" smtClean="0">
+                            <a:latin typeface="Cambria Math" panose="02040503050406030204" pitchFamily="18" charset="0"/>
+                          </a:rPr>
+                        </m:ctrlPr>
+                      </m:fPr>
+                      <m:num>
+                        <m:r>
+                          <a:rPr lang="en-GB" sz="1800" b="0" i="1" smtClean="0">
+                            <a:latin typeface="Cambria Math" panose="02040503050406030204" pitchFamily="18" charset="0"/>
+                          </a:rPr>
+                          <m:t>𝑎</m:t>
+                        </m:r>
+                        <m:r>
+                          <a:rPr lang="en-GB" sz="1800" b="0" i="1" smtClean="0">
+                            <a:latin typeface="Cambria Math" panose="02040503050406030204" pitchFamily="18" charset="0"/>
+                          </a:rPr>
+                          <m:t>(</m:t>
+                        </m:r>
+                        <m:sSub>
+                          <m:sSubPr>
+                            <m:ctrlPr>
+                              <a:rPr lang="en-GB" sz="1800" b="0" i="1" smtClean="0">
+                                <a:latin typeface="Cambria Math" panose="02040503050406030204" pitchFamily="18" charset="0"/>
+                              </a:rPr>
+                            </m:ctrlPr>
+                          </m:sSubPr>
+                          <m:e>
+                            <m:r>
+                              <a:rPr lang="en-GB" sz="1800" b="0" i="1" smtClean="0">
+                                <a:latin typeface="Cambria Math" panose="02040503050406030204" pitchFamily="18" charset="0"/>
+                              </a:rPr>
+                              <m:t>𝑃</m:t>
+                            </m:r>
+                          </m:e>
+                          <m:sub>
+                            <m:r>
+                              <a:rPr lang="en-GB" sz="1800" b="0" i="1" smtClean="0">
+                                <a:latin typeface="Cambria Math" panose="02040503050406030204" pitchFamily="18" charset="0"/>
+                              </a:rPr>
+                              <m:t>1</m:t>
+                            </m:r>
+                          </m:sub>
+                        </m:sSub>
+                        <m:r>
+                          <a:rPr lang="en-GB" sz="1800" b="0" i="1" smtClean="0">
+                            <a:latin typeface="Cambria Math" panose="02040503050406030204" pitchFamily="18" charset="0"/>
+                          </a:rPr>
+                          <m:t>−</m:t>
+                        </m:r>
+                        <m:sSub>
+                          <m:sSubPr>
+                            <m:ctrlPr>
+                              <a:rPr lang="en-GB" sz="1800" b="0" i="1" smtClean="0">
+                                <a:latin typeface="Cambria Math" panose="02040503050406030204" pitchFamily="18" charset="0"/>
+                              </a:rPr>
+                            </m:ctrlPr>
+                          </m:sSubPr>
+                          <m:e>
+                            <m:r>
+                              <a:rPr lang="en-GB" sz="1800" b="0" i="1" smtClean="0">
+                                <a:latin typeface="Cambria Math" panose="02040503050406030204" pitchFamily="18" charset="0"/>
+                              </a:rPr>
+                              <m:t>𝑃</m:t>
+                            </m:r>
+                          </m:e>
+                          <m:sub>
+                            <m:r>
+                              <a:rPr lang="en-GB" sz="1800" b="0" i="1" smtClean="0">
+                                <a:latin typeface="Cambria Math" panose="02040503050406030204" pitchFamily="18" charset="0"/>
+                              </a:rPr>
+                              <m:t>0</m:t>
+                            </m:r>
+                          </m:sub>
+                        </m:sSub>
+                        <m:r>
+                          <a:rPr lang="en-GB" sz="1800" b="0" i="1" smtClean="0">
+                            <a:latin typeface="Cambria Math" panose="02040503050406030204" pitchFamily="18" charset="0"/>
+                          </a:rPr>
+                          <m:t>)</m:t>
+                        </m:r>
+                      </m:num>
+                      <m:den>
+                        <m:r>
+                          <a:rPr lang="en-GB" sz="1800" b="0" i="1" smtClean="0">
+                            <a:latin typeface="Cambria Math" panose="02040503050406030204" pitchFamily="18" charset="0"/>
+                          </a:rPr>
+                          <m:t>𝑑</m:t>
+                        </m:r>
+                      </m:den>
+                    </m:f>
+                  </m:oMath>
+                </a14:m>
+                <a:endParaRPr lang="en-US" sz="1800" dirty="0"/>
+              </a:p>
+            </p:txBody>
+          </p:sp>
+        </mc:Choice>
+        <mc:Fallback>
+          <p:sp>
+            <p:nvSpPr>
+              <p:cNvPr id="9" name="Content Placeholder 8">
+                <a:extLst>
+                  <a:ext uri="{FF2B5EF4-FFF2-40B4-BE49-F238E27FC236}">
+                    <a16:creationId xmlns:a16="http://schemas.microsoft.com/office/drawing/2014/main" id="{1553538B-8BA9-4F23-A9B1-2EDADFA38F5E}"/>
+                  </a:ext>
+                </a:extLst>
+              </p:cNvPr>
+              <p:cNvSpPr>
+                <a:spLocks noGrp="1" noRot="1" noChangeAspect="1" noMove="1" noResize="1" noEditPoints="1" noAdjustHandles="1" noChangeArrowheads="1" noChangeShapeType="1" noTextEdit="1"/>
+              </p:cNvSpPr>
+              <p:nvPr>
+                <p:ph idx="1"/>
+              </p:nvPr>
+            </p:nvSpPr>
+            <p:spPr>
+              <a:xfrm>
+                <a:off x="648930" y="2438400"/>
+                <a:ext cx="3667037" cy="3785419"/>
+              </a:xfrm>
+              <a:blipFill>
+                <a:blip r:embed="rId2"/>
+                <a:stretch>
+                  <a:fillRect l="-997"/>
+                </a:stretch>
+              </a:blipFill>
+            </p:spPr>
+            <p:txBody>
+              <a:bodyPr/>
+              <a:lstStyle/>
+              <a:p>
+                <a:r>
+                  <a:rPr lang="en-GB">
+                    <a:noFill/>
+                  </a:rPr>
+                  <a:t> </a:t>
+                </a:r>
+              </a:p>
+            </p:txBody>
+          </p:sp>
+        </mc:Fallback>
+      </mc:AlternateContent>
+      <p:pic>
+        <p:nvPicPr>
+          <p:cNvPr id="7" name="Content Placeholder 3" descr="A picture containing text&#10;&#10;Description automatically generated">
+            <a:extLst>
+              <a:ext uri="{FF2B5EF4-FFF2-40B4-BE49-F238E27FC236}">
+                <a16:creationId xmlns:a16="http://schemas.microsoft.com/office/drawing/2014/main" id="{72D5A657-E0A5-4F31-8475-955219EDFE15}"/>
+              </a:ext>
+            </a:extLst>
+          </p:cNvPr>
+          <p:cNvPicPr>
+            <a:picLocks noChangeAspect="1"/>
+          </p:cNvPicPr>
+          <p:nvPr/>
+        </p:nvPicPr>
+        <p:blipFill rotWithShape="1">
+          <a:blip r:embed="rId3"/>
+          <a:srcRect l="4593" r="2" b="2"/>
+          <a:stretch/>
+        </p:blipFill>
+        <p:spPr>
+          <a:xfrm>
+            <a:off x="4636008" y="640082"/>
+            <a:ext cx="6916329" cy="5577837"/>
           </a:xfrm>
           <a:prstGeom prst="rect">
             <a:avLst/>
           </a:prstGeom>
-          <a:solidFill>
-            <a:srgbClr val="4D465A"/>
-          </a:solidFill>
-          <a:ln>
-            <a:noFill/>
-          </a:ln>
-        </p:spPr>
-        <p:style>
-          <a:lnRef idx="2">
-            <a:schemeClr val="accent1">
-              <a:shade val="50000"/>
-            </a:schemeClr>
-          </a:lnRef>
-          <a:fillRef idx="1">
-            <a:schemeClr val="accent1"/>
-          </a:fillRef>
-          <a:effectRef idx="0">
-            <a:schemeClr val="accent1"/>
-          </a:effectRef>
-          <a:fontRef idx="minor">
-            <a:schemeClr val="lt1"/>
-          </a:fontRef>
-        </p:style>
-        <p:txBody>
-          <a:bodyPr rtlCol="0" anchor="ctr"/>
-          <a:lstStyle/>
-          <a:p>
-            <a:pPr algn="ctr"/>
-            <a:endParaRPr lang="en-US"/>
-          </a:p>
-        </p:txBody>
-      </p:sp>
-      <p:sp>
-        <p:nvSpPr>
-          <p:cNvPr id="12" name="Rectangle 11">
-            <a:extLst>
-              <a:ext uri="{FF2B5EF4-FFF2-40B4-BE49-F238E27FC236}">
-                <a16:creationId xmlns:a16="http://schemas.microsoft.com/office/drawing/2014/main" id="{CB44330D-EA18-4254-AA95-EB49948539B8}"/>
-              </a:ext>
-              <a:ext uri="{C183D7F6-B498-43B3-948B-1728B52AA6E4}">
-                <adec:decorative xmlns:adec="http://schemas.microsoft.com/office/drawing/2017/decorative" val="1"/>
-              </a:ext>
-            </a:extLst>
-          </p:cNvPr>
-          <p:cNvSpPr>
-            <a:spLocks noGrp="1" noRot="1" noChangeAspect="1" noMove="1" noResize="1" noEditPoints="1" noAdjustHandles="1" noChangeArrowheads="1" noChangeShapeType="1" noTextEdit="1"/>
-          </p:cNvSpPr>
-          <p:nvPr>
-            <p:extLst>
-              <p:ext uri="{386F3935-93C4-4BCD-93E2-E3B085C9AB24}">
-                <p16:designElem xmlns:p16="http://schemas.microsoft.com/office/powerpoint/2015/main" val="1"/>
-              </p:ext>
-            </p:extLst>
-          </p:nvPr>
-        </p:nvSpPr>
-        <p:spPr>
-          <a:xfrm>
-            <a:off x="477012" y="480060"/>
-            <a:ext cx="11237976" cy="5897880"/>
-          </a:xfrm>
-          <a:prstGeom prst="rect">
-            <a:avLst/>
-          </a:prstGeom>
-          <a:solidFill>
-            <a:srgbClr val="FFFFFF"/>
-          </a:solidFill>
-          <a:ln>
-            <a:noFill/>
-          </a:ln>
-        </p:spPr>
-        <p:style>
-          <a:lnRef idx="2">
-            <a:schemeClr val="accent1">
-              <a:shade val="50000"/>
-            </a:schemeClr>
-          </a:lnRef>
-          <a:fillRef idx="1">
-            <a:schemeClr val="accent1"/>
-          </a:fillRef>
-          <a:effectRef idx="0">
-            <a:schemeClr val="accent1"/>
-          </a:effectRef>
-          <a:fontRef idx="minor">
-            <a:schemeClr val="lt1"/>
-          </a:fontRef>
-        </p:style>
-        <p:txBody>
-          <a:bodyPr rtlCol="0" anchor="ctr"/>
-          <a:lstStyle/>
-          <a:p>
-            <a:pPr algn="ctr"/>
-            <a:endParaRPr lang="en-US"/>
-          </a:p>
-        </p:txBody>
-      </p:sp>
-      <p:pic>
-        <p:nvPicPr>
-          <p:cNvPr id="5" name="Content Placeholder 4" descr="A close up of a map&#10;&#10;Description automatically generated">
-            <a:extLst>
-              <a:ext uri="{FF2B5EF4-FFF2-40B4-BE49-F238E27FC236}">
-                <a16:creationId xmlns:a16="http://schemas.microsoft.com/office/drawing/2014/main" id="{A0E7C640-E62F-4CEE-A155-17C727C7F36D}"/>
-              </a:ext>
-            </a:extLst>
-          </p:cNvPr>
-          <p:cNvPicPr>
-            <a:picLocks noGrp="1" noChangeAspect="1"/>
-          </p:cNvPicPr>
-          <p:nvPr>
-            <p:ph idx="1"/>
-          </p:nvPr>
-        </p:nvPicPr>
-        <p:blipFill>
-          <a:blip r:embed="rId2">
-            <a:extLst>
-              <a:ext uri="{28A0092B-C50C-407E-A947-70E740481C1C}">
-                <a14:useLocalDpi xmlns:a14="http://schemas.microsoft.com/office/drawing/2010/main" val="0"/>
-              </a:ext>
-            </a:extLst>
-          </a:blip>
-          <a:stretch>
-            <a:fillRect/>
-          </a:stretch>
-        </p:blipFill>
-        <p:spPr>
-          <a:xfrm>
-            <a:off x="2381956" y="643467"/>
-            <a:ext cx="7428088" cy="5571066"/>
-          </a:xfrm>
-          <a:prstGeom prst="rect">
-            <a:avLst/>
-          </a:prstGeom>
+          <a:effectLst/>
         </p:spPr>
       </p:pic>
     </p:spTree>
     <p:extLst>
       <p:ext uri="{BB962C8B-B14F-4D97-AF65-F5344CB8AC3E}">
-        <p14:creationId xmlns:p14="http://schemas.microsoft.com/office/powerpoint/2010/main" val="3739813787"/>
+        <p14:creationId xmlns:p14="http://schemas.microsoft.com/office/powerpoint/2010/main" val="2331385607"/>
       </p:ext>
     </p:extLst>
   </p:cSld>
@@ -6447,6 +7261,577 @@
 </file>
 
 <file path=ppt/slides/slide20.xml><?xml version="1.0" encoding="utf-8"?>
+<p:sld xmlns:a="http://schemas.openxmlformats.org/drawingml/2006/main" xmlns:r="http://schemas.openxmlformats.org/officeDocument/2006/relationships" xmlns:p="http://schemas.openxmlformats.org/presentationml/2006/main">
+  <p:cSld>
+    <p:bg>
+      <p:bgPr>
+        <a:solidFill>
+          <a:schemeClr val="bg1"/>
+        </a:solidFill>
+        <a:effectLst/>
+      </p:bgPr>
+    </p:bg>
+    <p:spTree>
+      <p:nvGrpSpPr>
+        <p:cNvPr id="1" name=""/>
+        <p:cNvGrpSpPr/>
+        <p:nvPr/>
+      </p:nvGrpSpPr>
+      <p:grpSpPr>
+        <a:xfrm>
+          <a:off x="0" y="0"/>
+          <a:ext cx="0" cy="0"/>
+          <a:chOff x="0" y="0"/>
+          <a:chExt cx="0" cy="0"/>
+        </a:xfrm>
+      </p:grpSpPr>
+      <p:sp>
+        <p:nvSpPr>
+          <p:cNvPr id="2" name="Title 1">
+            <a:extLst>
+              <a:ext uri="{FF2B5EF4-FFF2-40B4-BE49-F238E27FC236}">
+                <a16:creationId xmlns:a16="http://schemas.microsoft.com/office/drawing/2014/main" id="{31FC88CF-A5E4-46CE-B88F-C380E6B18CE0}"/>
+              </a:ext>
+            </a:extLst>
+          </p:cNvPr>
+          <p:cNvSpPr>
+            <a:spLocks noGrp="1"/>
+          </p:cNvSpPr>
+          <p:nvPr>
+            <p:ph type="title"/>
+          </p:nvPr>
+        </p:nvSpPr>
+        <p:spPr>
+          <a:xfrm>
+            <a:off x="648929" y="629266"/>
+            <a:ext cx="3651467" cy="1676603"/>
+          </a:xfrm>
+        </p:spPr>
+        <p:txBody>
+          <a:bodyPr>
+            <a:normAutofit/>
+          </a:bodyPr>
+          <a:lstStyle/>
+          <a:p>
+            <a:r>
+              <a:rPr lang="en-GB" sz="3700"/>
+              <a:t>Shortest distance from point to circle</a:t>
+            </a:r>
+          </a:p>
+        </p:txBody>
+      </p:sp>
+      <mc:AlternateContent xmlns:mc="http://schemas.openxmlformats.org/markup-compatibility/2006">
+        <mc:Choice xmlns:a14="http://schemas.microsoft.com/office/drawing/2010/main" Requires="a14">
+          <p:sp>
+            <p:nvSpPr>
+              <p:cNvPr id="9" name="Content Placeholder 8">
+                <a:extLst>
+                  <a:ext uri="{FF2B5EF4-FFF2-40B4-BE49-F238E27FC236}">
+                    <a16:creationId xmlns:a16="http://schemas.microsoft.com/office/drawing/2014/main" id="{0D56DAB9-6902-4082-A9CD-FE234DB4F61A}"/>
+                  </a:ext>
+                </a:extLst>
+              </p:cNvPr>
+              <p:cNvSpPr>
+                <a:spLocks noGrp="1"/>
+              </p:cNvSpPr>
+              <p:nvPr>
+                <p:ph idx="1"/>
+              </p:nvPr>
+            </p:nvSpPr>
+            <p:spPr>
+              <a:xfrm>
+                <a:off x="648931" y="2438400"/>
+                <a:ext cx="3730122" cy="3785419"/>
+              </a:xfrm>
+            </p:spPr>
+            <p:txBody>
+              <a:bodyPr>
+                <a:normAutofit/>
+              </a:bodyPr>
+              <a:lstStyle/>
+              <a:p>
+                <a14:m>
+                  <m:oMath xmlns:m="http://schemas.openxmlformats.org/officeDocument/2006/math">
+                    <m:r>
+                      <a:rPr lang="en-GB" sz="1800" b="0" i="1" smtClean="0">
+                        <a:latin typeface="Cambria Math" panose="02040503050406030204" pitchFamily="18" charset="0"/>
+                      </a:rPr>
+                      <m:t>𝑑</m:t>
+                    </m:r>
+                    <m:r>
+                      <a:rPr lang="en-GB" sz="1800" b="0" i="1" smtClean="0">
+                        <a:latin typeface="Cambria Math" panose="02040503050406030204" pitchFamily="18" charset="0"/>
+                      </a:rPr>
+                      <m:t>=|</m:t>
+                    </m:r>
+                    <m:rad>
+                      <m:radPr>
+                        <m:degHide m:val="on"/>
+                        <m:ctrlPr>
+                          <a:rPr lang="en-GB" sz="1800" b="0" i="1" smtClean="0">
+                            <a:latin typeface="Cambria Math" panose="02040503050406030204" pitchFamily="18" charset="0"/>
+                          </a:rPr>
+                        </m:ctrlPr>
+                      </m:radPr>
+                      <m:deg/>
+                      <m:e>
+                        <m:sSup>
+                          <m:sSupPr>
+                            <m:ctrlPr>
+                              <a:rPr lang="en-GB" sz="1800" b="0" i="1" smtClean="0">
+                                <a:latin typeface="Cambria Math" panose="02040503050406030204" pitchFamily="18" charset="0"/>
+                              </a:rPr>
+                            </m:ctrlPr>
+                          </m:sSupPr>
+                          <m:e>
+                            <m:d>
+                              <m:dPr>
+                                <m:ctrlPr>
+                                  <a:rPr lang="en-GB" sz="1800" b="0" i="1" smtClean="0">
+                                    <a:latin typeface="Cambria Math" panose="02040503050406030204" pitchFamily="18" charset="0"/>
+                                  </a:rPr>
+                                </m:ctrlPr>
+                              </m:dPr>
+                              <m:e>
+                                <m:sSub>
+                                  <m:sSubPr>
+                                    <m:ctrlPr>
+                                      <a:rPr lang="en-GB" sz="1800" b="0" i="1" smtClean="0">
+                                        <a:latin typeface="Cambria Math" panose="02040503050406030204" pitchFamily="18" charset="0"/>
+                                      </a:rPr>
+                                    </m:ctrlPr>
+                                  </m:sSubPr>
+                                  <m:e>
+                                    <m:r>
+                                      <a:rPr lang="en-GB" sz="1800" b="0" i="1" smtClean="0">
+                                        <a:latin typeface="Cambria Math" panose="02040503050406030204" pitchFamily="18" charset="0"/>
+                                      </a:rPr>
+                                      <m:t>𝑥</m:t>
+                                    </m:r>
+                                  </m:e>
+                                  <m:sub>
+                                    <m:r>
+                                      <a:rPr lang="en-GB" sz="1800" b="0" i="1" smtClean="0">
+                                        <a:latin typeface="Cambria Math" panose="02040503050406030204" pitchFamily="18" charset="0"/>
+                                      </a:rPr>
+                                      <m:t>1</m:t>
+                                    </m:r>
+                                  </m:sub>
+                                </m:sSub>
+                                <m:r>
+                                  <a:rPr lang="en-GB" sz="1800" b="0" i="1" smtClean="0">
+                                    <a:latin typeface="Cambria Math" panose="02040503050406030204" pitchFamily="18" charset="0"/>
+                                  </a:rPr>
+                                  <m:t>−</m:t>
+                                </m:r>
+                                <m:r>
+                                  <a:rPr lang="en-GB" sz="1800" b="0" i="1" smtClean="0">
+                                    <a:latin typeface="Cambria Math" panose="02040503050406030204" pitchFamily="18" charset="0"/>
+                                  </a:rPr>
+                                  <m:t>h</m:t>
+                                </m:r>
+                              </m:e>
+                            </m:d>
+                          </m:e>
+                          <m:sup>
+                            <m:r>
+                              <a:rPr lang="en-GB" sz="1800" b="0" i="1" smtClean="0">
+                                <a:latin typeface="Cambria Math" panose="02040503050406030204" pitchFamily="18" charset="0"/>
+                              </a:rPr>
+                              <m:t>2</m:t>
+                            </m:r>
+                          </m:sup>
+                        </m:sSup>
+                        <m:r>
+                          <a:rPr lang="en-GB" sz="1800" b="0" i="1" smtClean="0">
+                            <a:latin typeface="Cambria Math" panose="02040503050406030204" pitchFamily="18" charset="0"/>
+                          </a:rPr>
+                          <m:t>+</m:t>
+                        </m:r>
+                        <m:sSup>
+                          <m:sSupPr>
+                            <m:ctrlPr>
+                              <a:rPr lang="en-GB" sz="1800" b="0" i="1" smtClean="0">
+                                <a:latin typeface="Cambria Math" panose="02040503050406030204" pitchFamily="18" charset="0"/>
+                              </a:rPr>
+                            </m:ctrlPr>
+                          </m:sSupPr>
+                          <m:e>
+                            <m:d>
+                              <m:dPr>
+                                <m:ctrlPr>
+                                  <a:rPr lang="en-GB" sz="1800" b="0" i="1" smtClean="0">
+                                    <a:latin typeface="Cambria Math" panose="02040503050406030204" pitchFamily="18" charset="0"/>
+                                  </a:rPr>
+                                </m:ctrlPr>
+                              </m:dPr>
+                              <m:e>
+                                <m:sSub>
+                                  <m:sSubPr>
+                                    <m:ctrlPr>
+                                      <a:rPr lang="en-GB" sz="1800" b="0" i="1" smtClean="0">
+                                        <a:latin typeface="Cambria Math" panose="02040503050406030204" pitchFamily="18" charset="0"/>
+                                      </a:rPr>
+                                    </m:ctrlPr>
+                                  </m:sSubPr>
+                                  <m:e>
+                                    <m:r>
+                                      <a:rPr lang="en-GB" sz="1800" b="0" i="1" smtClean="0">
+                                        <a:latin typeface="Cambria Math" panose="02040503050406030204" pitchFamily="18" charset="0"/>
+                                      </a:rPr>
+                                      <m:t>𝑦</m:t>
+                                    </m:r>
+                                  </m:e>
+                                  <m:sub>
+                                    <m:r>
+                                      <a:rPr lang="en-GB" sz="1800" b="0" i="1" smtClean="0">
+                                        <a:latin typeface="Cambria Math" panose="02040503050406030204" pitchFamily="18" charset="0"/>
+                                      </a:rPr>
+                                      <m:t>1</m:t>
+                                    </m:r>
+                                  </m:sub>
+                                </m:sSub>
+                                <m:r>
+                                  <a:rPr lang="en-GB" sz="1800" b="0" i="1" smtClean="0">
+                                    <a:latin typeface="Cambria Math" panose="02040503050406030204" pitchFamily="18" charset="0"/>
+                                  </a:rPr>
+                                  <m:t>−</m:t>
+                                </m:r>
+                                <m:r>
+                                  <a:rPr lang="en-GB" sz="1800" b="0" i="1" smtClean="0">
+                                    <a:latin typeface="Cambria Math" panose="02040503050406030204" pitchFamily="18" charset="0"/>
+                                  </a:rPr>
+                                  <m:t>𝑘</m:t>
+                                </m:r>
+                              </m:e>
+                            </m:d>
+                          </m:e>
+                          <m:sup>
+                            <m:r>
+                              <a:rPr lang="en-GB" sz="1800" b="0" i="1" smtClean="0">
+                                <a:latin typeface="Cambria Math" panose="02040503050406030204" pitchFamily="18" charset="0"/>
+                              </a:rPr>
+                              <m:t>2</m:t>
+                            </m:r>
+                          </m:sup>
+                        </m:sSup>
+                      </m:e>
+                    </m:rad>
+                    <m:r>
+                      <a:rPr lang="en-GB" sz="1800" b="0" i="1" smtClean="0">
+                        <a:latin typeface="Cambria Math" panose="02040503050406030204" pitchFamily="18" charset="0"/>
+                      </a:rPr>
+                      <m:t>−</m:t>
+                    </m:r>
+                    <m:r>
+                      <a:rPr lang="en-GB" sz="1800" b="0" i="1" smtClean="0">
+                        <a:latin typeface="Cambria Math" panose="02040503050406030204" pitchFamily="18" charset="0"/>
+                      </a:rPr>
+                      <m:t>𝑟</m:t>
+                    </m:r>
+                    <m:r>
+                      <a:rPr lang="en-GB" sz="1800" b="0" i="1" smtClean="0">
+                        <a:latin typeface="Cambria Math" panose="02040503050406030204" pitchFamily="18" charset="0"/>
+                      </a:rPr>
+                      <m:t>|</m:t>
+                    </m:r>
+                  </m:oMath>
+                </a14:m>
+                <a:endParaRPr lang="en-US" sz="1800" dirty="0"/>
+              </a:p>
+            </p:txBody>
+          </p:sp>
+        </mc:Choice>
+        <mc:Fallback>
+          <p:sp>
+            <p:nvSpPr>
+              <p:cNvPr id="9" name="Content Placeholder 8">
+                <a:extLst>
+                  <a:ext uri="{FF2B5EF4-FFF2-40B4-BE49-F238E27FC236}">
+                    <a16:creationId xmlns:a16="http://schemas.microsoft.com/office/drawing/2014/main" id="{0D56DAB9-6902-4082-A9CD-FE234DB4F61A}"/>
+                  </a:ext>
+                </a:extLst>
+              </p:cNvPr>
+              <p:cNvSpPr>
+                <a:spLocks noGrp="1" noRot="1" noChangeAspect="1" noMove="1" noResize="1" noEditPoints="1" noAdjustHandles="1" noChangeArrowheads="1" noChangeShapeType="1" noTextEdit="1"/>
+              </p:cNvSpPr>
+              <p:nvPr>
+                <p:ph idx="1"/>
+              </p:nvPr>
+            </p:nvSpPr>
+            <p:spPr>
+              <a:xfrm>
+                <a:off x="648931" y="2438400"/>
+                <a:ext cx="3730122" cy="3785419"/>
+              </a:xfrm>
+              <a:blipFill>
+                <a:blip r:embed="rId2"/>
+                <a:stretch>
+                  <a:fillRect l="-980"/>
+                </a:stretch>
+              </a:blipFill>
+            </p:spPr>
+            <p:txBody>
+              <a:bodyPr/>
+              <a:lstStyle/>
+              <a:p>
+                <a:r>
+                  <a:rPr lang="en-GB">
+                    <a:noFill/>
+                  </a:rPr>
+                  <a:t> </a:t>
+                </a:r>
+              </a:p>
+            </p:txBody>
+          </p:sp>
+        </mc:Fallback>
+      </mc:AlternateContent>
+      <p:pic>
+        <p:nvPicPr>
+          <p:cNvPr id="7" name="Content Placeholder 3">
+            <a:extLst>
+              <a:ext uri="{FF2B5EF4-FFF2-40B4-BE49-F238E27FC236}">
+                <a16:creationId xmlns:a16="http://schemas.microsoft.com/office/drawing/2014/main" id="{EFC06EE2-E148-4DE4-9512-5F55A2EACE2F}"/>
+              </a:ext>
+            </a:extLst>
+          </p:cNvPr>
+          <p:cNvPicPr>
+            <a:picLocks noChangeAspect="1"/>
+          </p:cNvPicPr>
+          <p:nvPr/>
+        </p:nvPicPr>
+        <p:blipFill rotWithShape="1">
+          <a:blip r:embed="rId3"/>
+          <a:srcRect b="5859"/>
+          <a:stretch/>
+        </p:blipFill>
+        <p:spPr>
+          <a:xfrm>
+            <a:off x="4639056" y="10"/>
+            <a:ext cx="7552944" cy="6857990"/>
+          </a:xfrm>
+          <a:prstGeom prst="rect">
+            <a:avLst/>
+          </a:prstGeom>
+          <a:effectLst/>
+        </p:spPr>
+      </p:pic>
+    </p:spTree>
+    <p:extLst>
+      <p:ext uri="{BB962C8B-B14F-4D97-AF65-F5344CB8AC3E}">
+        <p14:creationId xmlns:p14="http://schemas.microsoft.com/office/powerpoint/2010/main" val="607561475"/>
+      </p:ext>
+    </p:extLst>
+  </p:cSld>
+  <p:clrMapOvr>
+    <a:masterClrMapping/>
+  </p:clrMapOvr>
+</p:sld>
+</file>
+
+<file path=ppt/slides/slide21.xml><?xml version="1.0" encoding="utf-8"?>
+<p:sld xmlns:a="http://schemas.openxmlformats.org/drawingml/2006/main" xmlns:r="http://schemas.openxmlformats.org/officeDocument/2006/relationships" xmlns:p="http://schemas.openxmlformats.org/presentationml/2006/main">
+  <p:cSld>
+    <p:bg>
+      <p:bgPr>
+        <a:solidFill>
+          <a:schemeClr val="bg1"/>
+        </a:solidFill>
+        <a:effectLst/>
+      </p:bgPr>
+    </p:bg>
+    <p:spTree>
+      <p:nvGrpSpPr>
+        <p:cNvPr id="1" name=""/>
+        <p:cNvGrpSpPr/>
+        <p:nvPr/>
+      </p:nvGrpSpPr>
+      <p:grpSpPr>
+        <a:xfrm>
+          <a:off x="0" y="0"/>
+          <a:ext cx="0" cy="0"/>
+          <a:chOff x="0" y="0"/>
+          <a:chExt cx="0" cy="0"/>
+        </a:xfrm>
+      </p:grpSpPr>
+      <p:sp>
+        <p:nvSpPr>
+          <p:cNvPr id="10" name="Rectangle 9">
+            <a:extLst>
+              <a:ext uri="{FF2B5EF4-FFF2-40B4-BE49-F238E27FC236}">
+                <a16:creationId xmlns:a16="http://schemas.microsoft.com/office/drawing/2014/main" id="{32BC26D8-82FB-445E-AA49-62A77D7C1EE0}"/>
+              </a:ext>
+              <a:ext uri="{C183D7F6-B498-43B3-948B-1728B52AA6E4}">
+                <adec:decorative xmlns:adec="http://schemas.microsoft.com/office/drawing/2017/decorative" val="1"/>
+              </a:ext>
+            </a:extLst>
+          </p:cNvPr>
+          <p:cNvSpPr>
+            <a:spLocks noGrp="1" noRot="1" noChangeAspect="1" noMove="1" noResize="1" noEditPoints="1" noAdjustHandles="1" noChangeArrowheads="1" noChangeShapeType="1" noTextEdit="1"/>
+          </p:cNvSpPr>
+          <p:nvPr>
+            <p:extLst>
+              <p:ext uri="{386F3935-93C4-4BCD-93E2-E3B085C9AB24}">
+                <p16:designElem xmlns:p16="http://schemas.microsoft.com/office/powerpoint/2015/main" val="1"/>
+              </p:ext>
+            </p:extLst>
+          </p:nvPr>
+        </p:nvSpPr>
+        <p:spPr>
+          <a:xfrm>
+            <a:off x="0" y="0"/>
+            <a:ext cx="12192000" cy="6858000"/>
+          </a:xfrm>
+          <a:prstGeom prst="rect">
+            <a:avLst/>
+          </a:prstGeom>
+          <a:solidFill>
+            <a:srgbClr val="4D465A"/>
+          </a:solidFill>
+          <a:ln>
+            <a:noFill/>
+          </a:ln>
+        </p:spPr>
+        <p:style>
+          <a:lnRef idx="2">
+            <a:schemeClr val="accent1">
+              <a:shade val="50000"/>
+            </a:schemeClr>
+          </a:lnRef>
+          <a:fillRef idx="1">
+            <a:schemeClr val="accent1"/>
+          </a:fillRef>
+          <a:effectRef idx="0">
+            <a:schemeClr val="accent1"/>
+          </a:effectRef>
+          <a:fontRef idx="minor">
+            <a:schemeClr val="lt1"/>
+          </a:fontRef>
+        </p:style>
+        <p:txBody>
+          <a:bodyPr rtlCol="0" anchor="ctr"/>
+          <a:lstStyle/>
+          <a:p>
+            <a:pPr algn="ctr"/>
+            <a:endParaRPr lang="en-US"/>
+          </a:p>
+        </p:txBody>
+      </p:sp>
+      <p:sp>
+        <p:nvSpPr>
+          <p:cNvPr id="12" name="Rectangle 11">
+            <a:extLst>
+              <a:ext uri="{FF2B5EF4-FFF2-40B4-BE49-F238E27FC236}">
+                <a16:creationId xmlns:a16="http://schemas.microsoft.com/office/drawing/2014/main" id="{CB44330D-EA18-4254-AA95-EB49948539B8}"/>
+              </a:ext>
+              <a:ext uri="{C183D7F6-B498-43B3-948B-1728B52AA6E4}">
+                <adec:decorative xmlns:adec="http://schemas.microsoft.com/office/drawing/2017/decorative" val="1"/>
+              </a:ext>
+            </a:extLst>
+          </p:cNvPr>
+          <p:cNvSpPr>
+            <a:spLocks noGrp="1" noRot="1" noChangeAspect="1" noMove="1" noResize="1" noEditPoints="1" noAdjustHandles="1" noChangeArrowheads="1" noChangeShapeType="1" noTextEdit="1"/>
+          </p:cNvSpPr>
+          <p:nvPr>
+            <p:extLst>
+              <p:ext uri="{386F3935-93C4-4BCD-93E2-E3B085C9AB24}">
+                <p16:designElem xmlns:p16="http://schemas.microsoft.com/office/powerpoint/2015/main" val="1"/>
+              </p:ext>
+            </p:extLst>
+          </p:nvPr>
+        </p:nvSpPr>
+        <p:spPr>
+          <a:xfrm>
+            <a:off x="477012" y="480060"/>
+            <a:ext cx="11237976" cy="5897880"/>
+          </a:xfrm>
+          <a:prstGeom prst="rect">
+            <a:avLst/>
+          </a:prstGeom>
+          <a:solidFill>
+            <a:srgbClr val="FFFFFF"/>
+          </a:solidFill>
+          <a:ln>
+            <a:noFill/>
+          </a:ln>
+        </p:spPr>
+        <p:style>
+          <a:lnRef idx="2">
+            <a:schemeClr val="accent1">
+              <a:shade val="50000"/>
+            </a:schemeClr>
+          </a:lnRef>
+          <a:fillRef idx="1">
+            <a:schemeClr val="accent1"/>
+          </a:fillRef>
+          <a:effectRef idx="0">
+            <a:schemeClr val="accent1"/>
+          </a:effectRef>
+          <a:fontRef idx="minor">
+            <a:schemeClr val="lt1"/>
+          </a:fontRef>
+        </p:style>
+        <p:txBody>
+          <a:bodyPr rtlCol="0" anchor="ctr"/>
+          <a:lstStyle/>
+          <a:p>
+            <a:pPr algn="ctr"/>
+            <a:endParaRPr lang="en-US"/>
+          </a:p>
+        </p:txBody>
+      </p:sp>
+      <p:pic>
+        <p:nvPicPr>
+          <p:cNvPr id="5" name="Content Placeholder 4" descr="A close up of a map&#10;&#10;Description automatically generated">
+            <a:extLst>
+              <a:ext uri="{FF2B5EF4-FFF2-40B4-BE49-F238E27FC236}">
+                <a16:creationId xmlns:a16="http://schemas.microsoft.com/office/drawing/2014/main" id="{A0E7C640-E62F-4CEE-A155-17C727C7F36D}"/>
+              </a:ext>
+            </a:extLst>
+          </p:cNvPr>
+          <p:cNvPicPr>
+            <a:picLocks noGrp="1" noChangeAspect="1"/>
+          </p:cNvPicPr>
+          <p:nvPr>
+            <p:ph idx="1"/>
+          </p:nvPr>
+        </p:nvPicPr>
+        <p:blipFill>
+          <a:blip r:embed="rId2">
+            <a:extLst>
+              <a:ext uri="{28A0092B-C50C-407E-A947-70E740481C1C}">
+                <a14:useLocalDpi xmlns:a14="http://schemas.microsoft.com/office/drawing/2010/main" val="0"/>
+              </a:ext>
+            </a:extLst>
+          </a:blip>
+          <a:stretch>
+            <a:fillRect/>
+          </a:stretch>
+        </p:blipFill>
+        <p:spPr>
+          <a:xfrm>
+            <a:off x="2381956" y="643467"/>
+            <a:ext cx="7428088" cy="5571066"/>
+          </a:xfrm>
+          <a:prstGeom prst="rect">
+            <a:avLst/>
+          </a:prstGeom>
+        </p:spPr>
+      </p:pic>
+    </p:spTree>
+    <p:extLst>
+      <p:ext uri="{BB962C8B-B14F-4D97-AF65-F5344CB8AC3E}">
+        <p14:creationId xmlns:p14="http://schemas.microsoft.com/office/powerpoint/2010/main" val="3739813787"/>
+      </p:ext>
+    </p:extLst>
+  </p:cSld>
+  <p:clrMapOvr>
+    <a:masterClrMapping/>
+  </p:clrMapOvr>
+</p:sld>
+</file>
+
+<file path=ppt/slides/slide22.xml><?xml version="1.0" encoding="utf-8"?>
 <p:sld xmlns:a="http://schemas.openxmlformats.org/drawingml/2006/main" xmlns:r="http://schemas.openxmlformats.org/officeDocument/2006/relationships" xmlns:p="http://schemas.openxmlformats.org/presentationml/2006/main">
   <p:cSld>
     <p:bg>
